--- a/semester2 PPT/ConnollyHoar_3rdEd_PHP.pptx
+++ b/semester2 PPT/ConnollyHoar_3rdEd_PHP.pptx
@@ -7,10 +7,10 @@
     <p:sldMasterId id="2147483674" r:id="rId3"/>
   </p:sldMasterIdLst>
   <p:notesMasterIdLst>
-    <p:notesMasterId r:id="rId36"/>
+    <p:notesMasterId r:id="rId27"/>
   </p:notesMasterIdLst>
   <p:handoutMasterIdLst>
-    <p:handoutMasterId r:id="rId37"/>
+    <p:handoutMasterId r:id="rId28"/>
   </p:handoutMasterIdLst>
   <p:sldIdLst>
     <p:sldId id="256" r:id="rId4"/>
@@ -19,32 +19,23 @@
     <p:sldId id="287" r:id="rId7"/>
     <p:sldId id="288" r:id="rId8"/>
     <p:sldId id="348" r:id="rId9"/>
-    <p:sldId id="289" r:id="rId10"/>
-    <p:sldId id="292" r:id="rId11"/>
-    <p:sldId id="291" r:id="rId12"/>
-    <p:sldId id="293" r:id="rId13"/>
-    <p:sldId id="295" r:id="rId14"/>
-    <p:sldId id="296" r:id="rId15"/>
-    <p:sldId id="299" r:id="rId16"/>
-    <p:sldId id="300" r:id="rId17"/>
-    <p:sldId id="301" r:id="rId18"/>
-    <p:sldId id="302" r:id="rId19"/>
+    <p:sldId id="350" r:id="rId10"/>
+    <p:sldId id="289" r:id="rId11"/>
+    <p:sldId id="292" r:id="rId12"/>
+    <p:sldId id="291" r:id="rId13"/>
+    <p:sldId id="293" r:id="rId14"/>
+    <p:sldId id="295" r:id="rId15"/>
+    <p:sldId id="296" r:id="rId16"/>
+    <p:sldId id="299" r:id="rId17"/>
+    <p:sldId id="300" r:id="rId18"/>
+    <p:sldId id="301" r:id="rId19"/>
     <p:sldId id="304" r:id="rId20"/>
     <p:sldId id="306" r:id="rId21"/>
     <p:sldId id="307" r:id="rId22"/>
     <p:sldId id="308" r:id="rId23"/>
     <p:sldId id="310" r:id="rId24"/>
-    <p:sldId id="316" r:id="rId25"/>
-    <p:sldId id="317" r:id="rId26"/>
-    <p:sldId id="322" r:id="rId27"/>
-    <p:sldId id="325" r:id="rId28"/>
-    <p:sldId id="336" r:id="rId29"/>
-    <p:sldId id="338" r:id="rId30"/>
-    <p:sldId id="339" r:id="rId31"/>
-    <p:sldId id="341" r:id="rId32"/>
-    <p:sldId id="345" r:id="rId33"/>
-    <p:sldId id="342" r:id="rId34"/>
-    <p:sldId id="349" r:id="rId35"/>
+    <p:sldId id="345" r:id="rId25"/>
+    <p:sldId id="349" r:id="rId26"/>
   </p:sldIdLst>
   <p:sldSz cx="9144000" cy="5143500" type="screen16x9"/>
   <p:notesSz cx="6858000" cy="9144000"/>
@@ -393,7 +384,7 @@
           <a:p>
             <a:fld id="{52A87A73-31F0-48EC-A8E8-5D7B334567DC}" type="datetimeFigureOut">
               <a:rPr lang="en-CA" smtClean="0"/>
-              <a:t>2025-03-06</a:t>
+              <a:t>2025-03-24</a:t>
             </a:fld>
             <a:endParaRPr lang="en-CA"/>
           </a:p>
@@ -26614,6 +26605,601 @@
           <p:cNvPr id="2" name="Title 1">
             <a:extLst>
               <a:ext uri="{FF2B5EF4-FFF2-40B4-BE49-F238E27FC236}">
+                <a16:creationId xmlns:a16="http://schemas.microsoft.com/office/drawing/2014/main" id="{7E9FD862-3CCD-4AE2-B8F2-48E9F0FBCEAE}"/>
+              </a:ext>
+            </a:extLst>
+          </p:cNvPr>
+          <p:cNvSpPr>
+            <a:spLocks noGrp="1"/>
+          </p:cNvSpPr>
+          <p:nvPr>
+            <p:ph type="title"/>
+          </p:nvPr>
+        </p:nvSpPr>
+        <p:spPr/>
+        <p:txBody>
+          <a:bodyPr/>
+          <a:lstStyle/>
+          <a:p>
+            <a:r>
+              <a:rPr lang="en-CA" dirty="0"/>
+              <a:t>PHP Tag Example</a:t>
+            </a:r>
+          </a:p>
+        </p:txBody>
+      </p:sp>
+      <p:sp>
+        <p:nvSpPr>
+          <p:cNvPr id="4" name="TextBox 3" descr="LISTING 4.2 Embedded styles example">
+            <a:extLst>
+              <a:ext uri="{FF2B5EF4-FFF2-40B4-BE49-F238E27FC236}">
+                <a16:creationId xmlns:a16="http://schemas.microsoft.com/office/drawing/2014/main" id="{2CE24D59-FA92-4FA6-BC8D-887826959F49}"/>
+              </a:ext>
+            </a:extLst>
+          </p:cNvPr>
+          <p:cNvSpPr txBox="1"/>
+          <p:nvPr/>
+        </p:nvSpPr>
+        <p:spPr>
+          <a:xfrm>
+            <a:off x="457200" y="984487"/>
+            <a:ext cx="4114800" cy="3488361"/>
+          </a:xfrm>
+          <a:prstGeom prst="rect">
+            <a:avLst/>
+          </a:prstGeom>
+          <a:solidFill>
+            <a:srgbClr val="E6F0F5"/>
+          </a:solidFill>
+        </p:spPr>
+        <p:txBody>
+          <a:bodyPr wrap="square" numCol="1" rtlCol="0">
+            <a:noAutofit/>
+          </a:bodyPr>
+          <a:lstStyle/>
+          <a:p>
+            <a:pPr algn="l" defTabSz="360000"/>
+            <a:r>
+              <a:rPr lang="en-CA" b="0" i="0" u="none" strike="noStrike" baseline="0" dirty="0">
+                <a:solidFill>
+                  <a:srgbClr val="9A0000"/>
+                </a:solidFill>
+                <a:latin typeface="Calibri" panose="020F0502020204030204" pitchFamily="34" charset="0"/>
+                <a:cs typeface="Calibri" panose="020F0502020204030204" pitchFamily="34" charset="0"/>
+              </a:rPr>
+              <a:t>&lt;?php</a:t>
+            </a:r>
+          </a:p>
+          <a:p>
+            <a:pPr algn="l" defTabSz="360000"/>
+            <a:r>
+              <a:rPr lang="en-CA" b="0" i="0" u="none" strike="noStrike" baseline="0" dirty="0">
+                <a:solidFill>
+                  <a:srgbClr val="9A0000"/>
+                </a:solidFill>
+                <a:latin typeface="Calibri" panose="020F0502020204030204" pitchFamily="34" charset="0"/>
+                <a:cs typeface="Calibri" panose="020F0502020204030204" pitchFamily="34" charset="0"/>
+              </a:rPr>
+              <a:t>	$user = "Randy";</a:t>
+            </a:r>
+          </a:p>
+          <a:p>
+            <a:pPr algn="l" defTabSz="360000"/>
+            <a:r>
+              <a:rPr lang="en-CA" b="0" i="0" u="none" strike="noStrike" baseline="0" dirty="0">
+                <a:solidFill>
+                  <a:srgbClr val="9A0000"/>
+                </a:solidFill>
+                <a:latin typeface="Calibri" panose="020F0502020204030204" pitchFamily="34" charset="0"/>
+                <a:cs typeface="Calibri" panose="020F0502020204030204" pitchFamily="34" charset="0"/>
+              </a:rPr>
+              <a:t>?&gt;</a:t>
+            </a:r>
+          </a:p>
+          <a:p>
+            <a:pPr algn="l" defTabSz="360000"/>
+            <a:r>
+              <a:rPr lang="en-CA" b="0" i="0" u="none" strike="noStrike" baseline="0" dirty="0">
+                <a:solidFill>
+                  <a:srgbClr val="000000"/>
+                </a:solidFill>
+                <a:latin typeface="Calibri" panose="020F0502020204030204" pitchFamily="34" charset="0"/>
+                <a:cs typeface="Calibri" panose="020F0502020204030204" pitchFamily="34" charset="0"/>
+              </a:rPr>
+              <a:t>&lt;!DOCTYPE html&gt;</a:t>
+            </a:r>
+          </a:p>
+          <a:p>
+            <a:pPr algn="l" defTabSz="360000"/>
+            <a:r>
+              <a:rPr lang="en-CA" b="0" i="0" u="none" strike="noStrike" baseline="0" dirty="0">
+                <a:solidFill>
+                  <a:srgbClr val="000000"/>
+                </a:solidFill>
+                <a:latin typeface="Calibri" panose="020F0502020204030204" pitchFamily="34" charset="0"/>
+                <a:cs typeface="Calibri" panose="020F0502020204030204" pitchFamily="34" charset="0"/>
+              </a:rPr>
+              <a:t>&lt;html&gt;</a:t>
+            </a:r>
+          </a:p>
+          <a:p>
+            <a:pPr algn="l" defTabSz="360000"/>
+            <a:r>
+              <a:rPr lang="en-CA" b="0" i="0" u="none" strike="noStrike" baseline="0" dirty="0">
+                <a:solidFill>
+                  <a:srgbClr val="000000"/>
+                </a:solidFill>
+                <a:latin typeface="Calibri" panose="020F0502020204030204" pitchFamily="34" charset="0"/>
+                <a:cs typeface="Calibri" panose="020F0502020204030204" pitchFamily="34" charset="0"/>
+              </a:rPr>
+              <a:t>	&lt;body&gt;</a:t>
+            </a:r>
+          </a:p>
+          <a:p>
+            <a:pPr algn="l" defTabSz="360000"/>
+            <a:r>
+              <a:rPr lang="pt-BR" b="0" i="0" u="none" strike="noStrike" baseline="0" dirty="0">
+                <a:solidFill>
+                  <a:srgbClr val="000000"/>
+                </a:solidFill>
+                <a:latin typeface="Calibri" panose="020F0502020204030204" pitchFamily="34" charset="0"/>
+                <a:cs typeface="Calibri" panose="020F0502020204030204" pitchFamily="34" charset="0"/>
+              </a:rPr>
+              <a:t>	&lt;h1&gt;Welcome </a:t>
+            </a:r>
+            <a:r>
+              <a:rPr lang="pt-BR" b="0" i="0" u="none" strike="noStrike" baseline="0" dirty="0">
+                <a:solidFill>
+                  <a:srgbClr val="9A0000"/>
+                </a:solidFill>
+                <a:latin typeface="Calibri" panose="020F0502020204030204" pitchFamily="34" charset="0"/>
+                <a:cs typeface="Calibri" panose="020F0502020204030204" pitchFamily="34" charset="0"/>
+              </a:rPr>
+              <a:t>&lt;?php echo $user; ?&gt;</a:t>
+            </a:r>
+            <a:r>
+              <a:rPr lang="pt-BR" b="0" i="0" u="none" strike="noStrike" baseline="0" dirty="0">
+                <a:solidFill>
+                  <a:srgbClr val="000000"/>
+                </a:solidFill>
+                <a:latin typeface="Calibri" panose="020F0502020204030204" pitchFamily="34" charset="0"/>
+                <a:cs typeface="Calibri" panose="020F0502020204030204" pitchFamily="34" charset="0"/>
+              </a:rPr>
+              <a:t>&lt;/h1&gt;</a:t>
+            </a:r>
+          </a:p>
+          <a:p>
+            <a:pPr algn="l" defTabSz="360000"/>
+            <a:r>
+              <a:rPr lang="en-CA" b="0" i="0" u="none" strike="noStrike" baseline="0" dirty="0">
+                <a:solidFill>
+                  <a:srgbClr val="000000"/>
+                </a:solidFill>
+                <a:latin typeface="Calibri" panose="020F0502020204030204" pitchFamily="34" charset="0"/>
+                <a:cs typeface="Calibri" panose="020F0502020204030204" pitchFamily="34" charset="0"/>
+              </a:rPr>
+              <a:t>	&lt;p&gt;</a:t>
+            </a:r>
+          </a:p>
+          <a:p>
+            <a:pPr algn="l" defTabSz="360000"/>
+            <a:r>
+              <a:rPr lang="en-CA" b="0" i="0" u="none" strike="noStrike" baseline="0" dirty="0">
+                <a:solidFill>
+                  <a:srgbClr val="000000"/>
+                </a:solidFill>
+                <a:latin typeface="Calibri" panose="020F0502020204030204" pitchFamily="34" charset="0"/>
+                <a:cs typeface="Calibri" panose="020F0502020204030204" pitchFamily="34" charset="0"/>
+              </a:rPr>
+              <a:t>The server time is</a:t>
+            </a:r>
+          </a:p>
+          <a:p>
+            <a:pPr algn="l" defTabSz="360000"/>
+            <a:r>
+              <a:rPr lang="en-CA" b="0" i="0" u="none" strike="noStrike" baseline="0" dirty="0">
+                <a:solidFill>
+                  <a:srgbClr val="9A0000"/>
+                </a:solidFill>
+                <a:latin typeface="Calibri" panose="020F0502020204030204" pitchFamily="34" charset="0"/>
+                <a:cs typeface="Calibri" panose="020F0502020204030204" pitchFamily="34" charset="0"/>
+              </a:rPr>
+              <a:t>&lt;?php</a:t>
+            </a:r>
+          </a:p>
+          <a:p>
+            <a:pPr algn="l" defTabSz="360000"/>
+            <a:r>
+              <a:rPr lang="en-CA" b="0" i="0" u="none" strike="noStrike" baseline="0" dirty="0">
+                <a:solidFill>
+                  <a:srgbClr val="9A0000"/>
+                </a:solidFill>
+                <a:latin typeface="Calibri" panose="020F0502020204030204" pitchFamily="34" charset="0"/>
+                <a:cs typeface="Calibri" panose="020F0502020204030204" pitchFamily="34" charset="0"/>
+              </a:rPr>
+              <a:t>echo "&lt;strong&gt;";</a:t>
+            </a:r>
+          </a:p>
+          <a:p>
+            <a:pPr algn="l" defTabSz="360000"/>
+            <a:r>
+              <a:rPr lang="en-CA" b="0" i="0" u="none" strike="noStrike" baseline="0" dirty="0">
+                <a:solidFill>
+                  <a:srgbClr val="9A0000"/>
+                </a:solidFill>
+                <a:latin typeface="Calibri" panose="020F0502020204030204" pitchFamily="34" charset="0"/>
+                <a:cs typeface="Calibri" panose="020F0502020204030204" pitchFamily="34" charset="0"/>
+              </a:rPr>
+              <a:t>echo date("H:i:s");</a:t>
+            </a:r>
+          </a:p>
+          <a:p>
+            <a:pPr algn="l" defTabSz="360000"/>
+            <a:r>
+              <a:rPr lang="en-CA" b="0" i="0" u="none" strike="noStrike" baseline="0" dirty="0">
+                <a:solidFill>
+                  <a:srgbClr val="9A0000"/>
+                </a:solidFill>
+                <a:latin typeface="Calibri" panose="020F0502020204030204" pitchFamily="34" charset="0"/>
+                <a:cs typeface="Calibri" panose="020F0502020204030204" pitchFamily="34" charset="0"/>
+              </a:rPr>
+              <a:t>echo "&lt;/strong&gt;";</a:t>
+            </a:r>
+          </a:p>
+          <a:p>
+            <a:pPr algn="l" defTabSz="360000"/>
+            <a:r>
+              <a:rPr lang="en-CA" b="0" i="0" u="none" strike="noStrike" baseline="0" dirty="0">
+                <a:solidFill>
+                  <a:srgbClr val="9A0000"/>
+                </a:solidFill>
+                <a:latin typeface="Calibri" panose="020F0502020204030204" pitchFamily="34" charset="0"/>
+                <a:cs typeface="Calibri" panose="020F0502020204030204" pitchFamily="34" charset="0"/>
+              </a:rPr>
+              <a:t>?&gt;</a:t>
+            </a:r>
+          </a:p>
+          <a:p>
+            <a:pPr algn="l" defTabSz="360000"/>
+            <a:r>
+              <a:rPr lang="en-CA" b="0" i="0" u="none" strike="noStrike" baseline="0" dirty="0">
+                <a:solidFill>
+                  <a:srgbClr val="000000"/>
+                </a:solidFill>
+                <a:latin typeface="Calibri" panose="020F0502020204030204" pitchFamily="34" charset="0"/>
+                <a:cs typeface="Calibri" panose="020F0502020204030204" pitchFamily="34" charset="0"/>
+              </a:rPr>
+              <a:t>&lt;/p&gt;&lt;/body&gt;&lt;/html&gt;</a:t>
+            </a:r>
+            <a:endParaRPr lang="en-CA" sz="900" b="0" i="0" u="none" strike="noStrike" baseline="0" dirty="0">
+              <a:solidFill>
+                <a:srgbClr val="000000"/>
+              </a:solidFill>
+              <a:latin typeface="Calibri" panose="020F0502020204030204" pitchFamily="34" charset="0"/>
+              <a:cs typeface="Calibri" panose="020F0502020204030204" pitchFamily="34" charset="0"/>
+            </a:endParaRPr>
+          </a:p>
+        </p:txBody>
+      </p:sp>
+      <p:sp>
+        <p:nvSpPr>
+          <p:cNvPr id="5" name="TextBox 4">
+            <a:extLst>
+              <a:ext uri="{FF2B5EF4-FFF2-40B4-BE49-F238E27FC236}">
+                <a16:creationId xmlns:a16="http://schemas.microsoft.com/office/drawing/2014/main" id="{B9336AE0-84FF-442E-9037-C169AF4E468F}"/>
+              </a:ext>
+            </a:extLst>
+          </p:cNvPr>
+          <p:cNvSpPr txBox="1"/>
+          <p:nvPr/>
+        </p:nvSpPr>
+        <p:spPr>
+          <a:xfrm>
+            <a:off x="457200" y="4472848"/>
+            <a:ext cx="4114800" cy="276999"/>
+          </a:xfrm>
+          <a:prstGeom prst="rect">
+            <a:avLst/>
+          </a:prstGeom>
+          <a:noFill/>
+        </p:spPr>
+        <p:txBody>
+          <a:bodyPr wrap="square" rtlCol="0">
+            <a:spAutoFit/>
+          </a:bodyPr>
+          <a:lstStyle/>
+          <a:p>
+            <a:r>
+              <a:rPr lang="en-US" sz="1200" b="1" i="0" u="none" strike="noStrike" baseline="0" dirty="0">
+                <a:solidFill>
+                  <a:srgbClr val="009A9A"/>
+                </a:solidFill>
+                <a:latin typeface="+mj-lt"/>
+              </a:rPr>
+              <a:t>LISTING 12.1 </a:t>
+            </a:r>
+            <a:r>
+              <a:rPr lang="en-US" sz="1200" b="0" i="0" u="none" strike="noStrike" baseline="0" dirty="0">
+                <a:solidFill>
+                  <a:srgbClr val="000000"/>
+                </a:solidFill>
+                <a:latin typeface="+mj-lt"/>
+              </a:rPr>
+              <a:t>Php Tags</a:t>
+            </a:r>
+            <a:endParaRPr lang="en-CA" sz="1200" dirty="0">
+              <a:latin typeface="+mj-lt"/>
+            </a:endParaRPr>
+          </a:p>
+        </p:txBody>
+      </p:sp>
+      <p:sp>
+        <p:nvSpPr>
+          <p:cNvPr id="8" name="TextBox 7" descr="LISTING 4.2 Embedded styles example">
+            <a:extLst>
+              <a:ext uri="{FF2B5EF4-FFF2-40B4-BE49-F238E27FC236}">
+                <a16:creationId xmlns:a16="http://schemas.microsoft.com/office/drawing/2014/main" id="{94A7D41F-4576-4731-B1B7-7E467D9DA4E2}"/>
+              </a:ext>
+            </a:extLst>
+          </p:cNvPr>
+          <p:cNvSpPr txBox="1"/>
+          <p:nvPr/>
+        </p:nvSpPr>
+        <p:spPr>
+          <a:xfrm>
+            <a:off x="5266063" y="984486"/>
+            <a:ext cx="3573137" cy="2045153"/>
+          </a:xfrm>
+          <a:prstGeom prst="rect">
+            <a:avLst/>
+          </a:prstGeom>
+          <a:solidFill>
+            <a:srgbClr val="E6F0F5"/>
+          </a:solidFill>
+        </p:spPr>
+        <p:txBody>
+          <a:bodyPr wrap="square" numCol="1" rtlCol="0">
+            <a:noAutofit/>
+          </a:bodyPr>
+          <a:lstStyle/>
+          <a:p>
+            <a:pPr algn="l"/>
+            <a:r>
+              <a:rPr lang="en-CA" b="0" i="0" u="none" strike="noStrike" baseline="0" dirty="0">
+                <a:latin typeface="Calibri" panose="020F0502020204030204" pitchFamily="34" charset="0"/>
+                <a:cs typeface="Calibri" panose="020F0502020204030204" pitchFamily="34" charset="0"/>
+              </a:rPr>
+              <a:t>&lt;!DOCTYPE html&gt;</a:t>
+            </a:r>
+          </a:p>
+          <a:p>
+            <a:pPr algn="l"/>
+            <a:r>
+              <a:rPr lang="en-CA" b="0" i="0" u="none" strike="noStrike" baseline="0" dirty="0">
+                <a:latin typeface="Calibri" panose="020F0502020204030204" pitchFamily="34" charset="0"/>
+                <a:cs typeface="Calibri" panose="020F0502020204030204" pitchFamily="34" charset="0"/>
+              </a:rPr>
+              <a:t>&lt;html&gt;</a:t>
+            </a:r>
+          </a:p>
+          <a:p>
+            <a:pPr algn="l"/>
+            <a:r>
+              <a:rPr lang="en-CA" b="0" i="0" u="none" strike="noStrike" baseline="0" dirty="0">
+                <a:latin typeface="Calibri" panose="020F0502020204030204" pitchFamily="34" charset="0"/>
+                <a:cs typeface="Calibri" panose="020F0502020204030204" pitchFamily="34" charset="0"/>
+              </a:rPr>
+              <a:t>&lt;body&gt;</a:t>
+            </a:r>
+          </a:p>
+          <a:p>
+            <a:pPr algn="l"/>
+            <a:r>
+              <a:rPr lang="en-CA" b="0" i="0" u="none" strike="noStrike" baseline="0" dirty="0">
+                <a:latin typeface="Calibri" panose="020F0502020204030204" pitchFamily="34" charset="0"/>
+                <a:cs typeface="Calibri" panose="020F0502020204030204" pitchFamily="34" charset="0"/>
+              </a:rPr>
+              <a:t>&lt;h1&gt;Welcome Randy&lt;/h1&gt;</a:t>
+            </a:r>
+          </a:p>
+          <a:p>
+            <a:pPr algn="l"/>
+            <a:r>
+              <a:rPr lang="en-CA" b="0" i="0" u="none" strike="noStrike" baseline="0" dirty="0">
+                <a:latin typeface="Calibri" panose="020F0502020204030204" pitchFamily="34" charset="0"/>
+                <a:cs typeface="Calibri" panose="020F0502020204030204" pitchFamily="34" charset="0"/>
+              </a:rPr>
+              <a:t>&lt;p&gt;</a:t>
+            </a:r>
+          </a:p>
+          <a:p>
+            <a:pPr algn="l"/>
+            <a:r>
+              <a:rPr lang="en-US" b="0" i="0" u="none" strike="noStrike" baseline="0" dirty="0">
+                <a:latin typeface="Calibri" panose="020F0502020204030204" pitchFamily="34" charset="0"/>
+                <a:cs typeface="Calibri" panose="020F0502020204030204" pitchFamily="34" charset="0"/>
+              </a:rPr>
+              <a:t>The server time is &lt;strong&gt;02:59:09&lt;/strong&gt;</a:t>
+            </a:r>
+          </a:p>
+          <a:p>
+            <a:pPr algn="l"/>
+            <a:r>
+              <a:rPr lang="en-CA" b="0" i="0" u="none" strike="noStrike" baseline="0" dirty="0">
+                <a:latin typeface="Calibri" panose="020F0502020204030204" pitchFamily="34" charset="0"/>
+                <a:cs typeface="Calibri" panose="020F0502020204030204" pitchFamily="34" charset="0"/>
+              </a:rPr>
+              <a:t>&lt;/p&gt;</a:t>
+            </a:r>
+          </a:p>
+          <a:p>
+            <a:pPr algn="l"/>
+            <a:r>
+              <a:rPr lang="en-CA" b="0" i="0" u="none" strike="noStrike" baseline="0" dirty="0">
+                <a:latin typeface="Calibri" panose="020F0502020204030204" pitchFamily="34" charset="0"/>
+                <a:cs typeface="Calibri" panose="020F0502020204030204" pitchFamily="34" charset="0"/>
+              </a:rPr>
+              <a:t>&lt;/body&gt;</a:t>
+            </a:r>
+          </a:p>
+          <a:p>
+            <a:pPr algn="l"/>
+            <a:r>
+              <a:rPr lang="en-CA" b="0" i="0" u="none" strike="noStrike" baseline="0" dirty="0">
+                <a:latin typeface="Calibri" panose="020F0502020204030204" pitchFamily="34" charset="0"/>
+                <a:cs typeface="Calibri" panose="020F0502020204030204" pitchFamily="34" charset="0"/>
+              </a:rPr>
+              <a:t>&lt;/html&gt;</a:t>
+            </a:r>
+            <a:endParaRPr lang="en-CA" sz="700" b="0" i="0" u="none" strike="noStrike" baseline="0" dirty="0">
+              <a:solidFill>
+                <a:srgbClr val="000000"/>
+              </a:solidFill>
+              <a:latin typeface="Calibri" panose="020F0502020204030204" pitchFamily="34" charset="0"/>
+              <a:cs typeface="Calibri" panose="020F0502020204030204" pitchFamily="34" charset="0"/>
+            </a:endParaRPr>
+          </a:p>
+        </p:txBody>
+      </p:sp>
+      <p:sp>
+        <p:nvSpPr>
+          <p:cNvPr id="9" name="TextBox 8">
+            <a:extLst>
+              <a:ext uri="{FF2B5EF4-FFF2-40B4-BE49-F238E27FC236}">
+                <a16:creationId xmlns:a16="http://schemas.microsoft.com/office/drawing/2014/main" id="{713F44B4-FD22-46B5-9E8D-EB7A2B3D31B7}"/>
+              </a:ext>
+            </a:extLst>
+          </p:cNvPr>
+          <p:cNvSpPr txBox="1"/>
+          <p:nvPr/>
+        </p:nvSpPr>
+        <p:spPr>
+          <a:xfrm>
+            <a:off x="5266063" y="3047333"/>
+            <a:ext cx="3573137" cy="461665"/>
+          </a:xfrm>
+          <a:prstGeom prst="rect">
+            <a:avLst/>
+          </a:prstGeom>
+          <a:noFill/>
+        </p:spPr>
+        <p:txBody>
+          <a:bodyPr wrap="square" rtlCol="0">
+            <a:spAutoFit/>
+          </a:bodyPr>
+          <a:lstStyle/>
+          <a:p>
+            <a:r>
+              <a:rPr lang="en-US" sz="1200" b="1" i="0" u="none" strike="noStrike" baseline="0" dirty="0">
+                <a:solidFill>
+                  <a:srgbClr val="009A9A"/>
+                </a:solidFill>
+                <a:latin typeface="+mj-lt"/>
+              </a:rPr>
+              <a:t>LISTING 12.2 </a:t>
+            </a:r>
+            <a:r>
+              <a:rPr lang="en-US" sz="1200" b="0" i="0" u="none" strike="noStrike" baseline="0" dirty="0">
+                <a:solidFill>
+                  <a:srgbClr val="000000"/>
+                </a:solidFill>
+                <a:latin typeface="+mj-lt"/>
+              </a:rPr>
+              <a:t>Output (HTML) from PHP script in Listing 12.1</a:t>
+            </a:r>
+            <a:endParaRPr lang="en-CA" sz="1200" dirty="0">
+              <a:latin typeface="+mj-lt"/>
+            </a:endParaRPr>
+          </a:p>
+        </p:txBody>
+      </p:sp>
+      <p:sp>
+        <p:nvSpPr>
+          <p:cNvPr id="10" name="Arrow: Right 9">
+            <a:extLst>
+              <a:ext uri="{FF2B5EF4-FFF2-40B4-BE49-F238E27FC236}">
+                <a16:creationId xmlns:a16="http://schemas.microsoft.com/office/drawing/2014/main" id="{CBAA82A7-78DD-491D-8DC3-166489E10CDA}"/>
+              </a:ext>
+              <a:ext uri="{C183D7F6-B498-43B3-948B-1728B52AA6E4}">
+                <adec:decorative xmlns:adec="http://schemas.microsoft.com/office/drawing/2017/decorative" val="1"/>
+              </a:ext>
+            </a:extLst>
+          </p:cNvPr>
+          <p:cNvSpPr/>
+          <p:nvPr/>
+        </p:nvSpPr>
+        <p:spPr>
+          <a:xfrm>
+            <a:off x="4715219" y="2007062"/>
+            <a:ext cx="407624" cy="564688"/>
+          </a:xfrm>
+          <a:prstGeom prst="rightArrow">
+            <a:avLst/>
+          </a:prstGeom>
+          <a:solidFill>
+            <a:schemeClr val="tx2"/>
+          </a:solidFill>
+        </p:spPr>
+        <p:style>
+          <a:lnRef idx="2">
+            <a:schemeClr val="accent1">
+              <a:shade val="50000"/>
+            </a:schemeClr>
+          </a:lnRef>
+          <a:fillRef idx="1">
+            <a:schemeClr val="accent1"/>
+          </a:fillRef>
+          <a:effectRef idx="0">
+            <a:schemeClr val="accent1"/>
+          </a:effectRef>
+          <a:fontRef idx="minor">
+            <a:schemeClr val="lt1"/>
+          </a:fontRef>
+        </p:style>
+        <p:txBody>
+          <a:bodyPr rtlCol="0" anchor="ctr"/>
+          <a:lstStyle/>
+          <a:p>
+            <a:pPr algn="ctr"/>
+            <a:endParaRPr lang="en-CA"/>
+          </a:p>
+        </p:txBody>
+      </p:sp>
+    </p:spTree>
+    <p:extLst>
+      <p:ext uri="{BB962C8B-B14F-4D97-AF65-F5344CB8AC3E}">
+        <p14:creationId xmlns:p14="http://schemas.microsoft.com/office/powerpoint/2010/main" val="280793194"/>
+      </p:ext>
+    </p:extLst>
+  </p:cSld>
+  <p:clrMapOvr>
+    <a:masterClrMapping/>
+  </p:clrMapOvr>
+</p:sld>
+</file>
+
+<file path=ppt/slides/slide11.xml><?xml version="1.0" encoding="utf-8"?>
+<p:sld xmlns:a="http://schemas.openxmlformats.org/drawingml/2006/main" xmlns:r="http://schemas.openxmlformats.org/officeDocument/2006/relationships" xmlns:p="http://schemas.openxmlformats.org/presentationml/2006/main">
+  <p:cSld>
+    <p:spTree>
+      <p:nvGrpSpPr>
+        <p:cNvPr id="1" name=""/>
+        <p:cNvGrpSpPr/>
+        <p:nvPr/>
+      </p:nvGrpSpPr>
+      <p:grpSpPr>
+        <a:xfrm>
+          <a:off x="0" y="0"/>
+          <a:ext cx="0" cy="0"/>
+          <a:chOff x="0" y="0"/>
+          <a:chExt cx="0" cy="0"/>
+        </a:xfrm>
+      </p:grpSpPr>
+      <p:sp>
+        <p:nvSpPr>
+          <p:cNvPr id="2" name="Title 1">
+            <a:extLst>
+              <a:ext uri="{FF2B5EF4-FFF2-40B4-BE49-F238E27FC236}">
                 <a16:creationId xmlns:a16="http://schemas.microsoft.com/office/drawing/2014/main" id="{00AEA749-7E6E-4516-89AA-F13A8706B54B}"/>
               </a:ext>
             </a:extLst>
@@ -27117,7 +27703,7 @@
 </p:sld>
 </file>
 
-<file path=ppt/slides/slide11.xml><?xml version="1.0" encoding="utf-8"?>
+<file path=ppt/slides/slide12.xml><?xml version="1.0" encoding="utf-8"?>
 <p:sld xmlns:a="http://schemas.openxmlformats.org/drawingml/2006/main" xmlns:r="http://schemas.openxmlformats.org/officeDocument/2006/relationships" xmlns:p="http://schemas.openxmlformats.org/presentationml/2006/main">
   <p:cSld>
     <p:spTree>
@@ -27312,7 +27898,7 @@
 </p:sld>
 </file>
 
-<file path=ppt/slides/slide12.xml><?xml version="1.0" encoding="utf-8"?>
+<file path=ppt/slides/slide13.xml><?xml version="1.0" encoding="utf-8"?>
 <p:sld xmlns:a="http://schemas.openxmlformats.org/drawingml/2006/main" xmlns:r="http://schemas.openxmlformats.org/officeDocument/2006/relationships" xmlns:p="http://schemas.openxmlformats.org/presentationml/2006/main">
   <p:cSld>
     <p:spTree>
@@ -27989,7 +28575,7 @@
 </p:sld>
 </file>
 
-<file path=ppt/slides/slide13.xml><?xml version="1.0" encoding="utf-8"?>
+<file path=ppt/slides/slide14.xml><?xml version="1.0" encoding="utf-8"?>
 <p:sld xmlns:a="http://schemas.openxmlformats.org/drawingml/2006/main" xmlns:r="http://schemas.openxmlformats.org/officeDocument/2006/relationships" xmlns:p="http://schemas.openxmlformats.org/presentationml/2006/main">
   <p:cSld>
     <p:spTree>
@@ -28111,514 +28697,6 @@
     <p:extLst>
       <p:ext uri="{BB962C8B-B14F-4D97-AF65-F5344CB8AC3E}">
         <p14:creationId xmlns:p14="http://schemas.microsoft.com/office/powerpoint/2010/main" val="2790895047"/>
-      </p:ext>
-    </p:extLst>
-  </p:cSld>
-  <p:clrMapOvr>
-    <a:masterClrMapping/>
-  </p:clrMapOvr>
-</p:sld>
-</file>
-
-<file path=ppt/slides/slide14.xml><?xml version="1.0" encoding="utf-8"?>
-<p:sld xmlns:a="http://schemas.openxmlformats.org/drawingml/2006/main" xmlns:r="http://schemas.openxmlformats.org/officeDocument/2006/relationships" xmlns:p="http://schemas.openxmlformats.org/presentationml/2006/main">
-  <p:cSld>
-    <p:spTree>
-      <p:nvGrpSpPr>
-        <p:cNvPr id="1" name=""/>
-        <p:cNvGrpSpPr/>
-        <p:nvPr/>
-      </p:nvGrpSpPr>
-      <p:grpSpPr>
-        <a:xfrm>
-          <a:off x="0" y="0"/>
-          <a:ext cx="0" cy="0"/>
-          <a:chOff x="0" y="0"/>
-          <a:chExt cx="0" cy="0"/>
-        </a:xfrm>
-      </p:grpSpPr>
-      <p:sp>
-        <p:nvSpPr>
-          <p:cNvPr id="2" name="Title 1">
-            <a:extLst>
-              <a:ext uri="{FF2B5EF4-FFF2-40B4-BE49-F238E27FC236}">
-                <a16:creationId xmlns:a16="http://schemas.microsoft.com/office/drawing/2014/main" id="{212B1F21-C0A6-4ACE-B2B5-8F897A25FB06}"/>
-              </a:ext>
-            </a:extLst>
-          </p:cNvPr>
-          <p:cNvSpPr>
-            <a:spLocks noGrp="1"/>
-          </p:cNvSpPr>
-          <p:nvPr>
-            <p:ph type="title"/>
-          </p:nvPr>
-        </p:nvSpPr>
-        <p:spPr/>
-        <p:txBody>
-          <a:bodyPr/>
-          <a:lstStyle/>
-          <a:p>
-            <a:r>
-              <a:rPr lang="en-CA" dirty="0"/>
-              <a:t>If…else</a:t>
-            </a:r>
-          </a:p>
-        </p:txBody>
-      </p:sp>
-      <p:sp>
-        <p:nvSpPr>
-          <p:cNvPr id="3" name="Text Placeholder 2">
-            <a:extLst>
-              <a:ext uri="{FF2B5EF4-FFF2-40B4-BE49-F238E27FC236}">
-                <a16:creationId xmlns:a16="http://schemas.microsoft.com/office/drawing/2014/main" id="{950F5ADE-7354-4BC4-9CCF-2FEA22D72D36}"/>
-              </a:ext>
-            </a:extLst>
-          </p:cNvPr>
-          <p:cNvSpPr>
-            <a:spLocks noGrp="1"/>
-          </p:cNvSpPr>
-          <p:nvPr>
-            <p:ph type="body" idx="1"/>
-          </p:nvPr>
-        </p:nvSpPr>
-        <p:spPr>
-          <a:xfrm>
-            <a:off x="457200" y="1081088"/>
-            <a:ext cx="3444949" cy="3532476"/>
-          </a:xfrm>
-        </p:spPr>
-        <p:txBody>
-          <a:bodyPr/>
-          <a:lstStyle/>
-          <a:p>
-            <a:pPr marL="114300" indent="0" algn="l">
-              <a:buNone/>
-            </a:pPr>
-            <a:r>
-              <a:rPr lang="en-US" sz="1800" b="0" i="0" u="none" strike="noStrike" baseline="0" dirty="0">
-                <a:latin typeface="SabonLTPro-Roman"/>
-              </a:rPr>
-              <a:t>The syntax for conditionals in PHP is identical to that of JavaScript. </a:t>
-            </a:r>
-          </a:p>
-          <a:p>
-            <a:pPr marL="114300" indent="0" algn="l">
-              <a:buNone/>
-            </a:pPr>
-            <a:r>
-              <a:rPr lang="en-US" sz="1800" dirty="0">
-                <a:latin typeface="SabonLTPro-Roman"/>
-              </a:rPr>
-              <a:t>T</a:t>
-            </a:r>
-            <a:r>
-              <a:rPr lang="en-US" sz="1800" b="0" i="0" u="none" strike="noStrike" baseline="0" dirty="0">
-                <a:latin typeface="SabonLTPro-Roman"/>
-              </a:rPr>
-              <a:t>he condition to test is contained within </a:t>
-            </a:r>
-            <a:r>
-              <a:rPr lang="en-US" sz="1800" b="0" i="0" u="none" strike="noStrike" baseline="0" dirty="0">
-                <a:latin typeface="CourierPSPro-Regular"/>
-              </a:rPr>
-              <a:t>() </a:t>
-            </a:r>
-            <a:r>
-              <a:rPr lang="en-US" sz="1800" b="0" i="0" u="none" strike="noStrike" baseline="0" dirty="0">
-                <a:latin typeface="SabonLTPro-Roman"/>
-              </a:rPr>
-              <a:t>brackets with the body contained in </a:t>
-            </a:r>
-            <a:r>
-              <a:rPr lang="en-US" sz="1800" b="0" i="0" u="none" strike="noStrike" baseline="0" dirty="0">
-                <a:latin typeface="CourierPSPro-Regular"/>
-              </a:rPr>
-              <a:t>{} </a:t>
-            </a:r>
-            <a:r>
-              <a:rPr lang="en-US" sz="1800" b="0" i="0" u="none" strike="noStrike" baseline="0" dirty="0">
-                <a:latin typeface="SabonLTPro-Roman"/>
-              </a:rPr>
-              <a:t>blocks. Optional </a:t>
-            </a:r>
-            <a:r>
-              <a:rPr lang="en-US" sz="1800" b="0" i="0" u="none" strike="noStrike" baseline="0" dirty="0">
-                <a:latin typeface="CourierPSPro-Regular"/>
-              </a:rPr>
-              <a:t>else if </a:t>
-            </a:r>
-            <a:r>
-              <a:rPr lang="en-US" sz="1800" b="0" i="0" u="none" strike="noStrike" baseline="0" dirty="0">
-                <a:latin typeface="SabonLTPro-Roman"/>
-              </a:rPr>
-              <a:t>statements can follow, with an optional </a:t>
-            </a:r>
-            <a:r>
-              <a:rPr lang="en-US" sz="1800" b="0" i="0" u="none" strike="noStrike" baseline="0" dirty="0">
-                <a:latin typeface="CourierPSPro-Regular"/>
-              </a:rPr>
-              <a:t>else </a:t>
-            </a:r>
-            <a:r>
-              <a:rPr lang="en-US" sz="1800" b="0" i="0" u="none" strike="noStrike" baseline="0" dirty="0">
-                <a:latin typeface="SabonLTPro-Roman"/>
-              </a:rPr>
-              <a:t>ending the </a:t>
-            </a:r>
-            <a:r>
-              <a:rPr lang="en-CA" sz="1800" b="0" i="0" u="none" strike="noStrike" baseline="0" dirty="0">
-                <a:latin typeface="SabonLTPro-Roman"/>
-              </a:rPr>
-              <a:t>branch.</a:t>
-            </a:r>
-            <a:endParaRPr lang="en-CA" dirty="0"/>
-          </a:p>
-        </p:txBody>
-      </p:sp>
-      <p:sp>
-        <p:nvSpPr>
-          <p:cNvPr id="4" name="TextBox 3" descr="LISTING 4.2 Embedded styles example">
-            <a:extLst>
-              <a:ext uri="{FF2B5EF4-FFF2-40B4-BE49-F238E27FC236}">
-                <a16:creationId xmlns:a16="http://schemas.microsoft.com/office/drawing/2014/main" id="{4E408F9C-061D-49F5-80DA-BE9BECF2BB52}"/>
-              </a:ext>
-            </a:extLst>
-          </p:cNvPr>
-          <p:cNvSpPr txBox="1"/>
-          <p:nvPr/>
-        </p:nvSpPr>
-        <p:spPr>
-          <a:xfrm>
-            <a:off x="4572000" y="1275677"/>
-            <a:ext cx="4242391" cy="2796593"/>
-          </a:xfrm>
-          <a:prstGeom prst="rect">
-            <a:avLst/>
-          </a:prstGeom>
-          <a:solidFill>
-            <a:srgbClr val="E6F0F5"/>
-          </a:solidFill>
-        </p:spPr>
-        <p:txBody>
-          <a:bodyPr wrap="square" numCol="1" rtlCol="0">
-            <a:noAutofit/>
-          </a:bodyPr>
-          <a:lstStyle/>
-          <a:p>
-            <a:pPr algn="l" defTabSz="360000"/>
-            <a:r>
-              <a:rPr lang="en-CA" sz="1600" b="0" i="1" u="none" strike="noStrike" baseline="0" dirty="0">
-                <a:solidFill>
-                  <a:schemeClr val="tx1"/>
-                </a:solidFill>
-                <a:latin typeface="Calibri" panose="020F0502020204030204" pitchFamily="34" charset="0"/>
-                <a:cs typeface="Calibri" panose="020F0502020204030204" pitchFamily="34" charset="0"/>
-              </a:rPr>
-              <a:t>// if statement</a:t>
-            </a:r>
-          </a:p>
-          <a:p>
-            <a:pPr algn="l" defTabSz="360000"/>
-            <a:r>
-              <a:rPr lang="en-US" sz="1600" b="0" i="0" u="none" strike="noStrike" baseline="0" dirty="0">
-                <a:solidFill>
-                  <a:srgbClr val="9A0000"/>
-                </a:solidFill>
-                <a:latin typeface="Calibri" panose="020F0502020204030204" pitchFamily="34" charset="0"/>
-                <a:cs typeface="Calibri" panose="020F0502020204030204" pitchFamily="34" charset="0"/>
-              </a:rPr>
-              <a:t>if ( </a:t>
-            </a:r>
-            <a:r>
-              <a:rPr lang="en-US" sz="1600" b="0" i="0" u="none" strike="noStrike" baseline="0" dirty="0">
-                <a:solidFill>
-                  <a:srgbClr val="000000"/>
-                </a:solidFill>
-                <a:latin typeface="Calibri" panose="020F0502020204030204" pitchFamily="34" charset="0"/>
-                <a:cs typeface="Calibri" panose="020F0502020204030204" pitchFamily="34" charset="0"/>
-              </a:rPr>
-              <a:t>$</a:t>
-            </a:r>
-            <a:r>
-              <a:rPr lang="en-US" sz="1600" b="0" i="0" u="none" strike="noStrike" baseline="0" dirty="0" err="1">
-                <a:solidFill>
-                  <a:srgbClr val="000000"/>
-                </a:solidFill>
-                <a:latin typeface="Calibri" panose="020F0502020204030204" pitchFamily="34" charset="0"/>
-                <a:cs typeface="Calibri" panose="020F0502020204030204" pitchFamily="34" charset="0"/>
-              </a:rPr>
-              <a:t>hourOfDay</a:t>
-            </a:r>
-            <a:r>
-              <a:rPr lang="en-US" sz="1600" b="0" i="0" u="none" strike="noStrike" baseline="0" dirty="0">
-                <a:solidFill>
-                  <a:srgbClr val="000000"/>
-                </a:solidFill>
-                <a:latin typeface="Calibri" panose="020F0502020204030204" pitchFamily="34" charset="0"/>
-                <a:cs typeface="Calibri" panose="020F0502020204030204" pitchFamily="34" charset="0"/>
-              </a:rPr>
-              <a:t> &gt; 6 &amp;&amp; $</a:t>
-            </a:r>
-            <a:r>
-              <a:rPr lang="en-US" sz="1600" b="0" i="0" u="none" strike="noStrike" baseline="0" dirty="0" err="1">
-                <a:solidFill>
-                  <a:srgbClr val="000000"/>
-                </a:solidFill>
-                <a:latin typeface="Calibri" panose="020F0502020204030204" pitchFamily="34" charset="0"/>
-                <a:cs typeface="Calibri" panose="020F0502020204030204" pitchFamily="34" charset="0"/>
-              </a:rPr>
-              <a:t>hourOfDay</a:t>
-            </a:r>
-            <a:r>
-              <a:rPr lang="en-US" sz="1600" b="0" i="0" u="none" strike="noStrike" baseline="0" dirty="0">
-                <a:solidFill>
-                  <a:srgbClr val="000000"/>
-                </a:solidFill>
-                <a:latin typeface="Calibri" panose="020F0502020204030204" pitchFamily="34" charset="0"/>
-                <a:cs typeface="Calibri" panose="020F0502020204030204" pitchFamily="34" charset="0"/>
-              </a:rPr>
-              <a:t> &lt; 12</a:t>
-            </a:r>
-            <a:r>
-              <a:rPr lang="en-US" sz="1600" b="0" i="0" u="none" strike="noStrike" baseline="0" dirty="0">
-                <a:solidFill>
-                  <a:srgbClr val="9A0000"/>
-                </a:solidFill>
-                <a:latin typeface="Calibri" panose="020F0502020204030204" pitchFamily="34" charset="0"/>
-                <a:cs typeface="Calibri" panose="020F0502020204030204" pitchFamily="34" charset="0"/>
-              </a:rPr>
-              <a:t>) {</a:t>
-            </a:r>
-          </a:p>
-          <a:p>
-            <a:pPr algn="l" defTabSz="360000"/>
-            <a:r>
-              <a:rPr lang="en-CA" sz="1600" b="0" i="0" u="none" strike="noStrike" baseline="0" dirty="0">
-                <a:solidFill>
-                  <a:srgbClr val="000000"/>
-                </a:solidFill>
-                <a:latin typeface="Calibri" panose="020F0502020204030204" pitchFamily="34" charset="0"/>
-                <a:cs typeface="Calibri" panose="020F0502020204030204" pitchFamily="34" charset="0"/>
-              </a:rPr>
-              <a:t>	$greeting = "Good Morning";</a:t>
-            </a:r>
-          </a:p>
-          <a:p>
-            <a:pPr algn="l" defTabSz="360000"/>
-            <a:r>
-              <a:rPr lang="en-CA" sz="1600" b="0" i="0" u="none" strike="noStrike" baseline="0" dirty="0">
-                <a:solidFill>
-                  <a:srgbClr val="9A0000"/>
-                </a:solidFill>
-                <a:latin typeface="Calibri" panose="020F0502020204030204" pitchFamily="34" charset="0"/>
-                <a:cs typeface="Calibri" panose="020F0502020204030204" pitchFamily="34" charset="0"/>
-              </a:rPr>
-              <a:t>}</a:t>
-            </a:r>
-          </a:p>
-          <a:p>
-            <a:pPr algn="l" defTabSz="360000"/>
-            <a:r>
-              <a:rPr lang="en-US" sz="1600" b="0" i="0" u="none" strike="noStrike" baseline="0" dirty="0">
-                <a:solidFill>
-                  <a:srgbClr val="9A0000"/>
-                </a:solidFill>
-                <a:latin typeface="Calibri" panose="020F0502020204030204" pitchFamily="34" charset="0"/>
-                <a:cs typeface="Calibri" panose="020F0502020204030204" pitchFamily="34" charset="0"/>
-              </a:rPr>
-              <a:t>else if (</a:t>
-            </a:r>
-            <a:r>
-              <a:rPr lang="en-US" sz="1600" b="0" i="0" u="none" strike="noStrike" baseline="0" dirty="0">
-                <a:solidFill>
-                  <a:srgbClr val="000000"/>
-                </a:solidFill>
-                <a:latin typeface="Calibri" panose="020F0502020204030204" pitchFamily="34" charset="0"/>
-                <a:cs typeface="Calibri" panose="020F0502020204030204" pitchFamily="34" charset="0"/>
-              </a:rPr>
-              <a:t>$</a:t>
-            </a:r>
-            <a:r>
-              <a:rPr lang="en-US" sz="1600" b="0" i="0" u="none" strike="noStrike" baseline="0" dirty="0" err="1">
-                <a:solidFill>
-                  <a:srgbClr val="000000"/>
-                </a:solidFill>
-                <a:latin typeface="Calibri" panose="020F0502020204030204" pitchFamily="34" charset="0"/>
-                <a:cs typeface="Calibri" panose="020F0502020204030204" pitchFamily="34" charset="0"/>
-              </a:rPr>
-              <a:t>hourOfDay</a:t>
-            </a:r>
-            <a:r>
-              <a:rPr lang="en-US" sz="1600" b="0" i="0" u="none" strike="noStrike" baseline="0" dirty="0">
-                <a:solidFill>
-                  <a:srgbClr val="000000"/>
-                </a:solidFill>
-                <a:latin typeface="Calibri" panose="020F0502020204030204" pitchFamily="34" charset="0"/>
-                <a:cs typeface="Calibri" panose="020F0502020204030204" pitchFamily="34" charset="0"/>
-              </a:rPr>
-              <a:t> == 12</a:t>
-            </a:r>
-            <a:r>
-              <a:rPr lang="en-US" sz="1600" b="0" i="0" u="none" strike="noStrike" baseline="0" dirty="0">
-                <a:solidFill>
-                  <a:srgbClr val="9A0000"/>
-                </a:solidFill>
-                <a:latin typeface="Calibri" panose="020F0502020204030204" pitchFamily="34" charset="0"/>
-                <a:cs typeface="Calibri" panose="020F0502020204030204" pitchFamily="34" charset="0"/>
-              </a:rPr>
-              <a:t>) { </a:t>
-            </a:r>
-            <a:r>
-              <a:rPr lang="en-US" sz="1600" b="0" i="1" u="none" strike="noStrike" baseline="0" dirty="0">
-                <a:solidFill>
-                  <a:schemeClr val="tx1"/>
-                </a:solidFill>
-                <a:latin typeface="Calibri" panose="020F0502020204030204" pitchFamily="34" charset="0"/>
-                <a:cs typeface="Calibri" panose="020F0502020204030204" pitchFamily="34" charset="0"/>
-              </a:rPr>
-              <a:t>// optional else if</a:t>
-            </a:r>
-          </a:p>
-          <a:p>
-            <a:pPr algn="l" defTabSz="360000"/>
-            <a:r>
-              <a:rPr lang="en-CA" sz="1600" b="0" i="0" u="none" strike="noStrike" baseline="0" dirty="0">
-                <a:solidFill>
-                  <a:srgbClr val="000000"/>
-                </a:solidFill>
-                <a:latin typeface="Calibri" panose="020F0502020204030204" pitchFamily="34" charset="0"/>
-                <a:cs typeface="Calibri" panose="020F0502020204030204" pitchFamily="34" charset="0"/>
-              </a:rPr>
-              <a:t>	$greeting = "Good Noon Time";</a:t>
-            </a:r>
-          </a:p>
-          <a:p>
-            <a:pPr algn="l" defTabSz="360000"/>
-            <a:r>
-              <a:rPr lang="en-CA" sz="1600" b="0" i="0" u="none" strike="noStrike" baseline="0" dirty="0">
-                <a:solidFill>
-                  <a:srgbClr val="9A0000"/>
-                </a:solidFill>
-                <a:latin typeface="Calibri" panose="020F0502020204030204" pitchFamily="34" charset="0"/>
-                <a:cs typeface="Calibri" panose="020F0502020204030204" pitchFamily="34" charset="0"/>
-              </a:rPr>
-              <a:t>}</a:t>
-            </a:r>
-          </a:p>
-          <a:p>
-            <a:pPr algn="l" defTabSz="360000"/>
-            <a:r>
-              <a:rPr lang="en-CA" sz="1600" b="0" i="0" u="none" strike="noStrike" baseline="0" dirty="0">
-                <a:solidFill>
-                  <a:srgbClr val="9A0000"/>
-                </a:solidFill>
-                <a:latin typeface="Calibri" panose="020F0502020204030204" pitchFamily="34" charset="0"/>
-                <a:cs typeface="Calibri" panose="020F0502020204030204" pitchFamily="34" charset="0"/>
-              </a:rPr>
-              <a:t>else { </a:t>
-            </a:r>
-            <a:r>
-              <a:rPr lang="en-CA" sz="1600" b="0" i="1" u="none" strike="noStrike" baseline="0" dirty="0">
-                <a:solidFill>
-                  <a:schemeClr val="tx1"/>
-                </a:solidFill>
-                <a:latin typeface="Calibri" panose="020F0502020204030204" pitchFamily="34" charset="0"/>
-                <a:cs typeface="Calibri" panose="020F0502020204030204" pitchFamily="34" charset="0"/>
-              </a:rPr>
-              <a:t>// optional else branch</a:t>
-            </a:r>
-          </a:p>
-          <a:p>
-            <a:pPr algn="l" defTabSz="360000"/>
-            <a:r>
-              <a:rPr lang="en-US" sz="1600" b="0" i="0" u="none" strike="noStrike" baseline="0" dirty="0">
-                <a:solidFill>
-                  <a:srgbClr val="000000"/>
-                </a:solidFill>
-                <a:latin typeface="Calibri" panose="020F0502020204030204" pitchFamily="34" charset="0"/>
-                <a:cs typeface="Calibri" panose="020F0502020204030204" pitchFamily="34" charset="0"/>
-              </a:rPr>
-              <a:t>	$greeting = "Good Afternoon or Evening";</a:t>
-            </a:r>
-          </a:p>
-          <a:p>
-            <a:pPr algn="l" defTabSz="360000"/>
-            <a:r>
-              <a:rPr lang="en-CA" sz="1600" b="0" i="0" u="none" strike="noStrike" baseline="0" dirty="0">
-                <a:solidFill>
-                  <a:srgbClr val="9A0000"/>
-                </a:solidFill>
-                <a:latin typeface="Calibri" panose="020F0502020204030204" pitchFamily="34" charset="0"/>
-                <a:cs typeface="Calibri" panose="020F0502020204030204" pitchFamily="34" charset="0"/>
-              </a:rPr>
-              <a:t>}</a:t>
-            </a:r>
-            <a:endParaRPr lang="en-CA" sz="400" b="0" i="0" u="none" strike="noStrike" baseline="0" dirty="0">
-              <a:solidFill>
-                <a:srgbClr val="000000"/>
-              </a:solidFill>
-              <a:latin typeface="Calibri" panose="020F0502020204030204" pitchFamily="34" charset="0"/>
-              <a:cs typeface="Calibri" panose="020F0502020204030204" pitchFamily="34" charset="0"/>
-            </a:endParaRPr>
-          </a:p>
-        </p:txBody>
-      </p:sp>
-      <p:sp>
-        <p:nvSpPr>
-          <p:cNvPr id="5" name="TextBox 4">
-            <a:extLst>
-              <a:ext uri="{FF2B5EF4-FFF2-40B4-BE49-F238E27FC236}">
-                <a16:creationId xmlns:a16="http://schemas.microsoft.com/office/drawing/2014/main" id="{FF4E4B40-2AA0-436A-9616-4041586835EC}"/>
-              </a:ext>
-            </a:extLst>
-          </p:cNvPr>
-          <p:cNvSpPr txBox="1"/>
-          <p:nvPr/>
-        </p:nvSpPr>
-        <p:spPr>
-          <a:xfrm>
-            <a:off x="4571999" y="4072270"/>
-            <a:ext cx="4242391" cy="276999"/>
-          </a:xfrm>
-          <a:prstGeom prst="rect">
-            <a:avLst/>
-          </a:prstGeom>
-          <a:noFill/>
-        </p:spPr>
-        <p:txBody>
-          <a:bodyPr wrap="square" rtlCol="0">
-            <a:spAutoFit/>
-          </a:bodyPr>
-          <a:lstStyle/>
-          <a:p>
-            <a:r>
-              <a:rPr lang="en-US" sz="1200" b="1" i="0" u="none" strike="noStrike" baseline="0" dirty="0">
-                <a:solidFill>
-                  <a:srgbClr val="009A9A"/>
-                </a:solidFill>
-                <a:latin typeface="+mj-lt"/>
-              </a:rPr>
-              <a:t>LISTING 12.7 </a:t>
-            </a:r>
-            <a:r>
-              <a:rPr lang="en-US" sz="1200" b="0" i="0" u="none" strike="noStrike" baseline="0" dirty="0">
-                <a:solidFill>
-                  <a:srgbClr val="000000"/>
-                </a:solidFill>
-                <a:latin typeface="+mj-lt"/>
-              </a:rPr>
-              <a:t>Conditional snippet of code using if . . . else</a:t>
-            </a:r>
-            <a:endParaRPr lang="en-CA" sz="1200" dirty="0">
-              <a:latin typeface="+mj-lt"/>
-            </a:endParaRPr>
-          </a:p>
-        </p:txBody>
-      </p:sp>
-    </p:spTree>
-    <p:extLst>
-      <p:ext uri="{BB962C8B-B14F-4D97-AF65-F5344CB8AC3E}">
-        <p14:creationId xmlns:p14="http://schemas.microsoft.com/office/powerpoint/2010/main" val="2583017381"/>
       </p:ext>
     </p:extLst>
   </p:cSld>
@@ -28667,6 +28745,514 @@
           <a:lstStyle/>
           <a:p>
             <a:r>
+              <a:rPr lang="en-CA" dirty="0"/>
+              <a:t>If…else</a:t>
+            </a:r>
+          </a:p>
+        </p:txBody>
+      </p:sp>
+      <p:sp>
+        <p:nvSpPr>
+          <p:cNvPr id="3" name="Text Placeholder 2">
+            <a:extLst>
+              <a:ext uri="{FF2B5EF4-FFF2-40B4-BE49-F238E27FC236}">
+                <a16:creationId xmlns:a16="http://schemas.microsoft.com/office/drawing/2014/main" id="{950F5ADE-7354-4BC4-9CCF-2FEA22D72D36}"/>
+              </a:ext>
+            </a:extLst>
+          </p:cNvPr>
+          <p:cNvSpPr>
+            <a:spLocks noGrp="1"/>
+          </p:cNvSpPr>
+          <p:nvPr>
+            <p:ph type="body" idx="1"/>
+          </p:nvPr>
+        </p:nvSpPr>
+        <p:spPr>
+          <a:xfrm>
+            <a:off x="457200" y="1081088"/>
+            <a:ext cx="3444949" cy="3532476"/>
+          </a:xfrm>
+        </p:spPr>
+        <p:txBody>
+          <a:bodyPr/>
+          <a:lstStyle/>
+          <a:p>
+            <a:pPr marL="114300" indent="0" algn="l">
+              <a:buNone/>
+            </a:pPr>
+            <a:r>
+              <a:rPr lang="en-US" sz="1800" b="0" i="0" u="none" strike="noStrike" baseline="0" dirty="0">
+                <a:latin typeface="SabonLTPro-Roman"/>
+              </a:rPr>
+              <a:t>The syntax for conditionals in PHP is identical to that of JavaScript. </a:t>
+            </a:r>
+          </a:p>
+          <a:p>
+            <a:pPr marL="114300" indent="0" algn="l">
+              <a:buNone/>
+            </a:pPr>
+            <a:r>
+              <a:rPr lang="en-US" sz="1800" dirty="0">
+                <a:latin typeface="SabonLTPro-Roman"/>
+              </a:rPr>
+              <a:t>T</a:t>
+            </a:r>
+            <a:r>
+              <a:rPr lang="en-US" sz="1800" b="0" i="0" u="none" strike="noStrike" baseline="0" dirty="0">
+                <a:latin typeface="SabonLTPro-Roman"/>
+              </a:rPr>
+              <a:t>he condition to test is contained within </a:t>
+            </a:r>
+            <a:r>
+              <a:rPr lang="en-US" sz="1800" b="0" i="0" u="none" strike="noStrike" baseline="0" dirty="0">
+                <a:latin typeface="CourierPSPro-Regular"/>
+              </a:rPr>
+              <a:t>() </a:t>
+            </a:r>
+            <a:r>
+              <a:rPr lang="en-US" sz="1800" b="0" i="0" u="none" strike="noStrike" baseline="0" dirty="0">
+                <a:latin typeface="SabonLTPro-Roman"/>
+              </a:rPr>
+              <a:t>brackets with the body contained in </a:t>
+            </a:r>
+            <a:r>
+              <a:rPr lang="en-US" sz="1800" b="0" i="0" u="none" strike="noStrike" baseline="0" dirty="0">
+                <a:latin typeface="CourierPSPro-Regular"/>
+              </a:rPr>
+              <a:t>{} </a:t>
+            </a:r>
+            <a:r>
+              <a:rPr lang="en-US" sz="1800" b="0" i="0" u="none" strike="noStrike" baseline="0" dirty="0">
+                <a:latin typeface="SabonLTPro-Roman"/>
+              </a:rPr>
+              <a:t>blocks. Optional </a:t>
+            </a:r>
+            <a:r>
+              <a:rPr lang="en-US" sz="1800" b="0" i="0" u="none" strike="noStrike" baseline="0" dirty="0">
+                <a:latin typeface="CourierPSPro-Regular"/>
+              </a:rPr>
+              <a:t>else if </a:t>
+            </a:r>
+            <a:r>
+              <a:rPr lang="en-US" sz="1800" b="0" i="0" u="none" strike="noStrike" baseline="0" dirty="0">
+                <a:latin typeface="SabonLTPro-Roman"/>
+              </a:rPr>
+              <a:t>statements can follow, with an optional </a:t>
+            </a:r>
+            <a:r>
+              <a:rPr lang="en-US" sz="1800" b="0" i="0" u="none" strike="noStrike" baseline="0" dirty="0">
+                <a:latin typeface="CourierPSPro-Regular"/>
+              </a:rPr>
+              <a:t>else </a:t>
+            </a:r>
+            <a:r>
+              <a:rPr lang="en-US" sz="1800" b="0" i="0" u="none" strike="noStrike" baseline="0" dirty="0">
+                <a:latin typeface="SabonLTPro-Roman"/>
+              </a:rPr>
+              <a:t>ending the </a:t>
+            </a:r>
+            <a:r>
+              <a:rPr lang="en-CA" sz="1800" b="0" i="0" u="none" strike="noStrike" baseline="0" dirty="0">
+                <a:latin typeface="SabonLTPro-Roman"/>
+              </a:rPr>
+              <a:t>branch.</a:t>
+            </a:r>
+            <a:endParaRPr lang="en-CA" dirty="0"/>
+          </a:p>
+        </p:txBody>
+      </p:sp>
+      <p:sp>
+        <p:nvSpPr>
+          <p:cNvPr id="4" name="TextBox 3" descr="LISTING 4.2 Embedded styles example">
+            <a:extLst>
+              <a:ext uri="{FF2B5EF4-FFF2-40B4-BE49-F238E27FC236}">
+                <a16:creationId xmlns:a16="http://schemas.microsoft.com/office/drawing/2014/main" id="{4E408F9C-061D-49F5-80DA-BE9BECF2BB52}"/>
+              </a:ext>
+            </a:extLst>
+          </p:cNvPr>
+          <p:cNvSpPr txBox="1"/>
+          <p:nvPr/>
+        </p:nvSpPr>
+        <p:spPr>
+          <a:xfrm>
+            <a:off x="4572000" y="1275677"/>
+            <a:ext cx="4242391" cy="2796593"/>
+          </a:xfrm>
+          <a:prstGeom prst="rect">
+            <a:avLst/>
+          </a:prstGeom>
+          <a:solidFill>
+            <a:srgbClr val="E6F0F5"/>
+          </a:solidFill>
+        </p:spPr>
+        <p:txBody>
+          <a:bodyPr wrap="square" numCol="1" rtlCol="0">
+            <a:noAutofit/>
+          </a:bodyPr>
+          <a:lstStyle/>
+          <a:p>
+            <a:pPr algn="l" defTabSz="360000"/>
+            <a:r>
+              <a:rPr lang="en-CA" sz="1600" b="0" i="1" u="none" strike="noStrike" baseline="0" dirty="0">
+                <a:solidFill>
+                  <a:schemeClr val="tx1"/>
+                </a:solidFill>
+                <a:latin typeface="Calibri" panose="020F0502020204030204" pitchFamily="34" charset="0"/>
+                <a:cs typeface="Calibri" panose="020F0502020204030204" pitchFamily="34" charset="0"/>
+              </a:rPr>
+              <a:t>// if statement</a:t>
+            </a:r>
+          </a:p>
+          <a:p>
+            <a:pPr algn="l" defTabSz="360000"/>
+            <a:r>
+              <a:rPr lang="en-US" sz="1600" b="0" i="0" u="none" strike="noStrike" baseline="0" dirty="0">
+                <a:solidFill>
+                  <a:srgbClr val="9A0000"/>
+                </a:solidFill>
+                <a:latin typeface="Calibri" panose="020F0502020204030204" pitchFamily="34" charset="0"/>
+                <a:cs typeface="Calibri" panose="020F0502020204030204" pitchFamily="34" charset="0"/>
+              </a:rPr>
+              <a:t>if ( </a:t>
+            </a:r>
+            <a:r>
+              <a:rPr lang="en-US" sz="1600" b="0" i="0" u="none" strike="noStrike" baseline="0" dirty="0">
+                <a:solidFill>
+                  <a:srgbClr val="000000"/>
+                </a:solidFill>
+                <a:latin typeface="Calibri" panose="020F0502020204030204" pitchFamily="34" charset="0"/>
+                <a:cs typeface="Calibri" panose="020F0502020204030204" pitchFamily="34" charset="0"/>
+              </a:rPr>
+              <a:t>$</a:t>
+            </a:r>
+            <a:r>
+              <a:rPr lang="en-US" sz="1600" b="0" i="0" u="none" strike="noStrike" baseline="0" dirty="0" err="1">
+                <a:solidFill>
+                  <a:srgbClr val="000000"/>
+                </a:solidFill>
+                <a:latin typeface="Calibri" panose="020F0502020204030204" pitchFamily="34" charset="0"/>
+                <a:cs typeface="Calibri" panose="020F0502020204030204" pitchFamily="34" charset="0"/>
+              </a:rPr>
+              <a:t>hourOfDay</a:t>
+            </a:r>
+            <a:r>
+              <a:rPr lang="en-US" sz="1600" b="0" i="0" u="none" strike="noStrike" baseline="0" dirty="0">
+                <a:solidFill>
+                  <a:srgbClr val="000000"/>
+                </a:solidFill>
+                <a:latin typeface="Calibri" panose="020F0502020204030204" pitchFamily="34" charset="0"/>
+                <a:cs typeface="Calibri" panose="020F0502020204030204" pitchFamily="34" charset="0"/>
+              </a:rPr>
+              <a:t> &gt; 6 &amp;&amp; $</a:t>
+            </a:r>
+            <a:r>
+              <a:rPr lang="en-US" sz="1600" b="0" i="0" u="none" strike="noStrike" baseline="0" dirty="0" err="1">
+                <a:solidFill>
+                  <a:srgbClr val="000000"/>
+                </a:solidFill>
+                <a:latin typeface="Calibri" panose="020F0502020204030204" pitchFamily="34" charset="0"/>
+                <a:cs typeface="Calibri" panose="020F0502020204030204" pitchFamily="34" charset="0"/>
+              </a:rPr>
+              <a:t>hourOfDay</a:t>
+            </a:r>
+            <a:r>
+              <a:rPr lang="en-US" sz="1600" b="0" i="0" u="none" strike="noStrike" baseline="0" dirty="0">
+                <a:solidFill>
+                  <a:srgbClr val="000000"/>
+                </a:solidFill>
+                <a:latin typeface="Calibri" panose="020F0502020204030204" pitchFamily="34" charset="0"/>
+                <a:cs typeface="Calibri" panose="020F0502020204030204" pitchFamily="34" charset="0"/>
+              </a:rPr>
+              <a:t> &lt; 12</a:t>
+            </a:r>
+            <a:r>
+              <a:rPr lang="en-US" sz="1600" b="0" i="0" u="none" strike="noStrike" baseline="0" dirty="0">
+                <a:solidFill>
+                  <a:srgbClr val="9A0000"/>
+                </a:solidFill>
+                <a:latin typeface="Calibri" panose="020F0502020204030204" pitchFamily="34" charset="0"/>
+                <a:cs typeface="Calibri" panose="020F0502020204030204" pitchFamily="34" charset="0"/>
+              </a:rPr>
+              <a:t>) {</a:t>
+            </a:r>
+          </a:p>
+          <a:p>
+            <a:pPr algn="l" defTabSz="360000"/>
+            <a:r>
+              <a:rPr lang="en-CA" sz="1600" b="0" i="0" u="none" strike="noStrike" baseline="0" dirty="0">
+                <a:solidFill>
+                  <a:srgbClr val="000000"/>
+                </a:solidFill>
+                <a:latin typeface="Calibri" panose="020F0502020204030204" pitchFamily="34" charset="0"/>
+                <a:cs typeface="Calibri" panose="020F0502020204030204" pitchFamily="34" charset="0"/>
+              </a:rPr>
+              <a:t>	$greeting = "Good Morning";</a:t>
+            </a:r>
+          </a:p>
+          <a:p>
+            <a:pPr algn="l" defTabSz="360000"/>
+            <a:r>
+              <a:rPr lang="en-CA" sz="1600" b="0" i="0" u="none" strike="noStrike" baseline="0" dirty="0">
+                <a:solidFill>
+                  <a:srgbClr val="9A0000"/>
+                </a:solidFill>
+                <a:latin typeface="Calibri" panose="020F0502020204030204" pitchFamily="34" charset="0"/>
+                <a:cs typeface="Calibri" panose="020F0502020204030204" pitchFamily="34" charset="0"/>
+              </a:rPr>
+              <a:t>}</a:t>
+            </a:r>
+          </a:p>
+          <a:p>
+            <a:pPr algn="l" defTabSz="360000"/>
+            <a:r>
+              <a:rPr lang="en-US" sz="1600" b="0" i="0" u="none" strike="noStrike" baseline="0" dirty="0">
+                <a:solidFill>
+                  <a:srgbClr val="9A0000"/>
+                </a:solidFill>
+                <a:latin typeface="Calibri" panose="020F0502020204030204" pitchFamily="34" charset="0"/>
+                <a:cs typeface="Calibri" panose="020F0502020204030204" pitchFamily="34" charset="0"/>
+              </a:rPr>
+              <a:t>else if (</a:t>
+            </a:r>
+            <a:r>
+              <a:rPr lang="en-US" sz="1600" b="0" i="0" u="none" strike="noStrike" baseline="0" dirty="0">
+                <a:solidFill>
+                  <a:srgbClr val="000000"/>
+                </a:solidFill>
+                <a:latin typeface="Calibri" panose="020F0502020204030204" pitchFamily="34" charset="0"/>
+                <a:cs typeface="Calibri" panose="020F0502020204030204" pitchFamily="34" charset="0"/>
+              </a:rPr>
+              <a:t>$</a:t>
+            </a:r>
+            <a:r>
+              <a:rPr lang="en-US" sz="1600" b="0" i="0" u="none" strike="noStrike" baseline="0" dirty="0" err="1">
+                <a:solidFill>
+                  <a:srgbClr val="000000"/>
+                </a:solidFill>
+                <a:latin typeface="Calibri" panose="020F0502020204030204" pitchFamily="34" charset="0"/>
+                <a:cs typeface="Calibri" panose="020F0502020204030204" pitchFamily="34" charset="0"/>
+              </a:rPr>
+              <a:t>hourOfDay</a:t>
+            </a:r>
+            <a:r>
+              <a:rPr lang="en-US" sz="1600" b="0" i="0" u="none" strike="noStrike" baseline="0" dirty="0">
+                <a:solidFill>
+                  <a:srgbClr val="000000"/>
+                </a:solidFill>
+                <a:latin typeface="Calibri" panose="020F0502020204030204" pitchFamily="34" charset="0"/>
+                <a:cs typeface="Calibri" panose="020F0502020204030204" pitchFamily="34" charset="0"/>
+              </a:rPr>
+              <a:t> == 12</a:t>
+            </a:r>
+            <a:r>
+              <a:rPr lang="en-US" sz="1600" b="0" i="0" u="none" strike="noStrike" baseline="0" dirty="0">
+                <a:solidFill>
+                  <a:srgbClr val="9A0000"/>
+                </a:solidFill>
+                <a:latin typeface="Calibri" panose="020F0502020204030204" pitchFamily="34" charset="0"/>
+                <a:cs typeface="Calibri" panose="020F0502020204030204" pitchFamily="34" charset="0"/>
+              </a:rPr>
+              <a:t>) { </a:t>
+            </a:r>
+            <a:r>
+              <a:rPr lang="en-US" sz="1600" b="0" i="1" u="none" strike="noStrike" baseline="0" dirty="0">
+                <a:solidFill>
+                  <a:schemeClr val="tx1"/>
+                </a:solidFill>
+                <a:latin typeface="Calibri" panose="020F0502020204030204" pitchFamily="34" charset="0"/>
+                <a:cs typeface="Calibri" panose="020F0502020204030204" pitchFamily="34" charset="0"/>
+              </a:rPr>
+              <a:t>// optional else if</a:t>
+            </a:r>
+          </a:p>
+          <a:p>
+            <a:pPr algn="l" defTabSz="360000"/>
+            <a:r>
+              <a:rPr lang="en-CA" sz="1600" b="0" i="0" u="none" strike="noStrike" baseline="0" dirty="0">
+                <a:solidFill>
+                  <a:srgbClr val="000000"/>
+                </a:solidFill>
+                <a:latin typeface="Calibri" panose="020F0502020204030204" pitchFamily="34" charset="0"/>
+                <a:cs typeface="Calibri" panose="020F0502020204030204" pitchFamily="34" charset="0"/>
+              </a:rPr>
+              <a:t>	$greeting = "Good Noon Time";</a:t>
+            </a:r>
+          </a:p>
+          <a:p>
+            <a:pPr algn="l" defTabSz="360000"/>
+            <a:r>
+              <a:rPr lang="en-CA" sz="1600" b="0" i="0" u="none" strike="noStrike" baseline="0" dirty="0">
+                <a:solidFill>
+                  <a:srgbClr val="9A0000"/>
+                </a:solidFill>
+                <a:latin typeface="Calibri" panose="020F0502020204030204" pitchFamily="34" charset="0"/>
+                <a:cs typeface="Calibri" panose="020F0502020204030204" pitchFamily="34" charset="0"/>
+              </a:rPr>
+              <a:t>}</a:t>
+            </a:r>
+          </a:p>
+          <a:p>
+            <a:pPr algn="l" defTabSz="360000"/>
+            <a:r>
+              <a:rPr lang="en-CA" sz="1600" b="0" i="0" u="none" strike="noStrike" baseline="0" dirty="0">
+                <a:solidFill>
+                  <a:srgbClr val="9A0000"/>
+                </a:solidFill>
+                <a:latin typeface="Calibri" panose="020F0502020204030204" pitchFamily="34" charset="0"/>
+                <a:cs typeface="Calibri" panose="020F0502020204030204" pitchFamily="34" charset="0"/>
+              </a:rPr>
+              <a:t>else { </a:t>
+            </a:r>
+            <a:r>
+              <a:rPr lang="en-CA" sz="1600" b="0" i="1" u="none" strike="noStrike" baseline="0" dirty="0">
+                <a:solidFill>
+                  <a:schemeClr val="tx1"/>
+                </a:solidFill>
+                <a:latin typeface="Calibri" panose="020F0502020204030204" pitchFamily="34" charset="0"/>
+                <a:cs typeface="Calibri" panose="020F0502020204030204" pitchFamily="34" charset="0"/>
+              </a:rPr>
+              <a:t>// optional else branch</a:t>
+            </a:r>
+          </a:p>
+          <a:p>
+            <a:pPr algn="l" defTabSz="360000"/>
+            <a:r>
+              <a:rPr lang="en-US" sz="1600" b="0" i="0" u="none" strike="noStrike" baseline="0" dirty="0">
+                <a:solidFill>
+                  <a:srgbClr val="000000"/>
+                </a:solidFill>
+                <a:latin typeface="Calibri" panose="020F0502020204030204" pitchFamily="34" charset="0"/>
+                <a:cs typeface="Calibri" panose="020F0502020204030204" pitchFamily="34" charset="0"/>
+              </a:rPr>
+              <a:t>	$greeting = "Good Afternoon or Evening";</a:t>
+            </a:r>
+          </a:p>
+          <a:p>
+            <a:pPr algn="l" defTabSz="360000"/>
+            <a:r>
+              <a:rPr lang="en-CA" sz="1600" b="0" i="0" u="none" strike="noStrike" baseline="0" dirty="0">
+                <a:solidFill>
+                  <a:srgbClr val="9A0000"/>
+                </a:solidFill>
+                <a:latin typeface="Calibri" panose="020F0502020204030204" pitchFamily="34" charset="0"/>
+                <a:cs typeface="Calibri" panose="020F0502020204030204" pitchFamily="34" charset="0"/>
+              </a:rPr>
+              <a:t>}</a:t>
+            </a:r>
+            <a:endParaRPr lang="en-CA" sz="400" b="0" i="0" u="none" strike="noStrike" baseline="0" dirty="0">
+              <a:solidFill>
+                <a:srgbClr val="000000"/>
+              </a:solidFill>
+              <a:latin typeface="Calibri" panose="020F0502020204030204" pitchFamily="34" charset="0"/>
+              <a:cs typeface="Calibri" panose="020F0502020204030204" pitchFamily="34" charset="0"/>
+            </a:endParaRPr>
+          </a:p>
+        </p:txBody>
+      </p:sp>
+      <p:sp>
+        <p:nvSpPr>
+          <p:cNvPr id="5" name="TextBox 4">
+            <a:extLst>
+              <a:ext uri="{FF2B5EF4-FFF2-40B4-BE49-F238E27FC236}">
+                <a16:creationId xmlns:a16="http://schemas.microsoft.com/office/drawing/2014/main" id="{FF4E4B40-2AA0-436A-9616-4041586835EC}"/>
+              </a:ext>
+            </a:extLst>
+          </p:cNvPr>
+          <p:cNvSpPr txBox="1"/>
+          <p:nvPr/>
+        </p:nvSpPr>
+        <p:spPr>
+          <a:xfrm>
+            <a:off x="4571999" y="4072270"/>
+            <a:ext cx="4242391" cy="276999"/>
+          </a:xfrm>
+          <a:prstGeom prst="rect">
+            <a:avLst/>
+          </a:prstGeom>
+          <a:noFill/>
+        </p:spPr>
+        <p:txBody>
+          <a:bodyPr wrap="square" rtlCol="0">
+            <a:spAutoFit/>
+          </a:bodyPr>
+          <a:lstStyle/>
+          <a:p>
+            <a:r>
+              <a:rPr lang="en-US" sz="1200" b="1" i="0" u="none" strike="noStrike" baseline="0" dirty="0">
+                <a:solidFill>
+                  <a:srgbClr val="009A9A"/>
+                </a:solidFill>
+                <a:latin typeface="+mj-lt"/>
+              </a:rPr>
+              <a:t>LISTING 12.7 </a:t>
+            </a:r>
+            <a:r>
+              <a:rPr lang="en-US" sz="1200" b="0" i="0" u="none" strike="noStrike" baseline="0" dirty="0">
+                <a:solidFill>
+                  <a:srgbClr val="000000"/>
+                </a:solidFill>
+                <a:latin typeface="+mj-lt"/>
+              </a:rPr>
+              <a:t>Conditional snippet of code using if . . . else</a:t>
+            </a:r>
+            <a:endParaRPr lang="en-CA" sz="1200" dirty="0">
+              <a:latin typeface="+mj-lt"/>
+            </a:endParaRPr>
+          </a:p>
+        </p:txBody>
+      </p:sp>
+    </p:spTree>
+    <p:extLst>
+      <p:ext uri="{BB962C8B-B14F-4D97-AF65-F5344CB8AC3E}">
+        <p14:creationId xmlns:p14="http://schemas.microsoft.com/office/powerpoint/2010/main" val="2583017381"/>
+      </p:ext>
+    </p:extLst>
+  </p:cSld>
+  <p:clrMapOvr>
+    <a:masterClrMapping/>
+  </p:clrMapOvr>
+</p:sld>
+</file>
+
+<file path=ppt/slides/slide16.xml><?xml version="1.0" encoding="utf-8"?>
+<p:sld xmlns:a="http://schemas.openxmlformats.org/drawingml/2006/main" xmlns:r="http://schemas.openxmlformats.org/officeDocument/2006/relationships" xmlns:p="http://schemas.openxmlformats.org/presentationml/2006/main">
+  <p:cSld>
+    <p:spTree>
+      <p:nvGrpSpPr>
+        <p:cNvPr id="1" name=""/>
+        <p:cNvGrpSpPr/>
+        <p:nvPr/>
+      </p:nvGrpSpPr>
+      <p:grpSpPr>
+        <a:xfrm>
+          <a:off x="0" y="0"/>
+          <a:ext cx="0" cy="0"/>
+          <a:chOff x="0" y="0"/>
+          <a:chExt cx="0" cy="0"/>
+        </a:xfrm>
+      </p:grpSpPr>
+      <p:sp>
+        <p:nvSpPr>
+          <p:cNvPr id="2" name="Title 1">
+            <a:extLst>
+              <a:ext uri="{FF2B5EF4-FFF2-40B4-BE49-F238E27FC236}">
+                <a16:creationId xmlns:a16="http://schemas.microsoft.com/office/drawing/2014/main" id="{212B1F21-C0A6-4ACE-B2B5-8F897A25FB06}"/>
+              </a:ext>
+            </a:extLst>
+          </p:cNvPr>
+          <p:cNvSpPr>
+            <a:spLocks noGrp="1"/>
+          </p:cNvSpPr>
+          <p:nvPr>
+            <p:ph type="title"/>
+          </p:nvPr>
+        </p:nvSpPr>
+        <p:spPr/>
+        <p:txBody>
+          <a:bodyPr/>
+          <a:lstStyle/>
+          <a:p>
+            <a:r>
               <a:rPr lang="en-US" dirty="0"/>
               <a:t>PHP and HTML in the same script</a:t>
             </a:r>
@@ -29383,562 +29969,6 @@
     <p:extLst>
       <p:ext uri="{BB962C8B-B14F-4D97-AF65-F5344CB8AC3E}">
         <p14:creationId xmlns:p14="http://schemas.microsoft.com/office/powerpoint/2010/main" val="2769805336"/>
-      </p:ext>
-    </p:extLst>
-  </p:cSld>
-  <p:clrMapOvr>
-    <a:masterClrMapping/>
-  </p:clrMapOvr>
-</p:sld>
-</file>
-
-<file path=ppt/slides/slide16.xml><?xml version="1.0" encoding="utf-8"?>
-<p:sld xmlns:a="http://schemas.openxmlformats.org/drawingml/2006/main" xmlns:r="http://schemas.openxmlformats.org/officeDocument/2006/relationships" xmlns:p="http://schemas.openxmlformats.org/presentationml/2006/main">
-  <p:cSld>
-    <p:spTree>
-      <p:nvGrpSpPr>
-        <p:cNvPr id="1" name=""/>
-        <p:cNvGrpSpPr/>
-        <p:nvPr/>
-      </p:nvGrpSpPr>
-      <p:grpSpPr>
-        <a:xfrm>
-          <a:off x="0" y="0"/>
-          <a:ext cx="0" cy="0"/>
-          <a:chOff x="0" y="0"/>
-          <a:chExt cx="0" cy="0"/>
-        </a:xfrm>
-      </p:grpSpPr>
-      <p:sp>
-        <p:nvSpPr>
-          <p:cNvPr id="2" name="Title 1">
-            <a:extLst>
-              <a:ext uri="{FF2B5EF4-FFF2-40B4-BE49-F238E27FC236}">
-                <a16:creationId xmlns:a16="http://schemas.microsoft.com/office/drawing/2014/main" id="{25206AFA-9031-421A-A56C-9B969DB8EDCC}"/>
-              </a:ext>
-            </a:extLst>
-          </p:cNvPr>
-          <p:cNvSpPr>
-            <a:spLocks noGrp="1"/>
-          </p:cNvSpPr>
-          <p:nvPr>
-            <p:ph type="title"/>
-          </p:nvPr>
-        </p:nvSpPr>
-        <p:spPr/>
-        <p:txBody>
-          <a:bodyPr/>
-          <a:lstStyle/>
-          <a:p>
-            <a:r>
-              <a:rPr lang="en-CA" dirty="0"/>
-              <a:t>switch . . . case</a:t>
-            </a:r>
-          </a:p>
-        </p:txBody>
-      </p:sp>
-      <p:sp>
-        <p:nvSpPr>
-          <p:cNvPr id="3" name="Text Placeholder 2">
-            <a:extLst>
-              <a:ext uri="{FF2B5EF4-FFF2-40B4-BE49-F238E27FC236}">
-                <a16:creationId xmlns:a16="http://schemas.microsoft.com/office/drawing/2014/main" id="{450659AA-1400-4F14-A802-505193E038D8}"/>
-              </a:ext>
-            </a:extLst>
-          </p:cNvPr>
-          <p:cNvSpPr>
-            <a:spLocks noGrp="1"/>
-          </p:cNvSpPr>
-          <p:nvPr>
-            <p:ph type="body" idx="1"/>
-          </p:nvPr>
-        </p:nvSpPr>
-        <p:spPr>
-          <a:xfrm>
-            <a:off x="457200" y="1081088"/>
-            <a:ext cx="8232775" cy="630754"/>
-          </a:xfrm>
-        </p:spPr>
-        <p:txBody>
-          <a:bodyPr/>
-          <a:lstStyle/>
-          <a:p>
-            <a:pPr marL="114300" indent="0">
-              <a:buNone/>
-            </a:pPr>
-            <a:r>
-              <a:rPr lang="en-US" sz="1400" b="0" i="0" u="none" strike="noStrike" baseline="0" dirty="0">
-                <a:latin typeface="+mj-lt"/>
-                <a:cs typeface="Calibri" panose="020F0502020204030204" pitchFamily="34" charset="0"/>
-              </a:rPr>
-              <a:t>The </a:t>
-            </a:r>
-            <a:r>
-              <a:rPr lang="en-US" sz="1400" b="1" i="0" u="none" strike="noStrike" baseline="0" dirty="0">
-                <a:latin typeface="+mj-lt"/>
-                <a:cs typeface="Calibri" panose="020F0502020204030204" pitchFamily="34" charset="0"/>
-              </a:rPr>
-              <a:t>switch</a:t>
-            </a:r>
-            <a:r>
-              <a:rPr lang="en-US" sz="1400" b="0" i="0" u="none" strike="noStrike" baseline="0" dirty="0">
-                <a:latin typeface="+mj-lt"/>
-                <a:cs typeface="Calibri" panose="020F0502020204030204" pitchFamily="34" charset="0"/>
-              </a:rPr>
-              <a:t> statement is similar to a series of </a:t>
-            </a:r>
-            <a:r>
-              <a:rPr lang="en-US" sz="1400" b="1" i="0" u="none" strike="noStrike" baseline="0" dirty="0">
-                <a:latin typeface="+mj-lt"/>
-                <a:cs typeface="Calibri" panose="020F0502020204030204" pitchFamily="34" charset="0"/>
-              </a:rPr>
-              <a:t>if ... else</a:t>
-            </a:r>
-            <a:r>
-              <a:rPr lang="en-US" sz="1400" b="0" i="0" u="none" strike="noStrike" baseline="0" dirty="0">
-                <a:latin typeface="+mj-lt"/>
-                <a:cs typeface="Calibri" panose="020F0502020204030204" pitchFamily="34" charset="0"/>
-              </a:rPr>
-              <a:t> statements.</a:t>
-            </a:r>
-            <a:endParaRPr lang="en-CA" sz="1400" dirty="0">
-              <a:latin typeface="+mj-lt"/>
-              <a:cs typeface="Calibri" panose="020F0502020204030204" pitchFamily="34" charset="0"/>
-            </a:endParaRPr>
-          </a:p>
-        </p:txBody>
-      </p:sp>
-      <p:sp>
-        <p:nvSpPr>
-          <p:cNvPr id="4" name="TextBox 3" descr="LISTING 4.2 Embedded styles example">
-            <a:extLst>
-              <a:ext uri="{FF2B5EF4-FFF2-40B4-BE49-F238E27FC236}">
-                <a16:creationId xmlns:a16="http://schemas.microsoft.com/office/drawing/2014/main" id="{17D2C814-A456-47BA-AE02-6275B4E3E4DC}"/>
-              </a:ext>
-            </a:extLst>
-          </p:cNvPr>
-          <p:cNvSpPr txBox="1"/>
-          <p:nvPr/>
-        </p:nvSpPr>
-        <p:spPr>
-          <a:xfrm>
-            <a:off x="1456659" y="1822634"/>
-            <a:ext cx="6262577" cy="2263827"/>
-          </a:xfrm>
-          <a:prstGeom prst="rect">
-            <a:avLst/>
-          </a:prstGeom>
-          <a:solidFill>
-            <a:srgbClr val="E6F0F5"/>
-          </a:solidFill>
-        </p:spPr>
-        <p:txBody>
-          <a:bodyPr wrap="square" numCol="2" rtlCol="0">
-            <a:noAutofit/>
-          </a:bodyPr>
-          <a:lstStyle/>
-          <a:p>
-            <a:pPr algn="l" defTabSz="360000"/>
-            <a:r>
-              <a:rPr lang="en-CA" b="0" i="0" u="none" strike="noStrike" baseline="0" dirty="0">
-                <a:solidFill>
-                  <a:srgbClr val="9A0000"/>
-                </a:solidFill>
-                <a:latin typeface="Calibri" panose="020F0502020204030204" pitchFamily="34" charset="0"/>
-                <a:cs typeface="Calibri" panose="020F0502020204030204" pitchFamily="34" charset="0"/>
-              </a:rPr>
-              <a:t>switch </a:t>
-            </a:r>
-            <a:r>
-              <a:rPr lang="en-CA" b="0" i="0" u="none" strike="noStrike" baseline="0" dirty="0">
-                <a:solidFill>
-                  <a:srgbClr val="000000"/>
-                </a:solidFill>
-                <a:latin typeface="Calibri" panose="020F0502020204030204" pitchFamily="34" charset="0"/>
-                <a:cs typeface="Calibri" panose="020F0502020204030204" pitchFamily="34" charset="0"/>
-              </a:rPr>
-              <a:t>($</a:t>
-            </a:r>
-            <a:r>
-              <a:rPr lang="en-CA" b="0" i="0" u="none" strike="noStrike" baseline="0" dirty="0" err="1">
-                <a:solidFill>
-                  <a:srgbClr val="000000"/>
-                </a:solidFill>
-                <a:latin typeface="Calibri" panose="020F0502020204030204" pitchFamily="34" charset="0"/>
-                <a:cs typeface="Calibri" panose="020F0502020204030204" pitchFamily="34" charset="0"/>
-              </a:rPr>
-              <a:t>artType</a:t>
-            </a:r>
-            <a:r>
-              <a:rPr lang="en-CA" b="0" i="0" u="none" strike="noStrike" baseline="0" dirty="0">
-                <a:solidFill>
-                  <a:srgbClr val="000000"/>
-                </a:solidFill>
-                <a:latin typeface="Calibri" panose="020F0502020204030204" pitchFamily="34" charset="0"/>
-                <a:cs typeface="Calibri" panose="020F0502020204030204" pitchFamily="34" charset="0"/>
-              </a:rPr>
-              <a:t>) {</a:t>
-            </a:r>
-          </a:p>
-          <a:p>
-            <a:pPr algn="l" defTabSz="360000"/>
-            <a:r>
-              <a:rPr lang="en-CA" b="0" i="0" u="none" strike="noStrike" baseline="0" dirty="0">
-                <a:solidFill>
-                  <a:srgbClr val="9A0000"/>
-                </a:solidFill>
-                <a:latin typeface="Calibri" panose="020F0502020204030204" pitchFamily="34" charset="0"/>
-                <a:cs typeface="Calibri" panose="020F0502020204030204" pitchFamily="34" charset="0"/>
-              </a:rPr>
-              <a:t>case </a:t>
-            </a:r>
-            <a:r>
-              <a:rPr lang="en-CA" b="0" i="0" u="none" strike="noStrike" baseline="0" dirty="0">
-                <a:solidFill>
-                  <a:srgbClr val="000000"/>
-                </a:solidFill>
-                <a:latin typeface="Calibri" panose="020F0502020204030204" pitchFamily="34" charset="0"/>
-                <a:cs typeface="Calibri" panose="020F0502020204030204" pitchFamily="34" charset="0"/>
-              </a:rPr>
-              <a:t>"PT":</a:t>
-            </a:r>
-          </a:p>
-          <a:p>
-            <a:pPr algn="l" defTabSz="360000"/>
-            <a:r>
-              <a:rPr lang="en-CA" b="0" i="0" u="none" strike="noStrike" baseline="0" dirty="0">
-                <a:solidFill>
-                  <a:srgbClr val="000000"/>
-                </a:solidFill>
-                <a:latin typeface="Calibri" panose="020F0502020204030204" pitchFamily="34" charset="0"/>
-                <a:cs typeface="Calibri" panose="020F0502020204030204" pitchFamily="34" charset="0"/>
-              </a:rPr>
-              <a:t>	$output = "Painting";</a:t>
-            </a:r>
-          </a:p>
-          <a:p>
-            <a:pPr algn="l" defTabSz="360000"/>
-            <a:r>
-              <a:rPr lang="en-CA" b="0" i="0" u="none" strike="noStrike" baseline="0" dirty="0">
-                <a:solidFill>
-                  <a:srgbClr val="9A0000"/>
-                </a:solidFill>
-                <a:latin typeface="Calibri" panose="020F0502020204030204" pitchFamily="34" charset="0"/>
-                <a:cs typeface="Calibri" panose="020F0502020204030204" pitchFamily="34" charset="0"/>
-              </a:rPr>
-              <a:t>	break</a:t>
-            </a:r>
-            <a:r>
-              <a:rPr lang="en-CA" b="0" i="0" u="none" strike="noStrike" baseline="0" dirty="0">
-                <a:solidFill>
-                  <a:srgbClr val="000000"/>
-                </a:solidFill>
-                <a:latin typeface="Calibri" panose="020F0502020204030204" pitchFamily="34" charset="0"/>
-                <a:cs typeface="Calibri" panose="020F0502020204030204" pitchFamily="34" charset="0"/>
-              </a:rPr>
-              <a:t>;</a:t>
-            </a:r>
-          </a:p>
-          <a:p>
-            <a:pPr algn="l" defTabSz="360000"/>
-            <a:r>
-              <a:rPr lang="en-CA" b="0" i="0" u="none" strike="noStrike" baseline="0" dirty="0">
-                <a:solidFill>
-                  <a:srgbClr val="9A0000"/>
-                </a:solidFill>
-                <a:latin typeface="Calibri" panose="020F0502020204030204" pitchFamily="34" charset="0"/>
-                <a:cs typeface="Calibri" panose="020F0502020204030204" pitchFamily="34" charset="0"/>
-              </a:rPr>
-              <a:t>case </a:t>
-            </a:r>
-            <a:r>
-              <a:rPr lang="en-CA" b="0" i="0" u="none" strike="noStrike" baseline="0" dirty="0">
-                <a:solidFill>
-                  <a:srgbClr val="000000"/>
-                </a:solidFill>
-                <a:latin typeface="Calibri" panose="020F0502020204030204" pitchFamily="34" charset="0"/>
-                <a:cs typeface="Calibri" panose="020F0502020204030204" pitchFamily="34" charset="0"/>
-              </a:rPr>
-              <a:t>"SC":</a:t>
-            </a:r>
-          </a:p>
-          <a:p>
-            <a:pPr algn="l" defTabSz="360000"/>
-            <a:r>
-              <a:rPr lang="en-CA" b="0" i="0" u="none" strike="noStrike" baseline="0" dirty="0">
-                <a:solidFill>
-                  <a:srgbClr val="000000"/>
-                </a:solidFill>
-                <a:latin typeface="Calibri" panose="020F0502020204030204" pitchFamily="34" charset="0"/>
-                <a:cs typeface="Calibri" panose="020F0502020204030204" pitchFamily="34" charset="0"/>
-              </a:rPr>
-              <a:t>	$output = "Sculpture";</a:t>
-            </a:r>
-          </a:p>
-          <a:p>
-            <a:pPr algn="l" defTabSz="360000"/>
-            <a:r>
-              <a:rPr lang="en-CA" b="0" i="0" u="none" strike="noStrike" baseline="0" dirty="0">
-                <a:solidFill>
-                  <a:srgbClr val="9A0000"/>
-                </a:solidFill>
-                <a:latin typeface="Calibri" panose="020F0502020204030204" pitchFamily="34" charset="0"/>
-                <a:cs typeface="Calibri" panose="020F0502020204030204" pitchFamily="34" charset="0"/>
-              </a:rPr>
-              <a:t>	break</a:t>
-            </a:r>
-            <a:r>
-              <a:rPr lang="en-CA" b="0" i="0" u="none" strike="noStrike" baseline="0" dirty="0">
-                <a:solidFill>
-                  <a:srgbClr val="000000"/>
-                </a:solidFill>
-                <a:latin typeface="Calibri" panose="020F0502020204030204" pitchFamily="34" charset="0"/>
-                <a:cs typeface="Calibri" panose="020F0502020204030204" pitchFamily="34" charset="0"/>
-              </a:rPr>
-              <a:t>;</a:t>
-            </a:r>
-          </a:p>
-          <a:p>
-            <a:pPr algn="l" defTabSz="360000"/>
-            <a:r>
-              <a:rPr lang="en-CA" b="0" i="0" u="none" strike="noStrike" baseline="0" dirty="0">
-                <a:solidFill>
-                  <a:srgbClr val="9A0000"/>
-                </a:solidFill>
-                <a:latin typeface="Calibri" panose="020F0502020204030204" pitchFamily="34" charset="0"/>
-                <a:cs typeface="Calibri" panose="020F0502020204030204" pitchFamily="34" charset="0"/>
-              </a:rPr>
-              <a:t>default</a:t>
-            </a:r>
-            <a:r>
-              <a:rPr lang="en-CA" b="0" i="0" u="none" strike="noStrike" baseline="0" dirty="0">
-                <a:solidFill>
-                  <a:srgbClr val="000000"/>
-                </a:solidFill>
-                <a:latin typeface="Calibri" panose="020F0502020204030204" pitchFamily="34" charset="0"/>
-                <a:cs typeface="Calibri" panose="020F0502020204030204" pitchFamily="34" charset="0"/>
-              </a:rPr>
-              <a:t>:</a:t>
-            </a:r>
-          </a:p>
-          <a:p>
-            <a:pPr algn="l" defTabSz="360000"/>
-            <a:r>
-              <a:rPr lang="en-CA" b="0" i="0" u="none" strike="noStrike" baseline="0" dirty="0">
-                <a:solidFill>
-                  <a:srgbClr val="000000"/>
-                </a:solidFill>
-                <a:latin typeface="Calibri" panose="020F0502020204030204" pitchFamily="34" charset="0"/>
-                <a:cs typeface="Calibri" panose="020F0502020204030204" pitchFamily="34" charset="0"/>
-              </a:rPr>
-              <a:t>	$output = "Other";</a:t>
-            </a:r>
-          </a:p>
-          <a:p>
-            <a:pPr algn="l" defTabSz="360000"/>
-            <a:r>
-              <a:rPr lang="en-CA" b="0" i="0" u="none" strike="noStrike" baseline="0" dirty="0">
-                <a:solidFill>
-                  <a:srgbClr val="000000"/>
-                </a:solidFill>
-                <a:latin typeface="Calibri" panose="020F0502020204030204" pitchFamily="34" charset="0"/>
-                <a:cs typeface="Calibri" panose="020F0502020204030204" pitchFamily="34" charset="0"/>
-              </a:rPr>
-              <a:t>}</a:t>
-            </a:r>
-          </a:p>
-          <a:p>
-            <a:pPr algn="l" defTabSz="360000"/>
-            <a:r>
-              <a:rPr lang="en-CA" b="0" i="1" u="none" strike="noStrike" baseline="0" dirty="0">
-                <a:solidFill>
-                  <a:schemeClr val="tx1"/>
-                </a:solidFill>
-                <a:latin typeface="Calibri" panose="020F0502020204030204" pitchFamily="34" charset="0"/>
-                <a:cs typeface="Calibri" panose="020F0502020204030204" pitchFamily="34" charset="0"/>
-              </a:rPr>
-              <a:t>// equivalent</a:t>
-            </a:r>
-          </a:p>
-          <a:p>
-            <a:pPr algn="l" defTabSz="360000"/>
-            <a:r>
-              <a:rPr lang="en-CA" b="0" i="0" u="none" strike="noStrike" baseline="0" dirty="0">
-                <a:solidFill>
-                  <a:srgbClr val="000000"/>
-                </a:solidFill>
-                <a:latin typeface="Calibri" panose="020F0502020204030204" pitchFamily="34" charset="0"/>
-                <a:cs typeface="Calibri" panose="020F0502020204030204" pitchFamily="34" charset="0"/>
-              </a:rPr>
-              <a:t>if ($</a:t>
-            </a:r>
-            <a:r>
-              <a:rPr lang="en-CA" b="0" i="0" u="none" strike="noStrike" baseline="0" dirty="0" err="1">
-                <a:solidFill>
-                  <a:srgbClr val="000000"/>
-                </a:solidFill>
-                <a:latin typeface="Calibri" panose="020F0502020204030204" pitchFamily="34" charset="0"/>
-                <a:cs typeface="Calibri" panose="020F0502020204030204" pitchFamily="34" charset="0"/>
-              </a:rPr>
-              <a:t>artType</a:t>
-            </a:r>
-            <a:r>
-              <a:rPr lang="en-CA" b="0" i="0" u="none" strike="noStrike" baseline="0" dirty="0">
-                <a:solidFill>
-                  <a:srgbClr val="000000"/>
-                </a:solidFill>
-                <a:latin typeface="Calibri" panose="020F0502020204030204" pitchFamily="34" charset="0"/>
-                <a:cs typeface="Calibri" panose="020F0502020204030204" pitchFamily="34" charset="0"/>
-              </a:rPr>
-              <a:t> == "PT")</a:t>
-            </a:r>
-          </a:p>
-          <a:p>
-            <a:pPr algn="l" defTabSz="360000"/>
-            <a:r>
-              <a:rPr lang="en-CA" b="0" i="0" u="none" strike="noStrike" baseline="0" dirty="0">
-                <a:solidFill>
-                  <a:srgbClr val="000000"/>
-                </a:solidFill>
-                <a:latin typeface="Calibri" panose="020F0502020204030204" pitchFamily="34" charset="0"/>
-                <a:cs typeface="Calibri" panose="020F0502020204030204" pitchFamily="34" charset="0"/>
-              </a:rPr>
-              <a:t>	$output = "Painting";</a:t>
-            </a:r>
-          </a:p>
-          <a:p>
-            <a:pPr algn="l" defTabSz="360000"/>
-            <a:r>
-              <a:rPr lang="en-CA" b="0" i="0" u="none" strike="noStrike" baseline="0" dirty="0">
-                <a:solidFill>
-                  <a:srgbClr val="000000"/>
-                </a:solidFill>
-                <a:latin typeface="Calibri" panose="020F0502020204030204" pitchFamily="34" charset="0"/>
-                <a:cs typeface="Calibri" panose="020F0502020204030204" pitchFamily="34" charset="0"/>
-              </a:rPr>
-              <a:t>else if ($</a:t>
-            </a:r>
-            <a:r>
-              <a:rPr lang="en-CA" b="0" i="0" u="none" strike="noStrike" baseline="0" dirty="0" err="1">
-                <a:solidFill>
-                  <a:srgbClr val="000000"/>
-                </a:solidFill>
-                <a:latin typeface="Calibri" panose="020F0502020204030204" pitchFamily="34" charset="0"/>
-                <a:cs typeface="Calibri" panose="020F0502020204030204" pitchFamily="34" charset="0"/>
-              </a:rPr>
-              <a:t>artType</a:t>
-            </a:r>
-            <a:r>
-              <a:rPr lang="en-CA" b="0" i="0" u="none" strike="noStrike" baseline="0" dirty="0">
-                <a:solidFill>
-                  <a:srgbClr val="000000"/>
-                </a:solidFill>
-                <a:latin typeface="Calibri" panose="020F0502020204030204" pitchFamily="34" charset="0"/>
-                <a:cs typeface="Calibri" panose="020F0502020204030204" pitchFamily="34" charset="0"/>
-              </a:rPr>
-              <a:t> == "SC")</a:t>
-            </a:r>
-          </a:p>
-          <a:p>
-            <a:pPr algn="l" defTabSz="360000"/>
-            <a:r>
-              <a:rPr lang="en-CA" b="0" i="0" u="none" strike="noStrike" baseline="0" dirty="0">
-                <a:solidFill>
-                  <a:srgbClr val="000000"/>
-                </a:solidFill>
-                <a:latin typeface="Calibri" panose="020F0502020204030204" pitchFamily="34" charset="0"/>
-                <a:cs typeface="Calibri" panose="020F0502020204030204" pitchFamily="34" charset="0"/>
-              </a:rPr>
-              <a:t>	$output = "Sculpture";</a:t>
-            </a:r>
-          </a:p>
-          <a:p>
-            <a:pPr algn="l" defTabSz="360000"/>
-            <a:r>
-              <a:rPr lang="en-CA" b="0" i="0" u="none" strike="noStrike" baseline="0" dirty="0">
-                <a:solidFill>
-                  <a:srgbClr val="000000"/>
-                </a:solidFill>
-                <a:latin typeface="Calibri" panose="020F0502020204030204" pitchFamily="34" charset="0"/>
-                <a:cs typeface="Calibri" panose="020F0502020204030204" pitchFamily="34" charset="0"/>
-              </a:rPr>
-              <a:t>else</a:t>
-            </a:r>
-          </a:p>
-          <a:p>
-            <a:pPr algn="l" defTabSz="360000"/>
-            <a:r>
-              <a:rPr lang="en-CA" b="0" i="0" u="none" strike="noStrike" baseline="0" dirty="0">
-                <a:solidFill>
-                  <a:srgbClr val="000000"/>
-                </a:solidFill>
-                <a:latin typeface="Calibri" panose="020F0502020204030204" pitchFamily="34" charset="0"/>
-                <a:cs typeface="Calibri" panose="020F0502020204030204" pitchFamily="34" charset="0"/>
-              </a:rPr>
-              <a:t>	$output = "Other";</a:t>
-            </a:r>
-          </a:p>
-        </p:txBody>
-      </p:sp>
-      <p:sp>
-        <p:nvSpPr>
-          <p:cNvPr id="5" name="TextBox 4">
-            <a:extLst>
-              <a:ext uri="{FF2B5EF4-FFF2-40B4-BE49-F238E27FC236}">
-                <a16:creationId xmlns:a16="http://schemas.microsoft.com/office/drawing/2014/main" id="{35ADF516-0303-4F18-999F-587FC86EEC80}"/>
-              </a:ext>
-            </a:extLst>
-          </p:cNvPr>
-          <p:cNvSpPr txBox="1"/>
-          <p:nvPr/>
-        </p:nvSpPr>
-        <p:spPr>
-          <a:xfrm>
-            <a:off x="1424764" y="4065971"/>
-            <a:ext cx="6028661" cy="307777"/>
-          </a:xfrm>
-          <a:prstGeom prst="rect">
-            <a:avLst/>
-          </a:prstGeom>
-          <a:noFill/>
-        </p:spPr>
-        <p:txBody>
-          <a:bodyPr wrap="square" rtlCol="0">
-            <a:spAutoFit/>
-          </a:bodyPr>
-          <a:lstStyle/>
-          <a:p>
-            <a:r>
-              <a:rPr lang="en-US" b="1" i="0" u="none" strike="noStrike" baseline="0" dirty="0">
-                <a:solidFill>
-                  <a:srgbClr val="009A9A"/>
-                </a:solidFill>
-                <a:latin typeface="Calibri" panose="020F0502020204030204" pitchFamily="34" charset="0"/>
-                <a:cs typeface="Calibri" panose="020F0502020204030204" pitchFamily="34" charset="0"/>
-              </a:rPr>
-              <a:t>LISTING 12.9 </a:t>
-            </a:r>
-            <a:r>
-              <a:rPr lang="en-US" b="0" i="0" u="none" strike="noStrike" baseline="0" dirty="0">
-                <a:solidFill>
-                  <a:srgbClr val="000000"/>
-                </a:solidFill>
-                <a:latin typeface="Calibri" panose="020F0502020204030204" pitchFamily="34" charset="0"/>
-                <a:cs typeface="Calibri" panose="020F0502020204030204" pitchFamily="34" charset="0"/>
-              </a:rPr>
-              <a:t>Conditional statement using switch and the equivalent if-else</a:t>
-            </a:r>
-            <a:endParaRPr lang="en-CA" dirty="0">
-              <a:latin typeface="Calibri" panose="020F0502020204030204" pitchFamily="34" charset="0"/>
-              <a:cs typeface="Calibri" panose="020F0502020204030204" pitchFamily="34" charset="0"/>
-            </a:endParaRPr>
-          </a:p>
-        </p:txBody>
-      </p:sp>
-    </p:spTree>
-    <p:extLst>
-      <p:ext uri="{BB962C8B-B14F-4D97-AF65-F5344CB8AC3E}">
-        <p14:creationId xmlns:p14="http://schemas.microsoft.com/office/powerpoint/2010/main" val="1000222698"/>
       </p:ext>
     </p:extLst>
   </p:cSld>
@@ -31065,16 +31095,34 @@
                 </a:solidFill>
                 <a:latin typeface="+mj-lt"/>
               </a:rPr>
-              <a:t>is one of the functions that come with the PHP environment (or with one </a:t>
-            </a:r>
-            <a:r>
-              <a:rPr lang="en-CA" sz="1800" b="0" i="0" u="none" strike="noStrike" baseline="0" dirty="0">
+              <a:t>is one of the functions that come with the PHP environment (</a:t>
+            </a:r>
+            <a:r>
+              <a:rPr lang="da-DK" sz="1800" b="0" i="0" u="none" strike="noStrike" baseline="0" dirty="0" err="1">
                 <a:solidFill>
                   <a:srgbClr val="000000"/>
                 </a:solidFill>
                 <a:latin typeface="+mj-lt"/>
               </a:rPr>
-              <a:t>of its extensions).</a:t>
+              <a:t>typical</a:t>
+            </a:r>
+            <a:r>
+              <a:rPr lang="da-DK" sz="1800" b="0" i="0" u="none" strike="noStrike" baseline="0" dirty="0">
+                <a:solidFill>
+                  <a:srgbClr val="000000"/>
+                </a:solidFill>
+                <a:latin typeface="+mj-lt"/>
+              </a:rPr>
+              <a:t> in WordPress</a:t>
+            </a:r>
+            <a:r>
+              <a:rPr lang="en-CA" sz="1800" b="0" i="0" u="none" strike="noStrike" baseline="0" dirty="0">
+                <a:solidFill>
+                  <a:srgbClr val="000000"/>
+                </a:solidFill>
+                <a:latin typeface="+mj-lt"/>
+              </a:rPr>
+              <a:t>).</a:t>
             </a:r>
             <a:endParaRPr lang="en-CA" dirty="0">
               <a:latin typeface="+mj-lt"/>
@@ -31682,2394 +31730,6 @@
           <p:cNvPr id="2" name="Title 1">
             <a:extLst>
               <a:ext uri="{FF2B5EF4-FFF2-40B4-BE49-F238E27FC236}">
-                <a16:creationId xmlns:a16="http://schemas.microsoft.com/office/drawing/2014/main" id="{F69541C5-99EC-4875-B1FF-1113DDC8AF3D}"/>
-              </a:ext>
-            </a:extLst>
-          </p:cNvPr>
-          <p:cNvSpPr>
-            <a:spLocks noGrp="1"/>
-          </p:cNvSpPr>
-          <p:nvPr>
-            <p:ph type="title"/>
-          </p:nvPr>
-        </p:nvSpPr>
-        <p:spPr/>
-        <p:txBody>
-          <a:bodyPr/>
-          <a:lstStyle/>
-          <a:p>
-            <a:r>
-              <a:rPr lang="en-CA" dirty="0"/>
-              <a:t>Arrays</a:t>
-            </a:r>
-          </a:p>
-        </p:txBody>
-      </p:sp>
-      <p:sp>
-        <p:nvSpPr>
-          <p:cNvPr id="3" name="Text Placeholder 2">
-            <a:extLst>
-              <a:ext uri="{FF2B5EF4-FFF2-40B4-BE49-F238E27FC236}">
-                <a16:creationId xmlns:a16="http://schemas.microsoft.com/office/drawing/2014/main" id="{1A37F7AA-E0F0-4484-AA97-D6AA73268203}"/>
-              </a:ext>
-            </a:extLst>
-          </p:cNvPr>
-          <p:cNvSpPr>
-            <a:spLocks noGrp="1"/>
-          </p:cNvSpPr>
-          <p:nvPr>
-            <p:ph type="body" idx="1"/>
-          </p:nvPr>
-        </p:nvSpPr>
-        <p:spPr/>
-        <p:txBody>
-          <a:bodyPr/>
-          <a:lstStyle/>
-          <a:p>
-            <a:pPr marL="114300" indent="0" algn="l">
-              <a:buNone/>
-            </a:pPr>
-            <a:r>
-              <a:rPr lang="en-CA" sz="1800" b="0" i="0" u="none" strike="noStrike" baseline="0" dirty="0">
-                <a:latin typeface="+mj-lt"/>
-              </a:rPr>
-              <a:t>Unlike </a:t>
-            </a:r>
-            <a:r>
-              <a:rPr lang="en-US" sz="1800" b="0" i="0" u="none" strike="noStrike" baseline="0" dirty="0">
-                <a:latin typeface="+mj-lt"/>
-              </a:rPr>
-              <a:t>most other programming languages (including JavaScript), in PHP an array is actually an ordered map, which associates each value in the array with a key.</a:t>
-            </a:r>
-          </a:p>
-          <a:p>
-            <a:pPr marL="114300" indent="0" algn="l">
-              <a:buNone/>
-            </a:pPr>
-            <a:r>
-              <a:rPr lang="en-US" sz="1800" b="0" i="0" u="none" strike="noStrike" baseline="0" dirty="0">
-                <a:latin typeface="+mj-lt"/>
-              </a:rPr>
-              <a:t>This allows you to use arrays in PHP in a manner similar to other languages’ arrays, but you can also use them like other languages’ collection classes.</a:t>
-            </a:r>
-          </a:p>
-          <a:p>
-            <a:pPr algn="l"/>
-            <a:r>
-              <a:rPr lang="en-US" sz="1800" b="1" i="0" u="none" strike="noStrike" baseline="0" dirty="0">
-                <a:solidFill>
-                  <a:srgbClr val="009A9A"/>
-                </a:solidFill>
-                <a:latin typeface="+mj-lt"/>
-              </a:rPr>
-              <a:t>Array keys </a:t>
-            </a:r>
-            <a:r>
-              <a:rPr lang="en-US" sz="1800" b="0" i="0" u="none" strike="noStrike" baseline="0" dirty="0">
-                <a:solidFill>
-                  <a:srgbClr val="000000"/>
-                </a:solidFill>
-                <a:latin typeface="+mj-lt"/>
-              </a:rPr>
-              <a:t>restricted to integers and strings </a:t>
-            </a:r>
-          </a:p>
-          <a:p>
-            <a:pPr algn="l"/>
-            <a:r>
-              <a:rPr lang="en-US" sz="1800" b="1" i="0" u="none" strike="noStrike" baseline="0" dirty="0">
-                <a:solidFill>
-                  <a:srgbClr val="009A9A"/>
-                </a:solidFill>
-                <a:latin typeface="+mj-lt"/>
-              </a:rPr>
-              <a:t>Array values</a:t>
-            </a:r>
-            <a:r>
-              <a:rPr lang="en-US" sz="1800" b="0" i="0" u="none" strike="noStrike" baseline="0" dirty="0">
-                <a:solidFill>
-                  <a:srgbClr val="000000"/>
-                </a:solidFill>
-                <a:latin typeface="+mj-lt"/>
-              </a:rPr>
-              <a:t>, unlike keys, are not restricted to integers and strings. They can be any object, type, or primitive supported in PHP.</a:t>
-            </a:r>
-            <a:endParaRPr lang="en-CA" dirty="0">
-              <a:latin typeface="+mj-lt"/>
-            </a:endParaRPr>
-          </a:p>
-        </p:txBody>
-      </p:sp>
-    </p:spTree>
-    <p:extLst>
-      <p:ext uri="{BB962C8B-B14F-4D97-AF65-F5344CB8AC3E}">
-        <p14:creationId xmlns:p14="http://schemas.microsoft.com/office/powerpoint/2010/main" val="1923930442"/>
-      </p:ext>
-    </p:extLst>
-  </p:cSld>
-  <p:clrMapOvr>
-    <a:masterClrMapping/>
-  </p:clrMapOvr>
-</p:sld>
-</file>
-
-<file path=ppt/slides/slide23.xml><?xml version="1.0" encoding="utf-8"?>
-<p:sld xmlns:a="http://schemas.openxmlformats.org/drawingml/2006/main" xmlns:r="http://schemas.openxmlformats.org/officeDocument/2006/relationships" xmlns:p="http://schemas.openxmlformats.org/presentationml/2006/main">
-  <p:cSld>
-    <p:spTree>
-      <p:nvGrpSpPr>
-        <p:cNvPr id="1" name=""/>
-        <p:cNvGrpSpPr/>
-        <p:nvPr/>
-      </p:nvGrpSpPr>
-      <p:grpSpPr>
-        <a:xfrm>
-          <a:off x="0" y="0"/>
-          <a:ext cx="0" cy="0"/>
-          <a:chOff x="0" y="0"/>
-          <a:chExt cx="0" cy="0"/>
-        </a:xfrm>
-      </p:grpSpPr>
-      <p:sp>
-        <p:nvSpPr>
-          <p:cNvPr id="2" name="Title 1">
-            <a:extLst>
-              <a:ext uri="{FF2B5EF4-FFF2-40B4-BE49-F238E27FC236}">
-                <a16:creationId xmlns:a16="http://schemas.microsoft.com/office/drawing/2014/main" id="{79D0036B-D655-447F-B1D5-CDF76D9F9F15}"/>
-              </a:ext>
-            </a:extLst>
-          </p:cNvPr>
-          <p:cNvSpPr>
-            <a:spLocks noGrp="1"/>
-          </p:cNvSpPr>
-          <p:nvPr>
-            <p:ph type="title"/>
-          </p:nvPr>
-        </p:nvSpPr>
-        <p:spPr/>
-        <p:txBody>
-          <a:bodyPr/>
-          <a:lstStyle/>
-          <a:p>
-            <a:r>
-              <a:rPr lang="en-US" dirty="0"/>
-              <a:t>Defining an Array</a:t>
-            </a:r>
-            <a:endParaRPr lang="en-CA" dirty="0"/>
-          </a:p>
-        </p:txBody>
-      </p:sp>
-      <p:sp>
-        <p:nvSpPr>
-          <p:cNvPr id="3" name="Text Placeholder 2">
-            <a:extLst>
-              <a:ext uri="{FF2B5EF4-FFF2-40B4-BE49-F238E27FC236}">
-                <a16:creationId xmlns:a16="http://schemas.microsoft.com/office/drawing/2014/main" id="{B8695CBD-8A9A-4436-BF4E-0034F5D69AF7}"/>
-              </a:ext>
-            </a:extLst>
-          </p:cNvPr>
-          <p:cNvSpPr>
-            <a:spLocks noGrp="1"/>
-          </p:cNvSpPr>
-          <p:nvPr>
-            <p:ph type="body" idx="1"/>
-          </p:nvPr>
-        </p:nvSpPr>
-        <p:spPr/>
-        <p:txBody>
-          <a:bodyPr/>
-          <a:lstStyle/>
-          <a:p>
-            <a:pPr marL="114300" indent="0" algn="l">
-              <a:buNone/>
-            </a:pPr>
-            <a:r>
-              <a:rPr lang="en-US" b="0" i="0" u="none" strike="noStrike" baseline="0" dirty="0">
-                <a:solidFill>
-                  <a:srgbClr val="000000"/>
-                </a:solidFill>
-                <a:latin typeface="+mj-lt"/>
-              </a:rPr>
-              <a:t>The following declares an empty array named days:</a:t>
-            </a:r>
-          </a:p>
-          <a:p>
-            <a:pPr marL="571500" lvl="1" indent="0">
-              <a:buNone/>
-            </a:pPr>
-            <a:r>
-              <a:rPr lang="en-CA" b="0" i="0" u="none" strike="noStrike" baseline="0" dirty="0">
-                <a:solidFill>
-                  <a:srgbClr val="000000"/>
-                </a:solidFill>
-                <a:latin typeface="Calibri" panose="020F0502020204030204" pitchFamily="34" charset="0"/>
-                <a:cs typeface="Calibri" panose="020F0502020204030204" pitchFamily="34" charset="0"/>
-              </a:rPr>
-              <a:t>$days = array();</a:t>
-            </a:r>
-          </a:p>
-          <a:p>
-            <a:pPr marL="114300" indent="0" algn="l">
-              <a:buNone/>
-            </a:pPr>
-            <a:r>
-              <a:rPr lang="en-US" b="0" i="0" u="none" strike="noStrike" baseline="0" dirty="0">
-                <a:solidFill>
-                  <a:srgbClr val="000000"/>
-                </a:solidFill>
-                <a:latin typeface="+mj-lt"/>
-              </a:rPr>
-              <a:t>To define the contents of an array as strings for the days of the week, you declare it using either of two following syntaxes:</a:t>
-            </a:r>
-          </a:p>
-          <a:p>
-            <a:pPr marL="571500" lvl="1" indent="0">
-              <a:buNone/>
-            </a:pPr>
-            <a:r>
-              <a:rPr lang="en-US" b="0" i="0" u="none" strike="noStrike" baseline="0" dirty="0">
-                <a:solidFill>
-                  <a:srgbClr val="000000"/>
-                </a:solidFill>
-                <a:latin typeface="Calibri" panose="020F0502020204030204" pitchFamily="34" charset="0"/>
-                <a:cs typeface="Calibri" panose="020F0502020204030204" pitchFamily="34" charset="0"/>
-              </a:rPr>
-              <a:t>$days = array("</a:t>
-            </a:r>
-            <a:r>
-              <a:rPr lang="en-US" b="0" i="0" u="none" strike="noStrike" baseline="0" dirty="0" err="1">
-                <a:solidFill>
-                  <a:srgbClr val="000000"/>
-                </a:solidFill>
-                <a:latin typeface="Calibri" panose="020F0502020204030204" pitchFamily="34" charset="0"/>
-                <a:cs typeface="Calibri" panose="020F0502020204030204" pitchFamily="34" charset="0"/>
-              </a:rPr>
-              <a:t>Mon","Tue","Wed","Thu","Fri</a:t>
-            </a:r>
-            <a:r>
-              <a:rPr lang="en-US" b="0" i="0" u="none" strike="noStrike" baseline="0" dirty="0">
-                <a:solidFill>
-                  <a:srgbClr val="000000"/>
-                </a:solidFill>
-                <a:latin typeface="Calibri" panose="020F0502020204030204" pitchFamily="34" charset="0"/>
-                <a:cs typeface="Calibri" panose="020F0502020204030204" pitchFamily="34" charset="0"/>
-              </a:rPr>
-              <a:t>");</a:t>
-            </a:r>
-          </a:p>
-          <a:p>
-            <a:pPr marL="571500" lvl="1" indent="0">
-              <a:buNone/>
-            </a:pPr>
-            <a:r>
-              <a:rPr lang="en-US" b="0" i="0" u="none" strike="noStrike" baseline="0" dirty="0">
-                <a:solidFill>
-                  <a:srgbClr val="000000"/>
-                </a:solidFill>
-                <a:latin typeface="Calibri" panose="020F0502020204030204" pitchFamily="34" charset="0"/>
-                <a:cs typeface="Calibri" panose="020F0502020204030204" pitchFamily="34" charset="0"/>
-              </a:rPr>
-              <a:t>$days = ["</a:t>
-            </a:r>
-            <a:r>
-              <a:rPr lang="en-US" b="0" i="0" u="none" strike="noStrike" baseline="0" dirty="0" err="1">
-                <a:solidFill>
-                  <a:srgbClr val="000000"/>
-                </a:solidFill>
-                <a:latin typeface="Calibri" panose="020F0502020204030204" pitchFamily="34" charset="0"/>
-                <a:cs typeface="Calibri" panose="020F0502020204030204" pitchFamily="34" charset="0"/>
-              </a:rPr>
-              <a:t>Mon","Tue","Wed","Thu","Fri</a:t>
-            </a:r>
-            <a:r>
-              <a:rPr lang="en-US" b="0" i="0" u="none" strike="noStrike" baseline="0" dirty="0">
-                <a:solidFill>
-                  <a:srgbClr val="000000"/>
-                </a:solidFill>
-                <a:latin typeface="Calibri" panose="020F0502020204030204" pitchFamily="34" charset="0"/>
-                <a:cs typeface="Calibri" panose="020F0502020204030204" pitchFamily="34" charset="0"/>
-              </a:rPr>
-              <a:t>"]; </a:t>
-            </a:r>
-            <a:r>
-              <a:rPr lang="en-US" b="0" i="1" u="none" strike="noStrike" baseline="0" dirty="0">
-                <a:solidFill>
-                  <a:srgbClr val="009A9A"/>
-                </a:solidFill>
-                <a:latin typeface="Calibri" panose="020F0502020204030204" pitchFamily="34" charset="0"/>
-                <a:cs typeface="Calibri" panose="020F0502020204030204" pitchFamily="34" charset="0"/>
-              </a:rPr>
-              <a:t>// alternate syntax</a:t>
-            </a:r>
-            <a:endParaRPr lang="en-CA" sz="1400" dirty="0">
-              <a:latin typeface="Calibri" panose="020F0502020204030204" pitchFamily="34" charset="0"/>
-              <a:cs typeface="Calibri" panose="020F0502020204030204" pitchFamily="34" charset="0"/>
-            </a:endParaRPr>
-          </a:p>
-        </p:txBody>
-      </p:sp>
-      <p:pic>
-        <p:nvPicPr>
-          <p:cNvPr id="5" name="Picture 4" descr="FIGURE 12.12 Visualization of a key-value array">
-            <a:extLst>
-              <a:ext uri="{FF2B5EF4-FFF2-40B4-BE49-F238E27FC236}">
-                <a16:creationId xmlns:a16="http://schemas.microsoft.com/office/drawing/2014/main" id="{9EE4C306-E103-4D68-862F-704EA6BF48C0}"/>
-              </a:ext>
-            </a:extLst>
-          </p:cNvPr>
-          <p:cNvPicPr>
-            <a:picLocks noChangeAspect="1"/>
-          </p:cNvPicPr>
-          <p:nvPr/>
-        </p:nvPicPr>
-        <p:blipFill>
-          <a:blip r:embed="rId2"/>
-          <a:stretch>
-            <a:fillRect/>
-          </a:stretch>
-        </p:blipFill>
-        <p:spPr>
-          <a:xfrm>
-            <a:off x="2131828" y="3564034"/>
-            <a:ext cx="4880344" cy="996756"/>
-          </a:xfrm>
-          <a:prstGeom prst="rect">
-            <a:avLst/>
-          </a:prstGeom>
-        </p:spPr>
-      </p:pic>
-    </p:spTree>
-    <p:extLst>
-      <p:ext uri="{BB962C8B-B14F-4D97-AF65-F5344CB8AC3E}">
-        <p14:creationId xmlns:p14="http://schemas.microsoft.com/office/powerpoint/2010/main" val="1932195777"/>
-      </p:ext>
-    </p:extLst>
-  </p:cSld>
-  <p:clrMapOvr>
-    <a:masterClrMapping/>
-  </p:clrMapOvr>
-</p:sld>
-</file>
-
-<file path=ppt/slides/slide24.xml><?xml version="1.0" encoding="utf-8"?>
-<p:sld xmlns:a="http://schemas.openxmlformats.org/drawingml/2006/main" xmlns:r="http://schemas.openxmlformats.org/officeDocument/2006/relationships" xmlns:p="http://schemas.openxmlformats.org/presentationml/2006/main">
-  <p:cSld>
-    <p:spTree>
-      <p:nvGrpSpPr>
-        <p:cNvPr id="1" name=""/>
-        <p:cNvGrpSpPr/>
-        <p:nvPr/>
-      </p:nvGrpSpPr>
-      <p:grpSpPr>
-        <a:xfrm>
-          <a:off x="0" y="0"/>
-          <a:ext cx="0" cy="0"/>
-          <a:chOff x="0" y="0"/>
-          <a:chExt cx="0" cy="0"/>
-        </a:xfrm>
-      </p:grpSpPr>
-      <p:sp>
-        <p:nvSpPr>
-          <p:cNvPr id="2" name="Title 1">
-            <a:extLst>
-              <a:ext uri="{FF2B5EF4-FFF2-40B4-BE49-F238E27FC236}">
-                <a16:creationId xmlns:a16="http://schemas.microsoft.com/office/drawing/2014/main" id="{D47C6F56-8613-4C7B-9468-AF9D8713173C}"/>
-              </a:ext>
-            </a:extLst>
-          </p:cNvPr>
-          <p:cNvSpPr>
-            <a:spLocks noGrp="1"/>
-          </p:cNvSpPr>
-          <p:nvPr>
-            <p:ph type="title"/>
-          </p:nvPr>
-        </p:nvSpPr>
-        <p:spPr/>
-        <p:txBody>
-          <a:bodyPr/>
-          <a:lstStyle/>
-          <a:p>
-            <a:r>
-              <a:rPr lang="en-CA" dirty="0"/>
-              <a:t>Iterating through an Array</a:t>
-            </a:r>
-          </a:p>
-        </p:txBody>
-      </p:sp>
-      <p:sp>
-        <p:nvSpPr>
-          <p:cNvPr id="4" name="TextBox 3" descr="LISTING 4.2 Embedded styles example">
-            <a:extLst>
-              <a:ext uri="{FF2B5EF4-FFF2-40B4-BE49-F238E27FC236}">
-                <a16:creationId xmlns:a16="http://schemas.microsoft.com/office/drawing/2014/main" id="{4C48D5BA-7002-4496-8A19-650561BC4DF5}"/>
-              </a:ext>
-            </a:extLst>
-          </p:cNvPr>
-          <p:cNvSpPr txBox="1"/>
-          <p:nvPr/>
-        </p:nvSpPr>
-        <p:spPr>
-          <a:xfrm>
-            <a:off x="457201" y="1131570"/>
-            <a:ext cx="3737610" cy="3108960"/>
-          </a:xfrm>
-          <a:prstGeom prst="rect">
-            <a:avLst/>
-          </a:prstGeom>
-          <a:solidFill>
-            <a:srgbClr val="E6F0F5"/>
-          </a:solidFill>
-        </p:spPr>
-        <p:txBody>
-          <a:bodyPr wrap="square" numCol="1" rtlCol="0">
-            <a:noAutofit/>
-          </a:bodyPr>
-          <a:lstStyle/>
-          <a:p>
-            <a:pPr algn="l" defTabSz="360000"/>
-            <a:r>
-              <a:rPr lang="en-CA" sz="1800" b="0" i="1" u="none" strike="noStrike" baseline="0" dirty="0">
-                <a:solidFill>
-                  <a:schemeClr val="tx1"/>
-                </a:solidFill>
-                <a:latin typeface="Calibri" panose="020F0502020204030204" pitchFamily="34" charset="0"/>
-                <a:cs typeface="Calibri" panose="020F0502020204030204" pitchFamily="34" charset="0"/>
-              </a:rPr>
-              <a:t>// while loop</a:t>
-            </a:r>
-          </a:p>
-          <a:p>
-            <a:pPr algn="l" defTabSz="360000"/>
-            <a:r>
-              <a:rPr lang="en-CA" sz="1800" b="0" i="0" u="none" strike="noStrike" baseline="0" dirty="0">
-                <a:solidFill>
-                  <a:srgbClr val="000000"/>
-                </a:solidFill>
-                <a:latin typeface="Calibri" panose="020F0502020204030204" pitchFamily="34" charset="0"/>
-                <a:cs typeface="Calibri" panose="020F0502020204030204" pitchFamily="34" charset="0"/>
-              </a:rPr>
-              <a:t>$</a:t>
-            </a:r>
-            <a:r>
-              <a:rPr lang="en-CA" sz="1800" b="0" i="0" u="none" strike="noStrike" baseline="0" dirty="0" err="1">
-                <a:solidFill>
-                  <a:srgbClr val="000000"/>
-                </a:solidFill>
-                <a:latin typeface="Calibri" panose="020F0502020204030204" pitchFamily="34" charset="0"/>
-                <a:cs typeface="Calibri" panose="020F0502020204030204" pitchFamily="34" charset="0"/>
-              </a:rPr>
-              <a:t>i</a:t>
-            </a:r>
-            <a:r>
-              <a:rPr lang="en-CA" sz="1800" b="0" i="0" u="none" strike="noStrike" baseline="0" dirty="0">
-                <a:solidFill>
-                  <a:srgbClr val="000000"/>
-                </a:solidFill>
-                <a:latin typeface="Calibri" panose="020F0502020204030204" pitchFamily="34" charset="0"/>
-                <a:cs typeface="Calibri" panose="020F0502020204030204" pitchFamily="34" charset="0"/>
-              </a:rPr>
-              <a:t>=0;</a:t>
-            </a:r>
-          </a:p>
-          <a:p>
-            <a:pPr algn="l" defTabSz="360000"/>
-            <a:r>
-              <a:rPr lang="en-CA" sz="1800" b="0" i="0" u="none" strike="noStrike" baseline="0" dirty="0">
-                <a:solidFill>
-                  <a:srgbClr val="9A0000"/>
-                </a:solidFill>
-                <a:latin typeface="Calibri" panose="020F0502020204030204" pitchFamily="34" charset="0"/>
-                <a:cs typeface="Calibri" panose="020F0502020204030204" pitchFamily="34" charset="0"/>
-              </a:rPr>
-              <a:t>while </a:t>
-            </a:r>
-            <a:r>
-              <a:rPr lang="en-CA" sz="1800" b="0" i="0" u="none" strike="noStrike" baseline="0" dirty="0">
-                <a:solidFill>
-                  <a:srgbClr val="000000"/>
-                </a:solidFill>
-                <a:latin typeface="Calibri" panose="020F0502020204030204" pitchFamily="34" charset="0"/>
-                <a:cs typeface="Calibri" panose="020F0502020204030204" pitchFamily="34" charset="0"/>
-              </a:rPr>
-              <a:t>($</a:t>
-            </a:r>
-            <a:r>
-              <a:rPr lang="en-CA" sz="1800" b="0" i="0" u="none" strike="noStrike" baseline="0" dirty="0" err="1">
-                <a:solidFill>
-                  <a:srgbClr val="000000"/>
-                </a:solidFill>
-                <a:latin typeface="Calibri" panose="020F0502020204030204" pitchFamily="34" charset="0"/>
-                <a:cs typeface="Calibri" panose="020F0502020204030204" pitchFamily="34" charset="0"/>
-              </a:rPr>
-              <a:t>i</a:t>
-            </a:r>
-            <a:r>
-              <a:rPr lang="en-CA" sz="1800" b="0" i="0" u="none" strike="noStrike" baseline="0" dirty="0">
-                <a:solidFill>
-                  <a:srgbClr val="000000"/>
-                </a:solidFill>
-                <a:latin typeface="Calibri" panose="020F0502020204030204" pitchFamily="34" charset="0"/>
-                <a:cs typeface="Calibri" panose="020F0502020204030204" pitchFamily="34" charset="0"/>
-              </a:rPr>
-              <a:t> &lt; count($days)) {</a:t>
-            </a:r>
-          </a:p>
-          <a:p>
-            <a:pPr algn="l" defTabSz="360000"/>
-            <a:r>
-              <a:rPr lang="en-CA" sz="1800" b="0" i="0" u="none" strike="noStrike" baseline="0" dirty="0">
-                <a:solidFill>
-                  <a:srgbClr val="000000"/>
-                </a:solidFill>
-                <a:latin typeface="Calibri" panose="020F0502020204030204" pitchFamily="34" charset="0"/>
-                <a:cs typeface="Calibri" panose="020F0502020204030204" pitchFamily="34" charset="0"/>
-              </a:rPr>
-              <a:t>	echo $days[$</a:t>
-            </a:r>
-            <a:r>
-              <a:rPr lang="en-CA" sz="1800" b="0" i="0" u="none" strike="noStrike" baseline="0" dirty="0" err="1">
-                <a:solidFill>
-                  <a:srgbClr val="000000"/>
-                </a:solidFill>
-                <a:latin typeface="Calibri" panose="020F0502020204030204" pitchFamily="34" charset="0"/>
-                <a:cs typeface="Calibri" panose="020F0502020204030204" pitchFamily="34" charset="0"/>
-              </a:rPr>
-              <a:t>i</a:t>
-            </a:r>
-            <a:r>
-              <a:rPr lang="en-CA" sz="1800" b="0" i="0" u="none" strike="noStrike" baseline="0" dirty="0">
-                <a:solidFill>
-                  <a:srgbClr val="000000"/>
-                </a:solidFill>
-                <a:latin typeface="Calibri" panose="020F0502020204030204" pitchFamily="34" charset="0"/>
-                <a:cs typeface="Calibri" panose="020F0502020204030204" pitchFamily="34" charset="0"/>
-              </a:rPr>
-              <a:t>] . "&lt;</a:t>
-            </a:r>
-            <a:r>
-              <a:rPr lang="en-CA" sz="1800" b="0" i="0" u="none" strike="noStrike" baseline="0" dirty="0" err="1">
-                <a:solidFill>
-                  <a:srgbClr val="000000"/>
-                </a:solidFill>
-                <a:latin typeface="Calibri" panose="020F0502020204030204" pitchFamily="34" charset="0"/>
-                <a:cs typeface="Calibri" panose="020F0502020204030204" pitchFamily="34" charset="0"/>
-              </a:rPr>
-              <a:t>br</a:t>
-            </a:r>
-            <a:r>
-              <a:rPr lang="en-CA" sz="1800" b="0" i="0" u="none" strike="noStrike" baseline="0" dirty="0">
-                <a:solidFill>
-                  <a:srgbClr val="000000"/>
-                </a:solidFill>
-                <a:latin typeface="Calibri" panose="020F0502020204030204" pitchFamily="34" charset="0"/>
-                <a:cs typeface="Calibri" panose="020F0502020204030204" pitchFamily="34" charset="0"/>
-              </a:rPr>
-              <a:t>&gt;";</a:t>
-            </a:r>
-          </a:p>
-          <a:p>
-            <a:pPr algn="l" defTabSz="360000"/>
-            <a:r>
-              <a:rPr lang="en-CA" sz="1800" b="0" i="0" u="none" strike="noStrike" baseline="0" dirty="0">
-                <a:solidFill>
-                  <a:srgbClr val="000000"/>
-                </a:solidFill>
-                <a:latin typeface="Calibri" panose="020F0502020204030204" pitchFamily="34" charset="0"/>
-                <a:cs typeface="Calibri" panose="020F0502020204030204" pitchFamily="34" charset="0"/>
-              </a:rPr>
-              <a:t>$</a:t>
-            </a:r>
-            <a:r>
-              <a:rPr lang="en-CA" sz="1800" b="0" i="0" u="none" strike="noStrike" baseline="0" dirty="0" err="1">
-                <a:solidFill>
-                  <a:srgbClr val="000000"/>
-                </a:solidFill>
-                <a:latin typeface="Calibri" panose="020F0502020204030204" pitchFamily="34" charset="0"/>
-                <a:cs typeface="Calibri" panose="020F0502020204030204" pitchFamily="34" charset="0"/>
-              </a:rPr>
-              <a:t>i</a:t>
-            </a:r>
-            <a:r>
-              <a:rPr lang="en-CA" sz="1800" b="0" i="0" u="none" strike="noStrike" baseline="0" dirty="0">
-                <a:solidFill>
-                  <a:srgbClr val="000000"/>
-                </a:solidFill>
-                <a:latin typeface="Calibri" panose="020F0502020204030204" pitchFamily="34" charset="0"/>
-                <a:cs typeface="Calibri" panose="020F0502020204030204" pitchFamily="34" charset="0"/>
-              </a:rPr>
-              <a:t>++;</a:t>
-            </a:r>
-          </a:p>
-          <a:p>
-            <a:pPr algn="l" defTabSz="360000"/>
-            <a:r>
-              <a:rPr lang="en-CA" sz="1800" b="0" i="0" u="none" strike="noStrike" baseline="0" dirty="0">
-                <a:solidFill>
-                  <a:srgbClr val="000000"/>
-                </a:solidFill>
-                <a:latin typeface="Calibri" panose="020F0502020204030204" pitchFamily="34" charset="0"/>
-                <a:cs typeface="Calibri" panose="020F0502020204030204" pitchFamily="34" charset="0"/>
-              </a:rPr>
-              <a:t>}</a:t>
-            </a:r>
-          </a:p>
-          <a:p>
-            <a:pPr algn="l" defTabSz="360000"/>
-            <a:endParaRPr lang="en-CA" sz="1800" b="0" i="1" u="none" strike="noStrike" baseline="0" dirty="0">
-              <a:solidFill>
-                <a:srgbClr val="009A9A"/>
-              </a:solidFill>
-              <a:latin typeface="Calibri" panose="020F0502020204030204" pitchFamily="34" charset="0"/>
-              <a:cs typeface="Calibri" panose="020F0502020204030204" pitchFamily="34" charset="0"/>
-            </a:endParaRPr>
-          </a:p>
-          <a:p>
-            <a:pPr algn="l" defTabSz="360000"/>
-            <a:r>
-              <a:rPr lang="en-CA" sz="1800" b="0" i="1" u="none" strike="noStrike" baseline="0" dirty="0">
-                <a:solidFill>
-                  <a:schemeClr val="tx1"/>
-                </a:solidFill>
-                <a:latin typeface="Calibri" panose="020F0502020204030204" pitchFamily="34" charset="0"/>
-                <a:cs typeface="Calibri" panose="020F0502020204030204" pitchFamily="34" charset="0"/>
-              </a:rPr>
-              <a:t>// for loop</a:t>
-            </a:r>
-          </a:p>
-          <a:p>
-            <a:pPr algn="l" defTabSz="360000"/>
-            <a:r>
-              <a:rPr lang="en-US" sz="1800" b="0" i="0" u="none" strike="noStrike" baseline="0" dirty="0">
-                <a:solidFill>
-                  <a:srgbClr val="9A0000"/>
-                </a:solidFill>
-                <a:latin typeface="Calibri" panose="020F0502020204030204" pitchFamily="34" charset="0"/>
-                <a:cs typeface="Calibri" panose="020F0502020204030204" pitchFamily="34" charset="0"/>
-              </a:rPr>
-              <a:t>for </a:t>
-            </a:r>
-            <a:r>
-              <a:rPr lang="en-US" sz="1800" b="0" i="0" u="none" strike="noStrike" baseline="0" dirty="0">
-                <a:solidFill>
-                  <a:srgbClr val="000000"/>
-                </a:solidFill>
-                <a:latin typeface="Calibri" panose="020F0502020204030204" pitchFamily="34" charset="0"/>
-                <a:cs typeface="Calibri" panose="020F0502020204030204" pitchFamily="34" charset="0"/>
-              </a:rPr>
-              <a:t>($</a:t>
-            </a:r>
-            <a:r>
-              <a:rPr lang="en-US" sz="1800" b="0" i="0" u="none" strike="noStrike" baseline="0" dirty="0" err="1">
-                <a:solidFill>
-                  <a:srgbClr val="000000"/>
-                </a:solidFill>
-                <a:latin typeface="Calibri" panose="020F0502020204030204" pitchFamily="34" charset="0"/>
-                <a:cs typeface="Calibri" panose="020F0502020204030204" pitchFamily="34" charset="0"/>
-              </a:rPr>
-              <a:t>i</a:t>
-            </a:r>
-            <a:r>
-              <a:rPr lang="en-US" sz="1800" b="0" i="0" u="none" strike="noStrike" baseline="0" dirty="0">
-                <a:solidFill>
-                  <a:srgbClr val="000000"/>
-                </a:solidFill>
-                <a:latin typeface="Calibri" panose="020F0502020204030204" pitchFamily="34" charset="0"/>
-                <a:cs typeface="Calibri" panose="020F0502020204030204" pitchFamily="34" charset="0"/>
-              </a:rPr>
-              <a:t>=0; $</a:t>
-            </a:r>
-            <a:r>
-              <a:rPr lang="en-US" sz="1800" b="0" i="0" u="none" strike="noStrike" baseline="0" dirty="0" err="1">
-                <a:solidFill>
-                  <a:srgbClr val="000000"/>
-                </a:solidFill>
-                <a:latin typeface="Calibri" panose="020F0502020204030204" pitchFamily="34" charset="0"/>
-                <a:cs typeface="Calibri" panose="020F0502020204030204" pitchFamily="34" charset="0"/>
-              </a:rPr>
-              <a:t>i</a:t>
-            </a:r>
-            <a:r>
-              <a:rPr lang="en-US" sz="1800" b="0" i="0" u="none" strike="noStrike" baseline="0" dirty="0">
-                <a:solidFill>
-                  <a:srgbClr val="000000"/>
-                </a:solidFill>
-                <a:latin typeface="Calibri" panose="020F0502020204030204" pitchFamily="34" charset="0"/>
-                <a:cs typeface="Calibri" panose="020F0502020204030204" pitchFamily="34" charset="0"/>
-              </a:rPr>
-              <a:t>&lt;count($days); $</a:t>
-            </a:r>
-            <a:r>
-              <a:rPr lang="en-US" sz="1800" b="0" i="0" u="none" strike="noStrike" baseline="0" dirty="0" err="1">
-                <a:solidFill>
-                  <a:srgbClr val="000000"/>
-                </a:solidFill>
-                <a:latin typeface="Calibri" panose="020F0502020204030204" pitchFamily="34" charset="0"/>
-                <a:cs typeface="Calibri" panose="020F0502020204030204" pitchFamily="34" charset="0"/>
-              </a:rPr>
-              <a:t>i</a:t>
-            </a:r>
-            <a:r>
-              <a:rPr lang="en-US" sz="1800" b="0" i="0" u="none" strike="noStrike" baseline="0" dirty="0">
-                <a:solidFill>
-                  <a:srgbClr val="000000"/>
-                </a:solidFill>
-                <a:latin typeface="Calibri" panose="020F0502020204030204" pitchFamily="34" charset="0"/>
-                <a:cs typeface="Calibri" panose="020F0502020204030204" pitchFamily="34" charset="0"/>
-              </a:rPr>
-              <a:t>++) {</a:t>
-            </a:r>
-          </a:p>
-          <a:p>
-            <a:pPr algn="l" defTabSz="360000"/>
-            <a:r>
-              <a:rPr lang="en-CA" sz="1800" b="0" i="0" u="none" strike="noStrike" baseline="0" dirty="0">
-                <a:solidFill>
-                  <a:srgbClr val="000000"/>
-                </a:solidFill>
-                <a:latin typeface="Calibri" panose="020F0502020204030204" pitchFamily="34" charset="0"/>
-                <a:cs typeface="Calibri" panose="020F0502020204030204" pitchFamily="34" charset="0"/>
-              </a:rPr>
-              <a:t>echo $days[$</a:t>
-            </a:r>
-            <a:r>
-              <a:rPr lang="en-CA" sz="1800" b="0" i="0" u="none" strike="noStrike" baseline="0" dirty="0" err="1">
-                <a:solidFill>
-                  <a:srgbClr val="000000"/>
-                </a:solidFill>
-                <a:latin typeface="Calibri" panose="020F0502020204030204" pitchFamily="34" charset="0"/>
-                <a:cs typeface="Calibri" panose="020F0502020204030204" pitchFamily="34" charset="0"/>
-              </a:rPr>
-              <a:t>i</a:t>
-            </a:r>
-            <a:r>
-              <a:rPr lang="en-CA" sz="1800" b="0" i="0" u="none" strike="noStrike" baseline="0" dirty="0">
-                <a:solidFill>
-                  <a:srgbClr val="000000"/>
-                </a:solidFill>
-                <a:latin typeface="Calibri" panose="020F0502020204030204" pitchFamily="34" charset="0"/>
-                <a:cs typeface="Calibri" panose="020F0502020204030204" pitchFamily="34" charset="0"/>
-              </a:rPr>
-              <a:t>] . "&lt;</a:t>
-            </a:r>
-            <a:r>
-              <a:rPr lang="en-CA" sz="1800" b="0" i="0" u="none" strike="noStrike" baseline="0" dirty="0" err="1">
-                <a:solidFill>
-                  <a:srgbClr val="000000"/>
-                </a:solidFill>
-                <a:latin typeface="Calibri" panose="020F0502020204030204" pitchFamily="34" charset="0"/>
-                <a:cs typeface="Calibri" panose="020F0502020204030204" pitchFamily="34" charset="0"/>
-              </a:rPr>
-              <a:t>br</a:t>
-            </a:r>
-            <a:r>
-              <a:rPr lang="en-CA" sz="1800" b="0" i="0" u="none" strike="noStrike" baseline="0" dirty="0">
-                <a:solidFill>
-                  <a:srgbClr val="000000"/>
-                </a:solidFill>
-                <a:latin typeface="Calibri" panose="020F0502020204030204" pitchFamily="34" charset="0"/>
-                <a:cs typeface="Calibri" panose="020F0502020204030204" pitchFamily="34" charset="0"/>
-              </a:rPr>
-              <a:t>&gt;";</a:t>
-            </a:r>
-          </a:p>
-          <a:p>
-            <a:pPr algn="l" defTabSz="360000"/>
-            <a:r>
-              <a:rPr lang="en-CA" sz="1800" b="0" i="0" u="none" strike="noStrike" baseline="0" dirty="0">
-                <a:solidFill>
-                  <a:srgbClr val="000000"/>
-                </a:solidFill>
-                <a:latin typeface="Calibri" panose="020F0502020204030204" pitchFamily="34" charset="0"/>
-                <a:cs typeface="Calibri" panose="020F0502020204030204" pitchFamily="34" charset="0"/>
-              </a:rPr>
-              <a:t>}</a:t>
-            </a:r>
-            <a:endParaRPr lang="en-CA" sz="1200" b="0" i="0" u="none" strike="noStrike" baseline="0" dirty="0">
-              <a:solidFill>
-                <a:srgbClr val="000000"/>
-              </a:solidFill>
-              <a:latin typeface="Calibri" panose="020F0502020204030204" pitchFamily="34" charset="0"/>
-              <a:cs typeface="Calibri" panose="020F0502020204030204" pitchFamily="34" charset="0"/>
-            </a:endParaRPr>
-          </a:p>
-        </p:txBody>
-      </p:sp>
-      <p:sp>
-        <p:nvSpPr>
-          <p:cNvPr id="5" name="TextBox 4">
-            <a:extLst>
-              <a:ext uri="{FF2B5EF4-FFF2-40B4-BE49-F238E27FC236}">
-                <a16:creationId xmlns:a16="http://schemas.microsoft.com/office/drawing/2014/main" id="{0C3102D4-F83B-4B42-A67F-48261D54D0B2}"/>
-              </a:ext>
-            </a:extLst>
-          </p:cNvPr>
-          <p:cNvSpPr txBox="1"/>
-          <p:nvPr/>
-        </p:nvSpPr>
-        <p:spPr>
-          <a:xfrm>
-            <a:off x="398092" y="4240530"/>
-            <a:ext cx="3855828" cy="523220"/>
-          </a:xfrm>
-          <a:prstGeom prst="rect">
-            <a:avLst/>
-          </a:prstGeom>
-          <a:noFill/>
-        </p:spPr>
-        <p:txBody>
-          <a:bodyPr wrap="square" rtlCol="0">
-            <a:spAutoFit/>
-          </a:bodyPr>
-          <a:lstStyle/>
-          <a:p>
-            <a:r>
-              <a:rPr lang="en-US" b="1" i="0" u="none" strike="noStrike" baseline="0" dirty="0">
-                <a:solidFill>
-                  <a:srgbClr val="009A9A"/>
-                </a:solidFill>
-                <a:latin typeface="Calibri" panose="020F0502020204030204" pitchFamily="34" charset="0"/>
-                <a:cs typeface="Calibri" panose="020F0502020204030204" pitchFamily="34" charset="0"/>
-              </a:rPr>
-              <a:t>LISTING 12.23 </a:t>
-            </a:r>
-            <a:r>
-              <a:rPr lang="en-US" b="0" i="0" u="none" strike="noStrike" baseline="0" dirty="0">
-                <a:solidFill>
-                  <a:srgbClr val="000000"/>
-                </a:solidFill>
-                <a:latin typeface="Calibri" panose="020F0502020204030204" pitchFamily="34" charset="0"/>
-                <a:cs typeface="Calibri" panose="020F0502020204030204" pitchFamily="34" charset="0"/>
-              </a:rPr>
-              <a:t>Iterating through an array using while, do while, and for loops</a:t>
-            </a:r>
-            <a:endParaRPr lang="en-CA" dirty="0">
-              <a:latin typeface="Calibri" panose="020F0502020204030204" pitchFamily="34" charset="0"/>
-              <a:cs typeface="Calibri" panose="020F0502020204030204" pitchFamily="34" charset="0"/>
-            </a:endParaRPr>
-          </a:p>
-        </p:txBody>
-      </p:sp>
-      <p:sp>
-        <p:nvSpPr>
-          <p:cNvPr id="6" name="TextBox 5" descr="LISTING 4.2 Embedded styles example">
-            <a:extLst>
-              <a:ext uri="{FF2B5EF4-FFF2-40B4-BE49-F238E27FC236}">
-                <a16:creationId xmlns:a16="http://schemas.microsoft.com/office/drawing/2014/main" id="{7492F7E5-CA3B-4052-A391-8EFE59ADC96A}"/>
-              </a:ext>
-            </a:extLst>
-          </p:cNvPr>
-          <p:cNvSpPr txBox="1"/>
-          <p:nvPr/>
-        </p:nvSpPr>
-        <p:spPr>
-          <a:xfrm>
-            <a:off x="4792981" y="1131570"/>
-            <a:ext cx="3737610" cy="3108960"/>
-          </a:xfrm>
-          <a:prstGeom prst="rect">
-            <a:avLst/>
-          </a:prstGeom>
-          <a:solidFill>
-            <a:srgbClr val="E6F0F5"/>
-          </a:solidFill>
-        </p:spPr>
-        <p:txBody>
-          <a:bodyPr wrap="square" numCol="1" rtlCol="0">
-            <a:noAutofit/>
-          </a:bodyPr>
-          <a:lstStyle/>
-          <a:p>
-            <a:pPr algn="l" defTabSz="360000"/>
-            <a:r>
-              <a:rPr lang="en-US" sz="1800" b="0" i="1" u="none" strike="noStrike" baseline="0" dirty="0">
-                <a:solidFill>
-                  <a:schemeClr val="tx1"/>
-                </a:solidFill>
-                <a:latin typeface="Calibri" panose="020F0502020204030204" pitchFamily="34" charset="0"/>
-                <a:cs typeface="Calibri" panose="020F0502020204030204" pitchFamily="34" charset="0"/>
-              </a:rPr>
-              <a:t>// iterating through the values</a:t>
-            </a:r>
-          </a:p>
-          <a:p>
-            <a:pPr algn="l" defTabSz="360000"/>
-            <a:r>
-              <a:rPr lang="en-CA" sz="1800" b="0" i="0" u="none" strike="noStrike" baseline="0" dirty="0">
-                <a:solidFill>
-                  <a:srgbClr val="9A0000"/>
-                </a:solidFill>
-                <a:latin typeface="Calibri" panose="020F0502020204030204" pitchFamily="34" charset="0"/>
-                <a:cs typeface="Calibri" panose="020F0502020204030204" pitchFamily="34" charset="0"/>
-              </a:rPr>
-              <a:t>foreach </a:t>
-            </a:r>
-            <a:r>
-              <a:rPr lang="en-CA" sz="1800" b="0" i="0" u="none" strike="noStrike" baseline="0" dirty="0">
-                <a:solidFill>
-                  <a:srgbClr val="000000"/>
-                </a:solidFill>
-                <a:latin typeface="Calibri" panose="020F0502020204030204" pitchFamily="34" charset="0"/>
-                <a:cs typeface="Calibri" panose="020F0502020204030204" pitchFamily="34" charset="0"/>
-              </a:rPr>
-              <a:t>($forecast </a:t>
-            </a:r>
-            <a:r>
-              <a:rPr lang="en-CA" sz="1800" b="0" i="0" u="none" strike="noStrike" baseline="0" dirty="0">
-                <a:solidFill>
-                  <a:srgbClr val="9A0000"/>
-                </a:solidFill>
-                <a:latin typeface="Calibri" panose="020F0502020204030204" pitchFamily="34" charset="0"/>
-                <a:cs typeface="Calibri" panose="020F0502020204030204" pitchFamily="34" charset="0"/>
-              </a:rPr>
-              <a:t>as $value</a:t>
-            </a:r>
-            <a:r>
-              <a:rPr lang="en-CA" sz="1800" b="0" i="0" u="none" strike="noStrike" baseline="0" dirty="0">
-                <a:solidFill>
-                  <a:srgbClr val="000000"/>
-                </a:solidFill>
-                <a:latin typeface="Calibri" panose="020F0502020204030204" pitchFamily="34" charset="0"/>
-                <a:cs typeface="Calibri" panose="020F0502020204030204" pitchFamily="34" charset="0"/>
-              </a:rPr>
-              <a:t>) {</a:t>
-            </a:r>
-          </a:p>
-          <a:p>
-            <a:pPr algn="l" defTabSz="360000"/>
-            <a:r>
-              <a:rPr lang="en-CA" sz="1800" b="0" i="0" u="none" strike="noStrike" baseline="0" dirty="0">
-                <a:solidFill>
-                  <a:srgbClr val="000000"/>
-                </a:solidFill>
-                <a:latin typeface="Calibri" panose="020F0502020204030204" pitchFamily="34" charset="0"/>
-                <a:cs typeface="Calibri" panose="020F0502020204030204" pitchFamily="34" charset="0"/>
-              </a:rPr>
-              <a:t>	echo $value . "&lt;</a:t>
-            </a:r>
-            <a:r>
-              <a:rPr lang="en-CA" sz="1800" b="0" i="0" u="none" strike="noStrike" baseline="0" dirty="0" err="1">
-                <a:solidFill>
-                  <a:srgbClr val="000000"/>
-                </a:solidFill>
-                <a:latin typeface="Calibri" panose="020F0502020204030204" pitchFamily="34" charset="0"/>
-                <a:cs typeface="Calibri" panose="020F0502020204030204" pitchFamily="34" charset="0"/>
-              </a:rPr>
-              <a:t>br</a:t>
-            </a:r>
-            <a:r>
-              <a:rPr lang="en-CA" sz="1800" b="0" i="0" u="none" strike="noStrike" baseline="0" dirty="0">
-                <a:solidFill>
-                  <a:srgbClr val="000000"/>
-                </a:solidFill>
-                <a:latin typeface="Calibri" panose="020F0502020204030204" pitchFamily="34" charset="0"/>
-                <a:cs typeface="Calibri" panose="020F0502020204030204" pitchFamily="34" charset="0"/>
-              </a:rPr>
-              <a:t>&gt;";</a:t>
-            </a:r>
-          </a:p>
-          <a:p>
-            <a:pPr algn="l" defTabSz="360000"/>
-            <a:r>
-              <a:rPr lang="en-CA" sz="1800" b="0" i="0" u="none" strike="noStrike" baseline="0" dirty="0">
-                <a:solidFill>
-                  <a:srgbClr val="000000"/>
-                </a:solidFill>
-                <a:latin typeface="Calibri" panose="020F0502020204030204" pitchFamily="34" charset="0"/>
-                <a:cs typeface="Calibri" panose="020F0502020204030204" pitchFamily="34" charset="0"/>
-              </a:rPr>
-              <a:t>}</a:t>
-            </a:r>
-          </a:p>
-          <a:p>
-            <a:pPr algn="l" defTabSz="360000"/>
-            <a:endParaRPr lang="en-CA" sz="1800" b="0" i="0" u="none" strike="noStrike" baseline="0" dirty="0">
-              <a:solidFill>
-                <a:srgbClr val="000000"/>
-              </a:solidFill>
-              <a:latin typeface="Calibri" panose="020F0502020204030204" pitchFamily="34" charset="0"/>
-              <a:cs typeface="Calibri" panose="020F0502020204030204" pitchFamily="34" charset="0"/>
-            </a:endParaRPr>
-          </a:p>
-          <a:p>
-            <a:pPr algn="l" defTabSz="360000"/>
-            <a:r>
-              <a:rPr lang="en-US" sz="1800" b="0" i="1" u="none" strike="noStrike" baseline="0" dirty="0">
-                <a:solidFill>
-                  <a:schemeClr val="tx1"/>
-                </a:solidFill>
-                <a:latin typeface="Calibri" panose="020F0502020204030204" pitchFamily="34" charset="0"/>
-                <a:cs typeface="Calibri" panose="020F0502020204030204" pitchFamily="34" charset="0"/>
-              </a:rPr>
-              <a:t>// iterating through the values AND the keys</a:t>
-            </a:r>
-          </a:p>
-          <a:p>
-            <a:pPr algn="l" defTabSz="360000"/>
-            <a:r>
-              <a:rPr lang="en-US" sz="1800" b="0" i="0" u="none" strike="noStrike" baseline="0" dirty="0">
-                <a:solidFill>
-                  <a:srgbClr val="9A0000"/>
-                </a:solidFill>
-                <a:latin typeface="Calibri" panose="020F0502020204030204" pitchFamily="34" charset="0"/>
-                <a:cs typeface="Calibri" panose="020F0502020204030204" pitchFamily="34" charset="0"/>
-              </a:rPr>
-              <a:t>foreach </a:t>
-            </a:r>
-            <a:r>
-              <a:rPr lang="en-US" sz="1800" b="0" i="0" u="none" strike="noStrike" baseline="0" dirty="0">
-                <a:solidFill>
-                  <a:srgbClr val="000000"/>
-                </a:solidFill>
-                <a:latin typeface="Calibri" panose="020F0502020204030204" pitchFamily="34" charset="0"/>
-                <a:cs typeface="Calibri" panose="020F0502020204030204" pitchFamily="34" charset="0"/>
-              </a:rPr>
-              <a:t>($forecast </a:t>
-            </a:r>
-            <a:r>
-              <a:rPr lang="en-US" sz="1800" b="0" i="0" u="none" strike="noStrike" baseline="0" dirty="0">
-                <a:solidFill>
-                  <a:srgbClr val="9A0000"/>
-                </a:solidFill>
-                <a:latin typeface="Calibri" panose="020F0502020204030204" pitchFamily="34" charset="0"/>
-                <a:cs typeface="Calibri" panose="020F0502020204030204" pitchFamily="34" charset="0"/>
-              </a:rPr>
-              <a:t>as $key =&gt; $value</a:t>
-            </a:r>
-            <a:r>
-              <a:rPr lang="en-US" sz="1800" b="0" i="0" u="none" strike="noStrike" baseline="0" dirty="0">
-                <a:solidFill>
-                  <a:srgbClr val="000000"/>
-                </a:solidFill>
-                <a:latin typeface="Calibri" panose="020F0502020204030204" pitchFamily="34" charset="0"/>
-                <a:cs typeface="Calibri" panose="020F0502020204030204" pitchFamily="34" charset="0"/>
-              </a:rPr>
-              <a:t>){</a:t>
-            </a:r>
-          </a:p>
-          <a:p>
-            <a:pPr algn="l" defTabSz="360000"/>
-            <a:r>
-              <a:rPr lang="en-CA" sz="1800" b="0" i="0" u="none" strike="noStrike" baseline="0" dirty="0">
-                <a:solidFill>
-                  <a:srgbClr val="000000"/>
-                </a:solidFill>
-                <a:latin typeface="Calibri" panose="020F0502020204030204" pitchFamily="34" charset="0"/>
-                <a:cs typeface="Calibri" panose="020F0502020204030204" pitchFamily="34" charset="0"/>
-              </a:rPr>
-              <a:t>	echo "day[" . $key . "]=" . $value;</a:t>
-            </a:r>
-          </a:p>
-          <a:p>
-            <a:pPr algn="l" defTabSz="360000"/>
-            <a:r>
-              <a:rPr lang="en-CA" sz="1800" b="0" i="0" u="none" strike="noStrike" baseline="0" dirty="0">
-                <a:solidFill>
-                  <a:srgbClr val="000000"/>
-                </a:solidFill>
-                <a:latin typeface="Calibri" panose="020F0502020204030204" pitchFamily="34" charset="0"/>
-                <a:cs typeface="Calibri" panose="020F0502020204030204" pitchFamily="34" charset="0"/>
-              </a:rPr>
-              <a:t>}</a:t>
-            </a:r>
-            <a:endParaRPr lang="en-CA" sz="1200" b="0" i="0" u="none" strike="noStrike" baseline="0" dirty="0">
-              <a:solidFill>
-                <a:srgbClr val="000000"/>
-              </a:solidFill>
-              <a:latin typeface="Calibri" panose="020F0502020204030204" pitchFamily="34" charset="0"/>
-              <a:cs typeface="Calibri" panose="020F0502020204030204" pitchFamily="34" charset="0"/>
-            </a:endParaRPr>
-          </a:p>
-        </p:txBody>
-      </p:sp>
-      <p:sp>
-        <p:nvSpPr>
-          <p:cNvPr id="7" name="TextBox 6">
-            <a:extLst>
-              <a:ext uri="{FF2B5EF4-FFF2-40B4-BE49-F238E27FC236}">
-                <a16:creationId xmlns:a16="http://schemas.microsoft.com/office/drawing/2014/main" id="{E0ACE215-901B-448E-A285-727FC93C0507}"/>
-              </a:ext>
-            </a:extLst>
-          </p:cNvPr>
-          <p:cNvSpPr txBox="1"/>
-          <p:nvPr/>
-        </p:nvSpPr>
-        <p:spPr>
-          <a:xfrm>
-            <a:off x="4733872" y="4240530"/>
-            <a:ext cx="3855828" cy="523220"/>
-          </a:xfrm>
-          <a:prstGeom prst="rect">
-            <a:avLst/>
-          </a:prstGeom>
-          <a:noFill/>
-        </p:spPr>
-        <p:txBody>
-          <a:bodyPr wrap="square" rtlCol="0">
-            <a:spAutoFit/>
-          </a:bodyPr>
-          <a:lstStyle/>
-          <a:p>
-            <a:r>
-              <a:rPr lang="en-US" b="1" i="0" u="none" strike="noStrike" baseline="0" dirty="0">
-                <a:solidFill>
-                  <a:srgbClr val="009A9A"/>
-                </a:solidFill>
-                <a:latin typeface="Calibri" panose="020F0502020204030204" pitchFamily="34" charset="0"/>
-                <a:cs typeface="Calibri" panose="020F0502020204030204" pitchFamily="34" charset="0"/>
-              </a:rPr>
-              <a:t>LISTING 12.24 </a:t>
-            </a:r>
-            <a:r>
-              <a:rPr lang="en-US" b="0" i="0" u="none" strike="noStrike" baseline="0" dirty="0">
-                <a:solidFill>
-                  <a:srgbClr val="000000"/>
-                </a:solidFill>
-                <a:latin typeface="Calibri" panose="020F0502020204030204" pitchFamily="34" charset="0"/>
-                <a:cs typeface="Calibri" panose="020F0502020204030204" pitchFamily="34" charset="0"/>
-              </a:rPr>
-              <a:t>Iterating through an associative array using a foreach loop</a:t>
-            </a:r>
-            <a:endParaRPr lang="en-CA" dirty="0">
-              <a:latin typeface="Calibri" panose="020F0502020204030204" pitchFamily="34" charset="0"/>
-              <a:cs typeface="Calibri" panose="020F0502020204030204" pitchFamily="34" charset="0"/>
-            </a:endParaRPr>
-          </a:p>
-        </p:txBody>
-      </p:sp>
-    </p:spTree>
-    <p:extLst>
-      <p:ext uri="{BB962C8B-B14F-4D97-AF65-F5344CB8AC3E}">
-        <p14:creationId xmlns:p14="http://schemas.microsoft.com/office/powerpoint/2010/main" val="3256040933"/>
-      </p:ext>
-    </p:extLst>
-  </p:cSld>
-  <p:clrMapOvr>
-    <a:masterClrMapping/>
-  </p:clrMapOvr>
-</p:sld>
-</file>
-
-<file path=ppt/slides/slide25.xml><?xml version="1.0" encoding="utf-8"?>
-<p:sld xmlns:a="http://schemas.openxmlformats.org/drawingml/2006/main" xmlns:r="http://schemas.openxmlformats.org/officeDocument/2006/relationships" xmlns:p="http://schemas.openxmlformats.org/presentationml/2006/main">
-  <p:cSld>
-    <p:spTree>
-      <p:nvGrpSpPr>
-        <p:cNvPr id="1" name=""/>
-        <p:cNvGrpSpPr/>
-        <p:nvPr/>
-      </p:nvGrpSpPr>
-      <p:grpSpPr>
-        <a:xfrm>
-          <a:off x="0" y="0"/>
-          <a:ext cx="0" cy="0"/>
-          <a:chOff x="0" y="0"/>
-          <a:chExt cx="0" cy="0"/>
-        </a:xfrm>
-      </p:grpSpPr>
-      <p:sp>
-        <p:nvSpPr>
-          <p:cNvPr id="2" name="Title 1">
-            <a:extLst>
-              <a:ext uri="{FF2B5EF4-FFF2-40B4-BE49-F238E27FC236}">
-                <a16:creationId xmlns:a16="http://schemas.microsoft.com/office/drawing/2014/main" id="{A2A95359-E2A5-4858-BEA7-408E4E6A4446}"/>
-              </a:ext>
-            </a:extLst>
-          </p:cNvPr>
-          <p:cNvSpPr>
-            <a:spLocks noGrp="1"/>
-          </p:cNvSpPr>
-          <p:nvPr>
-            <p:ph type="title"/>
-          </p:nvPr>
-        </p:nvSpPr>
-        <p:spPr/>
-        <p:txBody>
-          <a:bodyPr/>
-          <a:lstStyle/>
-          <a:p>
-            <a:r>
-              <a:rPr lang="en-CA" dirty="0"/>
-              <a:t>Classes and Objects</a:t>
-            </a:r>
-          </a:p>
-        </p:txBody>
-      </p:sp>
-      <p:sp>
-        <p:nvSpPr>
-          <p:cNvPr id="3" name="Text Placeholder 2">
-            <a:extLst>
-              <a:ext uri="{FF2B5EF4-FFF2-40B4-BE49-F238E27FC236}">
-                <a16:creationId xmlns:a16="http://schemas.microsoft.com/office/drawing/2014/main" id="{A32FAE36-B70C-47A5-9B50-58E870E864F8}"/>
-              </a:ext>
-            </a:extLst>
-          </p:cNvPr>
-          <p:cNvSpPr>
-            <a:spLocks noGrp="1"/>
-          </p:cNvSpPr>
-          <p:nvPr>
-            <p:ph type="body" idx="1"/>
-          </p:nvPr>
-        </p:nvSpPr>
-        <p:spPr>
-          <a:xfrm>
-            <a:off x="354331" y="1166756"/>
-            <a:ext cx="3589020" cy="3532476"/>
-          </a:xfrm>
-        </p:spPr>
-        <p:txBody>
-          <a:bodyPr/>
-          <a:lstStyle/>
-          <a:p>
-            <a:pPr marL="114300" indent="0" algn="l">
-              <a:buNone/>
-            </a:pPr>
-            <a:r>
-              <a:rPr lang="en-CA" sz="1800" b="1" i="0" u="none" strike="noStrike" baseline="0" dirty="0">
-                <a:solidFill>
-                  <a:srgbClr val="009A9A"/>
-                </a:solidFill>
-                <a:latin typeface="+mj-lt"/>
-              </a:rPr>
-              <a:t>Classes</a:t>
-            </a:r>
-            <a:r>
-              <a:rPr lang="en-CA" sz="1800" dirty="0">
-                <a:solidFill>
-                  <a:srgbClr val="000000"/>
-                </a:solidFill>
-                <a:latin typeface="+mj-lt"/>
-              </a:rPr>
-              <a:t> </a:t>
-            </a:r>
-            <a:r>
-              <a:rPr lang="en-CA" sz="1800" b="0" i="0" u="none" strike="noStrike" baseline="0" dirty="0">
-                <a:solidFill>
-                  <a:srgbClr val="000000"/>
-                </a:solidFill>
-                <a:latin typeface="+mj-lt"/>
-              </a:rPr>
-              <a:t>outline </a:t>
-            </a:r>
-            <a:r>
-              <a:rPr lang="en-US" sz="1800" b="0" i="0" u="none" strike="noStrike" baseline="0" dirty="0">
-                <a:solidFill>
-                  <a:srgbClr val="000000"/>
-                </a:solidFill>
-                <a:latin typeface="+mj-lt"/>
-              </a:rPr>
-              <a:t>properties and methods like a blueprint. Each variable created from a class is called an object or </a:t>
-            </a:r>
-            <a:r>
-              <a:rPr lang="en-US" sz="1800" b="1" i="0" u="none" strike="noStrike" baseline="0" dirty="0">
-                <a:solidFill>
-                  <a:srgbClr val="009A9A"/>
-                </a:solidFill>
-                <a:latin typeface="+mj-lt"/>
-              </a:rPr>
-              <a:t>instance</a:t>
-            </a:r>
-            <a:r>
-              <a:rPr lang="en-US" sz="1800" b="0" i="0" u="none" strike="noStrike" baseline="0" dirty="0">
-                <a:solidFill>
-                  <a:srgbClr val="000000"/>
-                </a:solidFill>
-                <a:latin typeface="+mj-lt"/>
-              </a:rPr>
-              <a:t>, and each object maintains its own set of variables, an behaves (largely) independently from the class once created.</a:t>
-            </a:r>
-            <a:endParaRPr lang="en-CA" dirty="0">
-              <a:latin typeface="+mj-lt"/>
-            </a:endParaRPr>
-          </a:p>
-        </p:txBody>
-      </p:sp>
-      <p:pic>
-        <p:nvPicPr>
-          <p:cNvPr id="5" name="Picture 4" descr="FIGURE 12.17 Relationship between a class and its objects">
-            <a:extLst>
-              <a:ext uri="{FF2B5EF4-FFF2-40B4-BE49-F238E27FC236}">
-                <a16:creationId xmlns:a16="http://schemas.microsoft.com/office/drawing/2014/main" id="{1E93DD8E-7E36-4519-BFDD-2F189F25BC53}"/>
-              </a:ext>
-            </a:extLst>
-          </p:cNvPr>
-          <p:cNvPicPr>
-            <a:picLocks noChangeAspect="1"/>
-          </p:cNvPicPr>
-          <p:nvPr/>
-        </p:nvPicPr>
-        <p:blipFill>
-          <a:blip r:embed="rId2"/>
-          <a:stretch>
-            <a:fillRect/>
-          </a:stretch>
-        </p:blipFill>
-        <p:spPr>
-          <a:xfrm>
-            <a:off x="4077260" y="1405890"/>
-            <a:ext cx="4575251" cy="2594610"/>
-          </a:xfrm>
-          <a:prstGeom prst="rect">
-            <a:avLst/>
-          </a:prstGeom>
-        </p:spPr>
-      </p:pic>
-    </p:spTree>
-    <p:extLst>
-      <p:ext uri="{BB962C8B-B14F-4D97-AF65-F5344CB8AC3E}">
-        <p14:creationId xmlns:p14="http://schemas.microsoft.com/office/powerpoint/2010/main" val="4180732537"/>
-      </p:ext>
-    </p:extLst>
-  </p:cSld>
-  <p:clrMapOvr>
-    <a:masterClrMapping/>
-  </p:clrMapOvr>
-</p:sld>
-</file>
-
-<file path=ppt/slides/slide26.xml><?xml version="1.0" encoding="utf-8"?>
-<p:sld xmlns:a="http://schemas.openxmlformats.org/drawingml/2006/main" xmlns:r="http://schemas.openxmlformats.org/officeDocument/2006/relationships" xmlns:p="http://schemas.openxmlformats.org/presentationml/2006/main">
-  <p:cSld>
-    <p:spTree>
-      <p:nvGrpSpPr>
-        <p:cNvPr id="1" name=""/>
-        <p:cNvGrpSpPr/>
-        <p:nvPr/>
-      </p:nvGrpSpPr>
-      <p:grpSpPr>
-        <a:xfrm>
-          <a:off x="0" y="0"/>
-          <a:ext cx="0" cy="0"/>
-          <a:chOff x="0" y="0"/>
-          <a:chExt cx="0" cy="0"/>
-        </a:xfrm>
-      </p:grpSpPr>
-      <p:sp>
-        <p:nvSpPr>
-          <p:cNvPr id="2" name="Title 1">
-            <a:extLst>
-              <a:ext uri="{FF2B5EF4-FFF2-40B4-BE49-F238E27FC236}">
-                <a16:creationId xmlns:a16="http://schemas.microsoft.com/office/drawing/2014/main" id="{C7517BBA-9B41-463C-9E1F-C2E98A4C262A}"/>
-              </a:ext>
-            </a:extLst>
-          </p:cNvPr>
-          <p:cNvSpPr>
-            <a:spLocks noGrp="1"/>
-          </p:cNvSpPr>
-          <p:nvPr>
-            <p:ph type="title"/>
-          </p:nvPr>
-        </p:nvSpPr>
-        <p:spPr/>
-        <p:txBody>
-          <a:bodyPr/>
-          <a:lstStyle/>
-          <a:p>
-            <a:r>
-              <a:rPr lang="en-US" sz="3200" dirty="0"/>
-              <a:t>$_GET and $_POST </a:t>
-            </a:r>
-            <a:r>
-              <a:rPr lang="en-US" sz="3200" dirty="0" err="1"/>
-              <a:t>Superglobal</a:t>
-            </a:r>
-            <a:r>
-              <a:rPr lang="en-US" sz="3200" dirty="0"/>
-              <a:t> Arrays</a:t>
-            </a:r>
-            <a:endParaRPr lang="en-CA" sz="3200" dirty="0"/>
-          </a:p>
-        </p:txBody>
-      </p:sp>
-      <p:sp>
-        <p:nvSpPr>
-          <p:cNvPr id="3" name="Text Placeholder 2">
-            <a:extLst>
-              <a:ext uri="{FF2B5EF4-FFF2-40B4-BE49-F238E27FC236}">
-                <a16:creationId xmlns:a16="http://schemas.microsoft.com/office/drawing/2014/main" id="{AC70B6BA-9BF2-49FE-9638-1CF773A98555}"/>
-              </a:ext>
-            </a:extLst>
-          </p:cNvPr>
-          <p:cNvSpPr>
-            <a:spLocks noGrp="1"/>
-          </p:cNvSpPr>
-          <p:nvPr>
-            <p:ph type="body" idx="1"/>
-          </p:nvPr>
-        </p:nvSpPr>
-        <p:spPr>
-          <a:xfrm>
-            <a:off x="720091" y="2308860"/>
-            <a:ext cx="7969884" cy="2491740"/>
-          </a:xfrm>
-        </p:spPr>
-        <p:txBody>
-          <a:bodyPr numCol="2"/>
-          <a:lstStyle/>
-          <a:p>
-            <a:pPr marL="114300" indent="0" algn="l">
-              <a:buNone/>
-            </a:pPr>
-            <a:r>
-              <a:rPr lang="en-US" sz="1200" b="1" i="0" u="none" strike="noStrike" baseline="0" dirty="0">
-                <a:latin typeface="+mj-lt"/>
-              </a:rPr>
-              <a:t>$GLOBALS </a:t>
-            </a:r>
-            <a:r>
-              <a:rPr lang="en-US" sz="1200" b="0" i="0" u="none" strike="noStrike" baseline="0" dirty="0">
-                <a:latin typeface="+mj-lt"/>
-              </a:rPr>
-              <a:t>Array for storing data that needs </a:t>
-            </a:r>
-            <a:r>
-              <a:rPr lang="en-US" sz="1200" b="0" i="0" u="none" strike="noStrike" baseline="0" dirty="0" err="1">
-                <a:latin typeface="+mj-lt"/>
-              </a:rPr>
-              <a:t>superglobal</a:t>
-            </a:r>
-            <a:r>
-              <a:rPr lang="en-US" sz="1200" b="0" i="0" u="none" strike="noStrike" baseline="0" dirty="0">
-                <a:latin typeface="+mj-lt"/>
-              </a:rPr>
-              <a:t> scope</a:t>
-            </a:r>
-          </a:p>
-          <a:p>
-            <a:pPr marL="114300" indent="0" algn="l">
-              <a:buNone/>
-            </a:pPr>
-            <a:r>
-              <a:rPr lang="en-US" sz="1200" b="1" i="0" u="none" strike="noStrike" baseline="0" dirty="0">
-                <a:latin typeface="+mj-lt"/>
-              </a:rPr>
-              <a:t>$_COOKIES </a:t>
-            </a:r>
-            <a:r>
-              <a:rPr lang="en-US" sz="1200" b="0" i="0" u="none" strike="noStrike" baseline="0" dirty="0">
-                <a:latin typeface="+mj-lt"/>
-              </a:rPr>
-              <a:t>Array of cookie data passed to page via HTTP request</a:t>
-            </a:r>
-          </a:p>
-          <a:p>
-            <a:pPr marL="114300" indent="0" algn="l">
-              <a:buNone/>
-            </a:pPr>
-            <a:r>
-              <a:rPr lang="en-US" sz="1200" b="1" i="0" u="none" strike="noStrike" baseline="0" dirty="0">
-                <a:latin typeface="+mj-lt"/>
-              </a:rPr>
-              <a:t>$_ENV </a:t>
-            </a:r>
-            <a:r>
-              <a:rPr lang="en-US" sz="1200" b="0" i="0" u="none" strike="noStrike" baseline="0" dirty="0">
-                <a:latin typeface="+mj-lt"/>
-              </a:rPr>
-              <a:t>Array of server environment data</a:t>
-            </a:r>
-          </a:p>
-          <a:p>
-            <a:pPr marL="114300" indent="0" algn="l">
-              <a:buNone/>
-            </a:pPr>
-            <a:r>
-              <a:rPr lang="en-US" sz="1200" b="1" i="0" u="none" strike="noStrike" baseline="0" dirty="0">
-                <a:latin typeface="+mj-lt"/>
-              </a:rPr>
-              <a:t>$_FILES </a:t>
-            </a:r>
-            <a:r>
-              <a:rPr lang="en-US" sz="1200" b="0" i="0" u="none" strike="noStrike" baseline="0" dirty="0">
-                <a:latin typeface="+mj-lt"/>
-              </a:rPr>
-              <a:t>Array of file items uploaded to the server</a:t>
-            </a:r>
-          </a:p>
-          <a:p>
-            <a:pPr marL="114300" indent="0" algn="l">
-              <a:buNone/>
-            </a:pPr>
-            <a:r>
-              <a:rPr lang="en-US" sz="1200" b="1" i="0" u="none" strike="noStrike" baseline="0" dirty="0">
-                <a:latin typeface="+mj-lt"/>
-              </a:rPr>
-              <a:t>$_GET </a:t>
-            </a:r>
-            <a:r>
-              <a:rPr lang="en-US" sz="1200" b="0" i="0" u="none" strike="noStrike" baseline="0" dirty="0">
-                <a:latin typeface="+mj-lt"/>
-              </a:rPr>
-              <a:t>Array of query string data passed to the server via the URL</a:t>
-            </a:r>
-          </a:p>
-          <a:p>
-            <a:pPr marL="114300" indent="0" algn="l">
-              <a:buNone/>
-            </a:pPr>
-            <a:r>
-              <a:rPr lang="en-US" sz="1200" b="1" i="0" u="none" strike="noStrike" baseline="0" dirty="0">
-                <a:latin typeface="+mj-lt"/>
-              </a:rPr>
-              <a:t>$_POST </a:t>
-            </a:r>
-            <a:r>
-              <a:rPr lang="en-US" sz="1200" b="0" i="0" u="none" strike="noStrike" baseline="0" dirty="0">
-                <a:latin typeface="+mj-lt"/>
-              </a:rPr>
-              <a:t>Array of query string data passed to the server via the HTTP header</a:t>
-            </a:r>
-          </a:p>
-          <a:p>
-            <a:pPr marL="114300" indent="0" algn="l">
-              <a:buNone/>
-            </a:pPr>
-            <a:r>
-              <a:rPr lang="en-US" sz="1200" b="1" i="0" u="none" strike="noStrike" baseline="0" dirty="0">
-                <a:latin typeface="+mj-lt"/>
-              </a:rPr>
-              <a:t>$_REQUEST </a:t>
-            </a:r>
-            <a:r>
-              <a:rPr lang="en-US" sz="1200" b="0" i="0" u="none" strike="noStrike" baseline="0" dirty="0">
-                <a:latin typeface="+mj-lt"/>
-              </a:rPr>
-              <a:t>Array containing the contents of $_GET, $_POST, and $_COOKIES</a:t>
-            </a:r>
-          </a:p>
-          <a:p>
-            <a:pPr marL="114300" indent="0" algn="l">
-              <a:buNone/>
-            </a:pPr>
-            <a:r>
-              <a:rPr lang="en-US" sz="1200" b="1" i="0" u="none" strike="noStrike" baseline="0" dirty="0">
-                <a:latin typeface="+mj-lt"/>
-              </a:rPr>
-              <a:t>$_SESSION </a:t>
-            </a:r>
-            <a:r>
-              <a:rPr lang="en-US" sz="1200" b="0" i="0" u="none" strike="noStrike" baseline="0" dirty="0">
-                <a:latin typeface="+mj-lt"/>
-              </a:rPr>
-              <a:t>Array that contains session data</a:t>
-            </a:r>
-          </a:p>
-          <a:p>
-            <a:pPr marL="114300" indent="0" algn="l">
-              <a:buNone/>
-            </a:pPr>
-            <a:r>
-              <a:rPr lang="en-US" sz="1200" b="1" i="0" u="none" strike="noStrike" baseline="0" dirty="0">
-                <a:latin typeface="+mj-lt"/>
-              </a:rPr>
-              <a:t>$_SERVER </a:t>
-            </a:r>
-            <a:r>
-              <a:rPr lang="en-US" sz="1200" b="0" i="0" u="none" strike="noStrike" baseline="0" dirty="0">
-                <a:latin typeface="+mj-lt"/>
-              </a:rPr>
-              <a:t>Array containing information about the request and the server</a:t>
-            </a:r>
-          </a:p>
-          <a:p>
-            <a:pPr marL="114300" indent="0" algn="l">
-              <a:buNone/>
-            </a:pPr>
-            <a:endParaRPr lang="en-CA" sz="1100" dirty="0">
-              <a:latin typeface="+mj-lt"/>
-            </a:endParaRPr>
-          </a:p>
-        </p:txBody>
-      </p:sp>
-      <p:sp>
-        <p:nvSpPr>
-          <p:cNvPr id="4" name="TextBox 3">
-            <a:extLst>
-              <a:ext uri="{FF2B5EF4-FFF2-40B4-BE49-F238E27FC236}">
-                <a16:creationId xmlns:a16="http://schemas.microsoft.com/office/drawing/2014/main" id="{2138FA7A-229C-4258-A320-6AD5539D56FE}"/>
-              </a:ext>
-            </a:extLst>
-          </p:cNvPr>
-          <p:cNvSpPr txBox="1"/>
-          <p:nvPr/>
-        </p:nvSpPr>
-        <p:spPr>
-          <a:xfrm>
-            <a:off x="720091" y="1497330"/>
-            <a:ext cx="7966709" cy="1077218"/>
-          </a:xfrm>
-          <a:prstGeom prst="rect">
-            <a:avLst/>
-          </a:prstGeom>
-          <a:noFill/>
-        </p:spPr>
-        <p:txBody>
-          <a:bodyPr wrap="square" rtlCol="0">
-            <a:spAutoFit/>
-          </a:bodyPr>
-          <a:lstStyle/>
-          <a:p>
-            <a:r>
-              <a:rPr lang="en-US" sz="1600" b="0" i="0" u="none" strike="noStrike" baseline="0" dirty="0">
-                <a:solidFill>
-                  <a:srgbClr val="000000"/>
-                </a:solidFill>
-                <a:latin typeface="+mj-lt"/>
-              </a:rPr>
-              <a:t>PHP uses special predefined associative arrays called </a:t>
-            </a:r>
-            <a:r>
-              <a:rPr lang="en-US" sz="1600" b="1" i="0" u="none" strike="noStrike" baseline="0" dirty="0" err="1">
-                <a:solidFill>
-                  <a:srgbClr val="009A9A"/>
-                </a:solidFill>
-                <a:latin typeface="+mj-lt"/>
-              </a:rPr>
-              <a:t>superglobal</a:t>
-            </a:r>
-            <a:r>
-              <a:rPr lang="en-US" sz="1600" b="1" i="0" u="none" strike="noStrike" baseline="0" dirty="0">
-                <a:solidFill>
-                  <a:srgbClr val="009A9A"/>
-                </a:solidFill>
-                <a:latin typeface="+mj-lt"/>
-              </a:rPr>
-              <a:t> arrays </a:t>
-            </a:r>
-            <a:r>
-              <a:rPr lang="en-US" sz="1600" b="0" i="0" u="none" strike="noStrike" baseline="0" dirty="0">
-                <a:solidFill>
-                  <a:srgbClr val="000000"/>
-                </a:solidFill>
-                <a:latin typeface="+mj-lt"/>
-              </a:rPr>
-              <a:t>that allow the programmer to easily access HTTP headers, query string parameters, and other </a:t>
-            </a:r>
-            <a:r>
-              <a:rPr lang="en-CA" sz="1600" b="0" i="0" u="none" strike="noStrike" baseline="0" dirty="0">
-                <a:solidFill>
-                  <a:srgbClr val="000000"/>
-                </a:solidFill>
-                <a:latin typeface="+mj-lt"/>
-              </a:rPr>
-              <a:t>commonly needed information</a:t>
-            </a:r>
-          </a:p>
-          <a:p>
-            <a:endParaRPr lang="en-CA" sz="1600" dirty="0"/>
-          </a:p>
-        </p:txBody>
-      </p:sp>
-    </p:spTree>
-    <p:extLst>
-      <p:ext uri="{BB962C8B-B14F-4D97-AF65-F5344CB8AC3E}">
-        <p14:creationId xmlns:p14="http://schemas.microsoft.com/office/powerpoint/2010/main" val="616903458"/>
-      </p:ext>
-    </p:extLst>
-  </p:cSld>
-  <p:clrMapOvr>
-    <a:masterClrMapping/>
-  </p:clrMapOvr>
-</p:sld>
-</file>
-
-<file path=ppt/slides/slide27.xml><?xml version="1.0" encoding="utf-8"?>
-<p:sld xmlns:a="http://schemas.openxmlformats.org/drawingml/2006/main" xmlns:r="http://schemas.openxmlformats.org/officeDocument/2006/relationships" xmlns:p="http://schemas.openxmlformats.org/presentationml/2006/main">
-  <p:cSld>
-    <p:spTree>
-      <p:nvGrpSpPr>
-        <p:cNvPr id="1" name=""/>
-        <p:cNvGrpSpPr/>
-        <p:nvPr/>
-      </p:nvGrpSpPr>
-      <p:grpSpPr>
-        <a:xfrm>
-          <a:off x="0" y="0"/>
-          <a:ext cx="0" cy="0"/>
-          <a:chOff x="0" y="0"/>
-          <a:chExt cx="0" cy="0"/>
-        </a:xfrm>
-      </p:grpSpPr>
-      <p:sp>
-        <p:nvSpPr>
-          <p:cNvPr id="2" name="Title 1">
-            <a:extLst>
-              <a:ext uri="{FF2B5EF4-FFF2-40B4-BE49-F238E27FC236}">
-                <a16:creationId xmlns:a16="http://schemas.microsoft.com/office/drawing/2014/main" id="{734D83DD-FFE8-4127-8418-FAA656CA95A1}"/>
-              </a:ext>
-            </a:extLst>
-          </p:cNvPr>
-          <p:cNvSpPr>
-            <a:spLocks noGrp="1"/>
-          </p:cNvSpPr>
-          <p:nvPr>
-            <p:ph type="title"/>
-          </p:nvPr>
-        </p:nvSpPr>
-        <p:spPr/>
-        <p:txBody>
-          <a:bodyPr/>
-          <a:lstStyle/>
-          <a:p>
-            <a:r>
-              <a:rPr lang="en-US" dirty="0"/>
-              <a:t>Illustration of flow into $_GET array</a:t>
-            </a:r>
-            <a:endParaRPr lang="en-CA" dirty="0"/>
-          </a:p>
-        </p:txBody>
-      </p:sp>
-      <p:pic>
-        <p:nvPicPr>
-          <p:cNvPr id="5" name="Picture 4" descr="FIGURE 12.22 Illustration of flow from HTML, to request, to PHP’s $_GET array">
-            <a:extLst>
-              <a:ext uri="{FF2B5EF4-FFF2-40B4-BE49-F238E27FC236}">
-                <a16:creationId xmlns:a16="http://schemas.microsoft.com/office/drawing/2014/main" id="{9920F5F0-4CB4-43E8-8BF0-3E58C1A8773D}"/>
-              </a:ext>
-            </a:extLst>
-          </p:cNvPr>
-          <p:cNvPicPr>
-            <a:picLocks noChangeAspect="1"/>
-          </p:cNvPicPr>
-          <p:nvPr/>
-        </p:nvPicPr>
-        <p:blipFill>
-          <a:blip r:embed="rId2"/>
-          <a:stretch>
-            <a:fillRect/>
-          </a:stretch>
-        </p:blipFill>
-        <p:spPr>
-          <a:xfrm>
-            <a:off x="1737360" y="1096553"/>
-            <a:ext cx="5669280" cy="3522047"/>
-          </a:xfrm>
-          <a:prstGeom prst="rect">
-            <a:avLst/>
-          </a:prstGeom>
-        </p:spPr>
-      </p:pic>
-    </p:spTree>
-    <p:extLst>
-      <p:ext uri="{BB962C8B-B14F-4D97-AF65-F5344CB8AC3E}">
-        <p14:creationId xmlns:p14="http://schemas.microsoft.com/office/powerpoint/2010/main" val="1521949913"/>
-      </p:ext>
-    </p:extLst>
-  </p:cSld>
-  <p:clrMapOvr>
-    <a:masterClrMapping/>
-  </p:clrMapOvr>
-</p:sld>
-</file>
-
-<file path=ppt/slides/slide28.xml><?xml version="1.0" encoding="utf-8"?>
-<p:sld xmlns:a="http://schemas.openxmlformats.org/drawingml/2006/main" xmlns:r="http://schemas.openxmlformats.org/officeDocument/2006/relationships" xmlns:p="http://schemas.openxmlformats.org/presentationml/2006/main">
-  <p:cSld>
-    <p:spTree>
-      <p:nvGrpSpPr>
-        <p:cNvPr id="1" name=""/>
-        <p:cNvGrpSpPr/>
-        <p:nvPr/>
-      </p:nvGrpSpPr>
-      <p:grpSpPr>
-        <a:xfrm>
-          <a:off x="0" y="0"/>
-          <a:ext cx="0" cy="0"/>
-          <a:chOff x="0" y="0"/>
-          <a:chExt cx="0" cy="0"/>
-        </a:xfrm>
-      </p:grpSpPr>
-      <p:sp>
-        <p:nvSpPr>
-          <p:cNvPr id="2" name="Title 1">
-            <a:extLst>
-              <a:ext uri="{FF2B5EF4-FFF2-40B4-BE49-F238E27FC236}">
-                <a16:creationId xmlns:a16="http://schemas.microsoft.com/office/drawing/2014/main" id="{734D83DD-FFE8-4127-8418-FAA656CA95A1}"/>
-              </a:ext>
-            </a:extLst>
-          </p:cNvPr>
-          <p:cNvSpPr>
-            <a:spLocks noGrp="1"/>
-          </p:cNvSpPr>
-          <p:nvPr>
-            <p:ph type="title"/>
-          </p:nvPr>
-        </p:nvSpPr>
-        <p:spPr/>
-        <p:txBody>
-          <a:bodyPr/>
-          <a:lstStyle/>
-          <a:p>
-            <a:r>
-              <a:rPr lang="en-US" dirty="0"/>
-              <a:t>Illustration of flow into $_POST array</a:t>
-            </a:r>
-            <a:endParaRPr lang="en-CA" dirty="0"/>
-          </a:p>
-        </p:txBody>
-      </p:sp>
-      <p:pic>
-        <p:nvPicPr>
-          <p:cNvPr id="4" name="Picture 3" descr="FIGURE 12.23 Data flow from HTML form through HTTP request to PHP’s $_POST array">
-            <a:extLst>
-              <a:ext uri="{FF2B5EF4-FFF2-40B4-BE49-F238E27FC236}">
-                <a16:creationId xmlns:a16="http://schemas.microsoft.com/office/drawing/2014/main" id="{3B580B15-0044-4EB6-84B3-15C09E2F3E39}"/>
-              </a:ext>
-            </a:extLst>
-          </p:cNvPr>
-          <p:cNvPicPr>
-            <a:picLocks noChangeAspect="1"/>
-          </p:cNvPicPr>
-          <p:nvPr/>
-        </p:nvPicPr>
-        <p:blipFill>
-          <a:blip r:embed="rId2"/>
-          <a:stretch>
-            <a:fillRect/>
-          </a:stretch>
-        </p:blipFill>
-        <p:spPr>
-          <a:xfrm>
-            <a:off x="1944600" y="995917"/>
-            <a:ext cx="5254799" cy="3596578"/>
-          </a:xfrm>
-          <a:prstGeom prst="rect">
-            <a:avLst/>
-          </a:prstGeom>
-        </p:spPr>
-      </p:pic>
-    </p:spTree>
-    <p:extLst>
-      <p:ext uri="{BB962C8B-B14F-4D97-AF65-F5344CB8AC3E}">
-        <p14:creationId xmlns:p14="http://schemas.microsoft.com/office/powerpoint/2010/main" val="1357049011"/>
-      </p:ext>
-    </p:extLst>
-  </p:cSld>
-  <p:clrMapOvr>
-    <a:masterClrMapping/>
-  </p:clrMapOvr>
-</p:sld>
-</file>
-
-<file path=ppt/slides/slide29.xml><?xml version="1.0" encoding="utf-8"?>
-<p:sld xmlns:a="http://schemas.openxmlformats.org/drawingml/2006/main" xmlns:r="http://schemas.openxmlformats.org/officeDocument/2006/relationships" xmlns:p="http://schemas.openxmlformats.org/presentationml/2006/main">
-  <p:cSld>
-    <p:spTree>
-      <p:nvGrpSpPr>
-        <p:cNvPr id="1" name=""/>
-        <p:cNvGrpSpPr/>
-        <p:nvPr/>
-      </p:nvGrpSpPr>
-      <p:grpSpPr>
-        <a:xfrm>
-          <a:off x="0" y="0"/>
-          <a:ext cx="0" cy="0"/>
-          <a:chOff x="0" y="0"/>
-          <a:chExt cx="0" cy="0"/>
-        </a:xfrm>
-      </p:grpSpPr>
-      <p:sp>
-        <p:nvSpPr>
-          <p:cNvPr id="2" name="Title 1">
-            <a:extLst>
-              <a:ext uri="{FF2B5EF4-FFF2-40B4-BE49-F238E27FC236}">
-                <a16:creationId xmlns:a16="http://schemas.microsoft.com/office/drawing/2014/main" id="{D4B73133-A5E3-400C-B663-A2DCB866CB70}"/>
-              </a:ext>
-            </a:extLst>
-          </p:cNvPr>
-          <p:cNvSpPr>
-            <a:spLocks noGrp="1"/>
-          </p:cNvSpPr>
-          <p:nvPr>
-            <p:ph type="title"/>
-          </p:nvPr>
-        </p:nvSpPr>
-        <p:spPr/>
-        <p:txBody>
-          <a:bodyPr/>
-          <a:lstStyle/>
-          <a:p>
-            <a:r>
-              <a:rPr lang="en-CA" dirty="0"/>
-              <a:t>Accessing Form Array Data</a:t>
-            </a:r>
-          </a:p>
-        </p:txBody>
-      </p:sp>
-      <p:sp>
-        <p:nvSpPr>
-          <p:cNvPr id="3" name="Text Placeholder 2">
-            <a:extLst>
-              <a:ext uri="{FF2B5EF4-FFF2-40B4-BE49-F238E27FC236}">
-                <a16:creationId xmlns:a16="http://schemas.microsoft.com/office/drawing/2014/main" id="{78FE2A9E-6750-43DF-94E4-0D93174E1A33}"/>
-              </a:ext>
-            </a:extLst>
-          </p:cNvPr>
-          <p:cNvSpPr>
-            <a:spLocks noGrp="1"/>
-          </p:cNvSpPr>
-          <p:nvPr>
-            <p:ph type="body" idx="1"/>
-          </p:nvPr>
-        </p:nvSpPr>
-        <p:spPr>
-          <a:xfrm>
-            <a:off x="457200" y="1081088"/>
-            <a:ext cx="8275319" cy="1957476"/>
-          </a:xfrm>
-        </p:spPr>
-        <p:txBody>
-          <a:bodyPr/>
-          <a:lstStyle/>
-          <a:p>
-            <a:pPr marL="114300" indent="0">
-              <a:buNone/>
-            </a:pPr>
-            <a:r>
-              <a:rPr lang="en-US" b="0" i="0" u="none" strike="noStrike" baseline="0" dirty="0">
-                <a:latin typeface="+mj-lt"/>
-              </a:rPr>
-              <a:t>Sometimes in HTML forms, you might have multiple values associated with a single </a:t>
-            </a:r>
-            <a:r>
-              <a:rPr lang="en-CA" b="0" i="0" u="none" strike="noStrike" baseline="0" dirty="0">
-                <a:latin typeface="+mj-lt"/>
-              </a:rPr>
-              <a:t>name. </a:t>
-            </a:r>
-            <a:r>
-              <a:rPr lang="en-US" b="0" i="0" u="none" strike="noStrike" baseline="0" dirty="0">
-                <a:latin typeface="+mj-lt"/>
-              </a:rPr>
-              <a:t>Unfortunately, if the user selects more than one day and submits the form, the $_GET['day'] value in the </a:t>
-            </a:r>
-            <a:r>
-              <a:rPr lang="en-US" b="0" i="0" u="none" strike="noStrike" baseline="0" dirty="0" err="1">
-                <a:latin typeface="+mj-lt"/>
-              </a:rPr>
-              <a:t>superglobal</a:t>
-            </a:r>
-            <a:r>
-              <a:rPr lang="en-US" b="0" i="0" u="none" strike="noStrike" baseline="0" dirty="0">
-                <a:latin typeface="+mj-lt"/>
-              </a:rPr>
-              <a:t> array </a:t>
-            </a:r>
-            <a:r>
-              <a:rPr lang="en-US" b="0" i="1" u="none" strike="noStrike" baseline="0" dirty="0">
-                <a:latin typeface="+mj-lt"/>
-              </a:rPr>
-              <a:t>will only contain the last value from the list </a:t>
-            </a:r>
-            <a:r>
-              <a:rPr lang="en-US" b="0" i="0" u="none" strike="noStrike" baseline="0" dirty="0">
-                <a:latin typeface="+mj-lt"/>
-              </a:rPr>
-              <a:t>that was selected.</a:t>
-            </a:r>
-          </a:p>
-          <a:p>
-            <a:pPr marL="114300" indent="0" algn="l">
-              <a:buNone/>
-            </a:pPr>
-            <a:r>
-              <a:rPr lang="en-US" b="0" i="0" u="none" strike="noStrike" baseline="0" dirty="0">
-                <a:latin typeface="+mj-lt"/>
-              </a:rPr>
-              <a:t>To overcome this limitation, you must change the HTML in the form. In particular, you will have to change the name attribute for each checkbox from day to </a:t>
-            </a:r>
-            <a:r>
-              <a:rPr lang="en-CA" b="0" i="0" u="none" strike="noStrike" baseline="0" dirty="0">
-                <a:latin typeface="+mj-lt"/>
-              </a:rPr>
-              <a:t>day[]</a:t>
-            </a:r>
-            <a:endParaRPr lang="en-CA" sz="1400" dirty="0">
-              <a:latin typeface="+mj-lt"/>
-            </a:endParaRPr>
-          </a:p>
-        </p:txBody>
-      </p:sp>
-      <p:sp>
-        <p:nvSpPr>
-          <p:cNvPr id="4" name="TextBox 3" descr="LISTING 4.2 Embedded styles example">
-            <a:extLst>
-              <a:ext uri="{FF2B5EF4-FFF2-40B4-BE49-F238E27FC236}">
-                <a16:creationId xmlns:a16="http://schemas.microsoft.com/office/drawing/2014/main" id="{35D0CBDE-52E7-40AF-A6F9-E638289940F4}"/>
-              </a:ext>
-            </a:extLst>
-          </p:cNvPr>
-          <p:cNvSpPr txBox="1"/>
-          <p:nvPr/>
-        </p:nvSpPr>
-        <p:spPr>
-          <a:xfrm>
-            <a:off x="1680209" y="3135165"/>
-            <a:ext cx="5303521" cy="1170622"/>
-          </a:xfrm>
-          <a:prstGeom prst="rect">
-            <a:avLst/>
-          </a:prstGeom>
-          <a:solidFill>
-            <a:srgbClr val="E6F0F5"/>
-          </a:solidFill>
-        </p:spPr>
-        <p:txBody>
-          <a:bodyPr wrap="square" numCol="1" rtlCol="0">
-            <a:noAutofit/>
-          </a:bodyPr>
-          <a:lstStyle/>
-          <a:p>
-            <a:pPr algn="l"/>
-            <a:r>
-              <a:rPr lang="en-US" sz="1800" b="0" i="0" u="none" strike="noStrike" baseline="0" dirty="0">
-                <a:solidFill>
-                  <a:srgbClr val="000000"/>
-                </a:solidFill>
-                <a:latin typeface="Calibri" panose="020F0502020204030204" pitchFamily="34" charset="0"/>
-                <a:cs typeface="Calibri" panose="020F0502020204030204" pitchFamily="34" charset="0"/>
-              </a:rPr>
-              <a:t>echo "You submitted " . count($_GET['day']) . "values";</a:t>
-            </a:r>
-          </a:p>
-          <a:p>
-            <a:pPr algn="l"/>
-            <a:r>
-              <a:rPr lang="en-US" sz="1800" b="0" i="0" u="none" strike="noStrike" baseline="0" dirty="0">
-                <a:solidFill>
-                  <a:srgbClr val="000000"/>
-                </a:solidFill>
-                <a:latin typeface="Calibri" panose="020F0502020204030204" pitchFamily="34" charset="0"/>
-                <a:cs typeface="Calibri" panose="020F0502020204030204" pitchFamily="34" charset="0"/>
-              </a:rPr>
-              <a:t>	foreach </a:t>
-            </a:r>
-            <a:r>
-              <a:rPr lang="en-US" sz="1800" b="0" i="0" u="none" strike="noStrike" baseline="0" dirty="0">
-                <a:solidFill>
-                  <a:srgbClr val="9A0000"/>
-                </a:solidFill>
-                <a:latin typeface="Calibri" panose="020F0502020204030204" pitchFamily="34" charset="0"/>
-                <a:cs typeface="Calibri" panose="020F0502020204030204" pitchFamily="34" charset="0"/>
-              </a:rPr>
-              <a:t>($_GET['day'] </a:t>
-            </a:r>
-            <a:r>
-              <a:rPr lang="en-US" sz="1800" b="0" i="0" u="none" strike="noStrike" baseline="0" dirty="0">
-                <a:solidFill>
-                  <a:srgbClr val="000000"/>
-                </a:solidFill>
-                <a:latin typeface="Calibri" panose="020F0502020204030204" pitchFamily="34" charset="0"/>
-                <a:cs typeface="Calibri" panose="020F0502020204030204" pitchFamily="34" charset="0"/>
-              </a:rPr>
-              <a:t>as </a:t>
-            </a:r>
-            <a:r>
-              <a:rPr lang="en-US" sz="1800" b="0" i="0" u="none" strike="noStrike" baseline="0" dirty="0">
-                <a:solidFill>
-                  <a:srgbClr val="9A0000"/>
-                </a:solidFill>
-                <a:latin typeface="Calibri" panose="020F0502020204030204" pitchFamily="34" charset="0"/>
-                <a:cs typeface="Calibri" panose="020F0502020204030204" pitchFamily="34" charset="0"/>
-              </a:rPr>
-              <a:t>$d</a:t>
-            </a:r>
-            <a:r>
-              <a:rPr lang="en-US" sz="1800" b="0" i="0" u="none" strike="noStrike" baseline="0" dirty="0">
-                <a:solidFill>
-                  <a:srgbClr val="000000"/>
-                </a:solidFill>
-                <a:latin typeface="Calibri" panose="020F0502020204030204" pitchFamily="34" charset="0"/>
-                <a:cs typeface="Calibri" panose="020F0502020204030204" pitchFamily="34" charset="0"/>
-              </a:rPr>
-              <a:t>) {</a:t>
-            </a:r>
-          </a:p>
-          <a:p>
-            <a:pPr algn="l"/>
-            <a:r>
-              <a:rPr lang="en-CA" sz="1800" b="0" i="0" u="none" strike="noStrike" baseline="0" dirty="0">
-                <a:solidFill>
-                  <a:srgbClr val="000000"/>
-                </a:solidFill>
-                <a:latin typeface="Calibri" panose="020F0502020204030204" pitchFamily="34" charset="0"/>
-                <a:cs typeface="Calibri" panose="020F0502020204030204" pitchFamily="34" charset="0"/>
-              </a:rPr>
-              <a:t>	echo $d . " &lt;</a:t>
-            </a:r>
-            <a:r>
-              <a:rPr lang="en-CA" sz="1800" b="0" i="0" u="none" strike="noStrike" baseline="0" dirty="0" err="1">
-                <a:solidFill>
-                  <a:srgbClr val="000000"/>
-                </a:solidFill>
-                <a:latin typeface="Calibri" panose="020F0502020204030204" pitchFamily="34" charset="0"/>
-                <a:cs typeface="Calibri" panose="020F0502020204030204" pitchFamily="34" charset="0"/>
-              </a:rPr>
-              <a:t>br</a:t>
-            </a:r>
-            <a:r>
-              <a:rPr lang="en-CA" sz="1800" b="0" i="0" u="none" strike="noStrike" baseline="0" dirty="0">
-                <a:solidFill>
-                  <a:srgbClr val="000000"/>
-                </a:solidFill>
-                <a:latin typeface="Calibri" panose="020F0502020204030204" pitchFamily="34" charset="0"/>
-                <a:cs typeface="Calibri" panose="020F0502020204030204" pitchFamily="34" charset="0"/>
-              </a:rPr>
-              <a:t>&gt;";</a:t>
-            </a:r>
-          </a:p>
-          <a:p>
-            <a:pPr algn="l"/>
-            <a:r>
-              <a:rPr lang="en-CA" sz="1800" b="0" i="0" u="none" strike="noStrike" baseline="0" dirty="0">
-                <a:solidFill>
-                  <a:srgbClr val="000000"/>
-                </a:solidFill>
-                <a:latin typeface="Calibri" panose="020F0502020204030204" pitchFamily="34" charset="0"/>
-                <a:cs typeface="Calibri" panose="020F0502020204030204" pitchFamily="34" charset="0"/>
-              </a:rPr>
-              <a:t>}</a:t>
-            </a:r>
-            <a:endParaRPr lang="en-CA" sz="1000" b="0" i="0" u="none" strike="noStrike" baseline="0" dirty="0">
-              <a:solidFill>
-                <a:srgbClr val="000000"/>
-              </a:solidFill>
-              <a:latin typeface="Calibri" panose="020F0502020204030204" pitchFamily="34" charset="0"/>
-              <a:cs typeface="Calibri" panose="020F0502020204030204" pitchFamily="34" charset="0"/>
-            </a:endParaRPr>
-          </a:p>
-        </p:txBody>
-      </p:sp>
-      <p:sp>
-        <p:nvSpPr>
-          <p:cNvPr id="5" name="TextBox 4">
-            <a:extLst>
-              <a:ext uri="{FF2B5EF4-FFF2-40B4-BE49-F238E27FC236}">
-                <a16:creationId xmlns:a16="http://schemas.microsoft.com/office/drawing/2014/main" id="{17B7B89D-8321-4611-8505-AAE8BE527C2C}"/>
-              </a:ext>
-            </a:extLst>
-          </p:cNvPr>
-          <p:cNvSpPr txBox="1"/>
-          <p:nvPr/>
-        </p:nvSpPr>
-        <p:spPr>
-          <a:xfrm>
-            <a:off x="1680208" y="4402388"/>
-            <a:ext cx="5383531" cy="307777"/>
-          </a:xfrm>
-          <a:prstGeom prst="rect">
-            <a:avLst/>
-          </a:prstGeom>
-          <a:noFill/>
-        </p:spPr>
-        <p:txBody>
-          <a:bodyPr wrap="square" rtlCol="0">
-            <a:spAutoFit/>
-          </a:bodyPr>
-          <a:lstStyle/>
-          <a:p>
-            <a:r>
-              <a:rPr lang="en-US" b="1" i="0" u="none" strike="noStrike" baseline="0" dirty="0">
-                <a:solidFill>
-                  <a:srgbClr val="009A9A"/>
-                </a:solidFill>
-                <a:latin typeface="Calibri" panose="020F0502020204030204" pitchFamily="34" charset="0"/>
-                <a:cs typeface="Calibri" panose="020F0502020204030204" pitchFamily="34" charset="0"/>
-              </a:rPr>
-              <a:t>LISTING 12.34 </a:t>
-            </a:r>
-            <a:r>
-              <a:rPr lang="en-US" b="0" i="0" u="none" strike="noStrike" baseline="0" dirty="0">
-                <a:solidFill>
-                  <a:srgbClr val="000000"/>
-                </a:solidFill>
-                <a:latin typeface="Calibri" panose="020F0502020204030204" pitchFamily="34" charset="0"/>
-                <a:cs typeface="Calibri" panose="020F0502020204030204" pitchFamily="34" charset="0"/>
-              </a:rPr>
-              <a:t>PHP code to display an array of checkbox variables</a:t>
-            </a:r>
-            <a:endParaRPr lang="en-CA" dirty="0">
-              <a:latin typeface="Calibri" panose="020F0502020204030204" pitchFamily="34" charset="0"/>
-              <a:cs typeface="Calibri" panose="020F0502020204030204" pitchFamily="34" charset="0"/>
-            </a:endParaRPr>
-          </a:p>
-        </p:txBody>
-      </p:sp>
-    </p:spTree>
-    <p:extLst>
-      <p:ext uri="{BB962C8B-B14F-4D97-AF65-F5344CB8AC3E}">
-        <p14:creationId xmlns:p14="http://schemas.microsoft.com/office/powerpoint/2010/main" val="1279725334"/>
-      </p:ext>
-    </p:extLst>
-  </p:cSld>
-  <p:clrMapOvr>
-    <a:masterClrMapping/>
-  </p:clrMapOvr>
-</p:sld>
-</file>
-
-<file path=ppt/slides/slide3.xml><?xml version="1.0" encoding="utf-8"?>
-<p:sld xmlns:a="http://schemas.openxmlformats.org/drawingml/2006/main" xmlns:r="http://schemas.openxmlformats.org/officeDocument/2006/relationships" xmlns:p="http://schemas.openxmlformats.org/presentationml/2006/main">
-  <p:cSld>
-    <p:spTree>
-      <p:nvGrpSpPr>
-        <p:cNvPr id="1" name=""/>
-        <p:cNvGrpSpPr/>
-        <p:nvPr/>
-      </p:nvGrpSpPr>
-      <p:grpSpPr>
-        <a:xfrm>
-          <a:off x="0" y="0"/>
-          <a:ext cx="0" cy="0"/>
-          <a:chOff x="0" y="0"/>
-          <a:chExt cx="0" cy="0"/>
-        </a:xfrm>
-      </p:grpSpPr>
-      <p:sp>
-        <p:nvSpPr>
-          <p:cNvPr id="2" name="Title 1">
-            <a:extLst>
-              <a:ext uri="{FF2B5EF4-FFF2-40B4-BE49-F238E27FC236}">
-                <a16:creationId xmlns:a16="http://schemas.microsoft.com/office/drawing/2014/main" id="{A28F6A71-6DEC-4854-AAB5-74D76881C826}"/>
-              </a:ext>
-            </a:extLst>
-          </p:cNvPr>
-          <p:cNvSpPr>
-            <a:spLocks noGrp="1"/>
-          </p:cNvSpPr>
-          <p:nvPr>
-            <p:ph type="title"/>
-          </p:nvPr>
-        </p:nvSpPr>
-        <p:spPr/>
-        <p:txBody>
-          <a:bodyPr/>
-          <a:lstStyle/>
-          <a:p>
-            <a:r>
-              <a:rPr lang="en-US" dirty="0"/>
-              <a:t>Front End versus Back End</a:t>
-            </a:r>
-            <a:endParaRPr lang="en-CA" dirty="0"/>
-          </a:p>
-        </p:txBody>
-      </p:sp>
-      <p:sp>
-        <p:nvSpPr>
-          <p:cNvPr id="3" name="Text Placeholder 2">
-            <a:extLst>
-              <a:ext uri="{FF2B5EF4-FFF2-40B4-BE49-F238E27FC236}">
-                <a16:creationId xmlns:a16="http://schemas.microsoft.com/office/drawing/2014/main" id="{A83CDDD6-1B93-4872-9F71-4DC6725147A1}"/>
-              </a:ext>
-            </a:extLst>
-          </p:cNvPr>
-          <p:cNvSpPr>
-            <a:spLocks noGrp="1"/>
-          </p:cNvSpPr>
-          <p:nvPr>
-            <p:ph type="body" idx="1"/>
-          </p:nvPr>
-        </p:nvSpPr>
-        <p:spPr>
-          <a:xfrm>
-            <a:off x="457200" y="1081088"/>
-            <a:ext cx="2881423" cy="3532476"/>
-          </a:xfrm>
-        </p:spPr>
-        <p:txBody>
-          <a:bodyPr/>
-          <a:lstStyle/>
-          <a:p>
-            <a:pPr marL="114300" indent="0" algn="l">
-              <a:buNone/>
-            </a:pPr>
-            <a:r>
-              <a:rPr lang="en-US" b="0" i="0" u="none" strike="noStrike" baseline="0" dirty="0">
-                <a:latin typeface="+mj-lt"/>
-              </a:rPr>
-              <a:t>Server-side technologies provide access to data sources, handled security, and allowed web sites to interact with external services such as payment systems. </a:t>
-            </a:r>
-          </a:p>
-          <a:p>
-            <a:pPr marL="114300" indent="0" algn="l">
-              <a:buNone/>
-            </a:pPr>
-            <a:r>
-              <a:rPr lang="en-US" b="0" i="0" u="none" strike="noStrike" baseline="0" dirty="0">
-                <a:latin typeface="+mj-lt"/>
-              </a:rPr>
-              <a:t>Traditionally, most sites made use programs running on the server-side to programmatically generate the HTML sent to the browser.</a:t>
-            </a:r>
-            <a:endParaRPr lang="en-CA" sz="1400" dirty="0">
-              <a:latin typeface="+mj-lt"/>
-            </a:endParaRPr>
-          </a:p>
-        </p:txBody>
-      </p:sp>
-      <p:pic>
-        <p:nvPicPr>
-          <p:cNvPr id="5" name="Picture 4" descr="FIGURE 12.1 Front-end versus back-end">
-            <a:extLst>
-              <a:ext uri="{FF2B5EF4-FFF2-40B4-BE49-F238E27FC236}">
-                <a16:creationId xmlns:a16="http://schemas.microsoft.com/office/drawing/2014/main" id="{D0E3155D-F57A-45C6-89D6-A807BC23DF56}"/>
-              </a:ext>
-            </a:extLst>
-          </p:cNvPr>
-          <p:cNvPicPr>
-            <a:picLocks noChangeAspect="1"/>
-          </p:cNvPicPr>
-          <p:nvPr/>
-        </p:nvPicPr>
-        <p:blipFill>
-          <a:blip r:embed="rId2"/>
-          <a:stretch>
-            <a:fillRect/>
-          </a:stretch>
-        </p:blipFill>
-        <p:spPr>
-          <a:xfrm>
-            <a:off x="3455231" y="1042837"/>
-            <a:ext cx="5231569" cy="3608978"/>
-          </a:xfrm>
-          <a:prstGeom prst="rect">
-            <a:avLst/>
-          </a:prstGeom>
-        </p:spPr>
-      </p:pic>
-    </p:spTree>
-    <p:extLst>
-      <p:ext uri="{BB962C8B-B14F-4D97-AF65-F5344CB8AC3E}">
-        <p14:creationId xmlns:p14="http://schemas.microsoft.com/office/powerpoint/2010/main" val="3372930052"/>
-      </p:ext>
-    </p:extLst>
-  </p:cSld>
-  <p:clrMapOvr>
-    <a:masterClrMapping/>
-  </p:clrMapOvr>
-</p:sld>
-</file>
-
-<file path=ppt/slides/slide30.xml><?xml version="1.0" encoding="utf-8"?>
-<p:sld xmlns:a="http://schemas.openxmlformats.org/drawingml/2006/main" xmlns:r="http://schemas.openxmlformats.org/officeDocument/2006/relationships" xmlns:p="http://schemas.openxmlformats.org/presentationml/2006/main">
-  <p:cSld>
-    <p:spTree>
-      <p:nvGrpSpPr>
-        <p:cNvPr id="1" name=""/>
-        <p:cNvGrpSpPr/>
-        <p:nvPr/>
-      </p:nvGrpSpPr>
-      <p:grpSpPr>
-        <a:xfrm>
-          <a:off x="0" y="0"/>
-          <a:ext cx="0" cy="0"/>
-          <a:chOff x="0" y="0"/>
-          <a:chExt cx="0" cy="0"/>
-        </a:xfrm>
-      </p:grpSpPr>
-      <p:sp>
-        <p:nvSpPr>
-          <p:cNvPr id="2" name="Title 1">
-            <a:extLst>
-              <a:ext uri="{FF2B5EF4-FFF2-40B4-BE49-F238E27FC236}">
                 <a16:creationId xmlns:a16="http://schemas.microsoft.com/office/drawing/2014/main" id="{AF442581-114B-49D6-9102-741991B5FE2A}"/>
               </a:ext>
             </a:extLst>
@@ -34278,131 +31938,7 @@
 </p:sld>
 </file>
 
-<file path=ppt/slides/slide31.xml><?xml version="1.0" encoding="utf-8"?>
-<p:sld xmlns:a="http://schemas.openxmlformats.org/drawingml/2006/main" xmlns:r="http://schemas.openxmlformats.org/officeDocument/2006/relationships" xmlns:p="http://schemas.openxmlformats.org/presentationml/2006/main">
-  <p:cSld>
-    <p:spTree>
-      <p:nvGrpSpPr>
-        <p:cNvPr id="1" name=""/>
-        <p:cNvGrpSpPr/>
-        <p:nvPr/>
-      </p:nvGrpSpPr>
-      <p:grpSpPr>
-        <a:xfrm>
-          <a:off x="0" y="0"/>
-          <a:ext cx="0" cy="0"/>
-          <a:chOff x="0" y="0"/>
-          <a:chExt cx="0" cy="0"/>
-        </a:xfrm>
-      </p:grpSpPr>
-      <p:sp>
-        <p:nvSpPr>
-          <p:cNvPr id="2" name="Title 1">
-            <a:extLst>
-              <a:ext uri="{FF2B5EF4-FFF2-40B4-BE49-F238E27FC236}">
-                <a16:creationId xmlns:a16="http://schemas.microsoft.com/office/drawing/2014/main" id="{F2DC985E-D049-40CF-8E53-4F85449478E7}"/>
-              </a:ext>
-            </a:extLst>
-          </p:cNvPr>
-          <p:cNvSpPr>
-            <a:spLocks noGrp="1"/>
-          </p:cNvSpPr>
-          <p:nvPr>
-            <p:ph type="title"/>
-          </p:nvPr>
-        </p:nvSpPr>
-        <p:spPr/>
-        <p:txBody>
-          <a:bodyPr/>
-          <a:lstStyle/>
-          <a:p>
-            <a:r>
-              <a:rPr lang="en-US" dirty="0"/>
-              <a:t>Get can be dangerous</a:t>
-            </a:r>
-            <a:endParaRPr lang="en-CA" dirty="0"/>
-          </a:p>
-        </p:txBody>
-      </p:sp>
-      <p:sp>
-        <p:nvSpPr>
-          <p:cNvPr id="4" name="TextBox 3">
-            <a:extLst>
-              <a:ext uri="{FF2B5EF4-FFF2-40B4-BE49-F238E27FC236}">
-                <a16:creationId xmlns:a16="http://schemas.microsoft.com/office/drawing/2014/main" id="{0A350F64-FA43-CBFF-45DD-B635472D6911}"/>
-              </a:ext>
-            </a:extLst>
-          </p:cNvPr>
-          <p:cNvSpPr txBox="1"/>
-          <p:nvPr/>
-        </p:nvSpPr>
-        <p:spPr>
-          <a:xfrm>
-            <a:off x="4242816" y="4276380"/>
-            <a:ext cx="4572000" cy="307777"/>
-          </a:xfrm>
-          <a:prstGeom prst="rect">
-            <a:avLst/>
-          </a:prstGeom>
-          <a:noFill/>
-        </p:spPr>
-        <p:txBody>
-          <a:bodyPr wrap="square">
-            <a:spAutoFit/>
-          </a:bodyPr>
-          <a:lstStyle/>
-          <a:p>
-            <a:r>
-              <a:rPr lang="en-DK" dirty="0"/>
-              <a:t>https://koder.systime.dk/?id=140&amp;L=1#c768</a:t>
-            </a:r>
-          </a:p>
-        </p:txBody>
-      </p:sp>
-      <p:pic>
-        <p:nvPicPr>
-          <p:cNvPr id="9" name="Picture 8" descr="A screenshot of a computer&#10;&#10;AI-generated content may be incorrect.">
-            <a:extLst>
-              <a:ext uri="{FF2B5EF4-FFF2-40B4-BE49-F238E27FC236}">
-                <a16:creationId xmlns:a16="http://schemas.microsoft.com/office/drawing/2014/main" id="{77F8DFE0-B1F3-D63C-481C-35FD3B142921}"/>
-              </a:ext>
-            </a:extLst>
-          </p:cNvPr>
-          <p:cNvPicPr>
-            <a:picLocks noChangeAspect="1"/>
-          </p:cNvPicPr>
-          <p:nvPr/>
-        </p:nvPicPr>
-        <p:blipFill>
-          <a:blip r:embed="rId2"/>
-          <a:stretch>
-            <a:fillRect/>
-          </a:stretch>
-        </p:blipFill>
-        <p:spPr>
-          <a:xfrm>
-            <a:off x="838020" y="1029423"/>
-            <a:ext cx="6809591" cy="3246957"/>
-          </a:xfrm>
-          <a:prstGeom prst="rect">
-            <a:avLst/>
-          </a:prstGeom>
-        </p:spPr>
-      </p:pic>
-    </p:spTree>
-    <p:extLst>
-      <p:ext uri="{BB962C8B-B14F-4D97-AF65-F5344CB8AC3E}">
-        <p14:creationId xmlns:p14="http://schemas.microsoft.com/office/powerpoint/2010/main" val="1761305669"/>
-      </p:ext>
-    </p:extLst>
-  </p:cSld>
-  <p:clrMapOvr>
-    <a:masterClrMapping/>
-  </p:clrMapOvr>
-</p:sld>
-</file>
-
-<file path=ppt/slides/slide32.xml><?xml version="1.0" encoding="utf-8"?>
+<file path=ppt/slides/slide23.xml><?xml version="1.0" encoding="utf-8"?>
 <p:sld xmlns:a="http://schemas.openxmlformats.org/drawingml/2006/main" xmlns:r="http://schemas.openxmlformats.org/officeDocument/2006/relationships" xmlns:p="http://schemas.openxmlformats.org/presentationml/2006/main">
   <p:cSld>
     <p:spTree>
@@ -34451,7 +31987,75 @@
             </a:r>
             <a:r>
               <a:rPr lang="en-DK" dirty="0"/>
-              <a:t>eflection- Why the hacker always send a suspious link?</a:t>
+              <a:t>eflection-  Hvor </a:t>
+            </a:r>
+            <a:r>
+              <a:rPr lang="en-GB" dirty="0"/>
+              <a:t>Et backend-sprog </a:t>
+            </a:r>
+            <a:r>
+              <a:rPr lang="en-GB" dirty="0" err="1"/>
+              <a:t>som</a:t>
+            </a:r>
+            <a:r>
+              <a:rPr lang="en-GB" dirty="0"/>
+              <a:t> PHP er </a:t>
+            </a:r>
+            <a:r>
+              <a:rPr lang="en-GB" dirty="0" err="1"/>
+              <a:t>nødvendigt</a:t>
+            </a:r>
+            <a:r>
+              <a:rPr lang="en-GB" dirty="0"/>
+              <a:t> at </a:t>
+            </a:r>
+            <a:r>
+              <a:rPr lang="en-GB" dirty="0" err="1"/>
+              <a:t>lære</a:t>
+            </a:r>
+            <a:r>
+              <a:rPr lang="en-DK" dirty="0"/>
+              <a:t>?</a:t>
+            </a:r>
+          </a:p>
+        </p:txBody>
+      </p:sp>
+      <p:sp>
+        <p:nvSpPr>
+          <p:cNvPr id="3" name="Text Placeholder 2">
+            <a:extLst>
+              <a:ext uri="{FF2B5EF4-FFF2-40B4-BE49-F238E27FC236}">
+                <a16:creationId xmlns:a16="http://schemas.microsoft.com/office/drawing/2014/main" id="{C010C789-031D-C27D-8BAF-A37B9AD34F7A}"/>
+              </a:ext>
+            </a:extLst>
+          </p:cNvPr>
+          <p:cNvSpPr>
+            <a:spLocks noGrp="1"/>
+          </p:cNvSpPr>
+          <p:nvPr>
+            <p:ph type="body" idx="1"/>
+          </p:nvPr>
+        </p:nvSpPr>
+        <p:spPr>
+          <a:xfrm>
+            <a:off x="457200" y="3535541"/>
+            <a:ext cx="8229600" cy="1700646"/>
+          </a:xfrm>
+        </p:spPr>
+        <p:txBody>
+          <a:bodyPr/>
+          <a:lstStyle/>
+          <a:p>
+            <a:pPr marL="114300" indent="0">
+              <a:buNone/>
+            </a:pPr>
+            <a:r>
+              <a:rPr lang="en-GB" dirty="0"/>
+              <a:t>D</a:t>
+            </a:r>
+            <a:r>
+              <a:rPr lang="en-DK" dirty="0"/>
+              <a:t>emo: WP DB</a:t>
             </a:r>
           </a:p>
         </p:txBody>
@@ -34460,6 +32064,147 @@
     <p:extLst>
       <p:ext uri="{BB962C8B-B14F-4D97-AF65-F5344CB8AC3E}">
         <p14:creationId xmlns:p14="http://schemas.microsoft.com/office/powerpoint/2010/main" val="673080598"/>
+      </p:ext>
+    </p:extLst>
+  </p:cSld>
+  <p:clrMapOvr>
+    <a:masterClrMapping/>
+  </p:clrMapOvr>
+</p:sld>
+</file>
+
+<file path=ppt/slides/slide3.xml><?xml version="1.0" encoding="utf-8"?>
+<p:sld xmlns:a="http://schemas.openxmlformats.org/drawingml/2006/main" xmlns:r="http://schemas.openxmlformats.org/officeDocument/2006/relationships" xmlns:p="http://schemas.openxmlformats.org/presentationml/2006/main">
+  <p:cSld>
+    <p:spTree>
+      <p:nvGrpSpPr>
+        <p:cNvPr id="1" name=""/>
+        <p:cNvGrpSpPr/>
+        <p:nvPr/>
+      </p:nvGrpSpPr>
+      <p:grpSpPr>
+        <a:xfrm>
+          <a:off x="0" y="0"/>
+          <a:ext cx="0" cy="0"/>
+          <a:chOff x="0" y="0"/>
+          <a:chExt cx="0" cy="0"/>
+        </a:xfrm>
+      </p:grpSpPr>
+      <p:sp>
+        <p:nvSpPr>
+          <p:cNvPr id="2" name="Title 1">
+            <a:extLst>
+              <a:ext uri="{FF2B5EF4-FFF2-40B4-BE49-F238E27FC236}">
+                <a16:creationId xmlns:a16="http://schemas.microsoft.com/office/drawing/2014/main" id="{A28F6A71-6DEC-4854-AAB5-74D76881C826}"/>
+              </a:ext>
+            </a:extLst>
+          </p:cNvPr>
+          <p:cNvSpPr>
+            <a:spLocks noGrp="1"/>
+          </p:cNvSpPr>
+          <p:nvPr>
+            <p:ph type="title"/>
+          </p:nvPr>
+        </p:nvSpPr>
+        <p:spPr/>
+        <p:txBody>
+          <a:bodyPr/>
+          <a:lstStyle/>
+          <a:p>
+            <a:r>
+              <a:rPr lang="en-US" dirty="0"/>
+              <a:t>Front End versus Back End</a:t>
+            </a:r>
+            <a:endParaRPr lang="en-CA" dirty="0"/>
+          </a:p>
+        </p:txBody>
+      </p:sp>
+      <p:sp>
+        <p:nvSpPr>
+          <p:cNvPr id="3" name="Text Placeholder 2">
+            <a:extLst>
+              <a:ext uri="{FF2B5EF4-FFF2-40B4-BE49-F238E27FC236}">
+                <a16:creationId xmlns:a16="http://schemas.microsoft.com/office/drawing/2014/main" id="{A83CDDD6-1B93-4872-9F71-4DC6725147A1}"/>
+              </a:ext>
+            </a:extLst>
+          </p:cNvPr>
+          <p:cNvSpPr>
+            <a:spLocks noGrp="1"/>
+          </p:cNvSpPr>
+          <p:nvPr>
+            <p:ph type="body" idx="1"/>
+          </p:nvPr>
+        </p:nvSpPr>
+        <p:spPr>
+          <a:xfrm>
+            <a:off x="457200" y="1081088"/>
+            <a:ext cx="2881423" cy="3532476"/>
+          </a:xfrm>
+        </p:spPr>
+        <p:txBody>
+          <a:bodyPr/>
+          <a:lstStyle/>
+          <a:p>
+            <a:pPr marL="114300" indent="0" algn="l">
+              <a:buNone/>
+            </a:pPr>
+            <a:r>
+              <a:rPr lang="en-US" b="0" i="0" u="none" strike="noStrike" baseline="0" dirty="0">
+                <a:latin typeface="+mj-lt"/>
+              </a:rPr>
+              <a:t>Server-side technologies provide access to data sources, handled security, and allowed web sites to interact with external services such as payment systems. </a:t>
+            </a:r>
+          </a:p>
+          <a:p>
+            <a:pPr marL="114300" indent="0" algn="l">
+              <a:buNone/>
+            </a:pPr>
+            <a:r>
+              <a:rPr lang="en-US" b="0" i="0" u="none" strike="noStrike" baseline="0" dirty="0">
+                <a:latin typeface="+mj-lt"/>
+              </a:rPr>
+              <a:t>Traditionally, most sites made use programs running on the server-side to programmatically generate the HTML sent to the browser.</a:t>
+            </a:r>
+            <a:endParaRPr lang="en-CA" sz="1400" dirty="0">
+              <a:latin typeface="+mj-lt"/>
+            </a:endParaRPr>
+          </a:p>
+        </p:txBody>
+      </p:sp>
+      <p:pic>
+        <p:nvPicPr>
+          <p:cNvPr id="5" name="Picture 4" descr="FIGURE 12.1 Front-end versus back-end">
+            <a:extLst>
+              <a:ext uri="{FF2B5EF4-FFF2-40B4-BE49-F238E27FC236}">
+                <a16:creationId xmlns:a16="http://schemas.microsoft.com/office/drawing/2014/main" id="{D0E3155D-F57A-45C6-89D6-A807BC23DF56}"/>
+              </a:ext>
+            </a:extLst>
+          </p:cNvPr>
+          <p:cNvPicPr>
+            <a:picLocks noChangeAspect="1"/>
+          </p:cNvPicPr>
+          <p:nvPr/>
+        </p:nvPicPr>
+        <p:blipFill>
+          <a:blip r:embed="rId2"/>
+          <a:stretch>
+            <a:fillRect/>
+          </a:stretch>
+        </p:blipFill>
+        <p:spPr>
+          <a:xfrm>
+            <a:off x="3455231" y="1042837"/>
+            <a:ext cx="5231569" cy="3608978"/>
+          </a:xfrm>
+          <a:prstGeom prst="rect">
+            <a:avLst/>
+          </a:prstGeom>
+        </p:spPr>
+      </p:pic>
+    </p:spTree>
+    <p:extLst>
+      <p:ext uri="{BB962C8B-B14F-4D97-AF65-F5344CB8AC3E}">
+        <p14:creationId xmlns:p14="http://schemas.microsoft.com/office/powerpoint/2010/main" val="3372930052"/>
       </p:ext>
     </p:extLst>
   </p:cSld>
@@ -34571,13 +32316,9 @@
             </a:r>
           </a:p>
           <a:p>
-            <a:pPr algn="l"/>
-            <a:r>
-              <a:rPr lang="en-US" sz="1200" b="1" i="0" u="none" strike="noStrike" baseline="0" dirty="0">
-                <a:latin typeface="+mj-lt"/>
-              </a:rPr>
-              <a:t> </a:t>
-            </a:r>
+            <a:pPr marL="114300" indent="0" algn="l">
+              <a:buNone/>
+            </a:pPr>
             <a:endParaRPr lang="en-US" sz="1200" b="0" i="0" u="none" strike="noStrike" baseline="0" dirty="0">
               <a:latin typeface="+mj-lt"/>
             </a:endParaRPr>
@@ -34610,13 +32351,9 @@
             </a:r>
           </a:p>
           <a:p>
-            <a:pPr algn="l"/>
-            <a:r>
-              <a:rPr lang="en-US" sz="1200" b="1" i="0" u="none" strike="noStrike" baseline="0" dirty="0">
-                <a:latin typeface="+mj-lt"/>
-              </a:rPr>
-              <a:t> </a:t>
-            </a:r>
+            <a:pPr marL="114300" indent="0" algn="l">
+              <a:buNone/>
+            </a:pPr>
             <a:endParaRPr lang="en-US" sz="1200" b="0" i="0" u="none" strike="noStrike" baseline="0" dirty="0">
               <a:latin typeface="+mj-lt"/>
             </a:endParaRPr>
@@ -34656,30 +32393,6 @@
               </a:rPr>
               <a:t>This terse, object-oriented programming language has many uses, including being used to create web applications.</a:t>
             </a:r>
-          </a:p>
-          <a:p>
-            <a:pPr algn="l"/>
-            <a:r>
-              <a:rPr lang="en-US" sz="1200" b="1" i="0" u="none" strike="noStrike" baseline="0" dirty="0">
-                <a:latin typeface="+mj-lt"/>
-              </a:rPr>
-              <a:t>Ruby on Rails. </a:t>
-            </a:r>
-            <a:r>
-              <a:rPr lang="en-US" sz="1200" b="0" i="0" u="none" strike="noStrike" baseline="0" dirty="0">
-                <a:latin typeface="+mj-lt"/>
-              </a:rPr>
-              <a:t>This is a web development framework that uses the Ruby </a:t>
-            </a:r>
-            <a:r>
-              <a:rPr lang="en-CA" sz="1200" b="0" i="0" u="none" strike="noStrike" baseline="0" dirty="0">
-                <a:latin typeface="+mj-lt"/>
-              </a:rPr>
-              <a:t>programming language.</a:t>
-            </a:r>
-            <a:endParaRPr lang="en-CA" sz="1100" dirty="0">
-              <a:latin typeface="+mj-lt"/>
-            </a:endParaRPr>
           </a:p>
         </p:txBody>
       </p:sp>
@@ -34896,37 +32609,12 @@
           <a:p>
             <a:r>
               <a:rPr lang="en-GB" dirty="0"/>
-              <a:t>Y</a:t>
+              <a:t>W</a:t>
             </a:r>
             <a:r>
               <a:rPr lang="en-DK" dirty="0"/>
-              <a:t>our first php setup in local by flywheels</a:t>
-            </a:r>
-          </a:p>
-        </p:txBody>
-      </p:sp>
-      <p:sp>
-        <p:nvSpPr>
-          <p:cNvPr id="4" name="Text Placeholder 3">
-            <a:extLst>
-              <a:ext uri="{FF2B5EF4-FFF2-40B4-BE49-F238E27FC236}">
-                <a16:creationId xmlns:a16="http://schemas.microsoft.com/office/drawing/2014/main" id="{688E73E2-BD58-4634-8278-8A292749D63C}"/>
-              </a:ext>
-            </a:extLst>
-          </p:cNvPr>
-          <p:cNvSpPr>
-            <a:spLocks noGrp="1"/>
-          </p:cNvSpPr>
-          <p:nvPr>
-            <p:ph type="body" idx="2"/>
-          </p:nvPr>
-        </p:nvSpPr>
-        <p:spPr/>
-        <p:txBody>
-          <a:bodyPr/>
-          <a:lstStyle/>
-          <a:p>
-            <a:endParaRPr lang="en-DK"/>
+              <a:t>e continue a php setup in local by flywheels ( you can do it online as well)</a:t>
+            </a:r>
           </a:p>
         </p:txBody>
       </p:sp>
@@ -34965,7 +32653,7 @@
           <p:cNvPr id="2" name="Title 1">
             <a:extLst>
               <a:ext uri="{FF2B5EF4-FFF2-40B4-BE49-F238E27FC236}">
-                <a16:creationId xmlns:a16="http://schemas.microsoft.com/office/drawing/2014/main" id="{25B5CB75-AAB3-4CE6-9964-A028A774935E}"/>
+                <a16:creationId xmlns:a16="http://schemas.microsoft.com/office/drawing/2014/main" id="{DE736E93-F11F-C27A-2AC4-6A375F79B973}"/>
               </a:ext>
             </a:extLst>
           </p:cNvPr>
@@ -34981,10 +32669,7 @@
           <a:bodyPr/>
           <a:lstStyle/>
           <a:p>
-            <a:r>
-              <a:rPr lang="en-CA" dirty="0"/>
-              <a:t>PHP Language Fundamentals</a:t>
-            </a:r>
+            <a:endParaRPr lang="en-DK"/>
           </a:p>
         </p:txBody>
       </p:sp>
@@ -34993,7 +32678,7 @@
           <p:cNvPr id="3" name="Text Placeholder 2">
             <a:extLst>
               <a:ext uri="{FF2B5EF4-FFF2-40B4-BE49-F238E27FC236}">
-                <a16:creationId xmlns:a16="http://schemas.microsoft.com/office/drawing/2014/main" id="{0D95931E-AD02-4E8D-809F-C2387E9ECAB5}"/>
+                <a16:creationId xmlns:a16="http://schemas.microsoft.com/office/drawing/2014/main" id="{053042D4-9AFF-2C86-0AB8-1B803C8269B1}"/>
               </a:ext>
             </a:extLst>
           </p:cNvPr>
@@ -35009,48 +32694,69 @@
           <a:bodyPr/>
           <a:lstStyle/>
           <a:p>
-            <a:pPr marL="114300" indent="0" algn="l">
-              <a:buNone/>
-            </a:pPr>
-            <a:r>
-              <a:rPr lang="en-US" sz="1800" b="0" i="0" u="none" strike="noStrike" baseline="0" dirty="0">
-                <a:latin typeface="+mj-lt"/>
-              </a:rPr>
-              <a:t>PHP is a </a:t>
-            </a:r>
-            <a:r>
-              <a:rPr lang="en-CA" sz="1800" b="0" i="0" u="none" strike="noStrike" baseline="0" dirty="0">
-                <a:latin typeface="+mj-lt"/>
-              </a:rPr>
-              <a:t>a dynamically typed language (with optional static typing), and</a:t>
-            </a:r>
-            <a:r>
-              <a:rPr lang="en-US" sz="1800" b="0" i="0" u="none" strike="noStrike" baseline="0" dirty="0">
-                <a:latin typeface="+mj-lt"/>
-              </a:rPr>
-              <a:t> provides classes and functions in a way consistent with other object-oriented languages such as C++, C#, and Java. </a:t>
-            </a:r>
-          </a:p>
-          <a:p>
-            <a:pPr marL="114300" indent="0" algn="l">
-              <a:buNone/>
-            </a:pPr>
-            <a:r>
-              <a:rPr lang="en-US" sz="1800" b="0" i="0" u="none" strike="noStrike" baseline="0" dirty="0">
-                <a:latin typeface="+mj-lt"/>
-              </a:rPr>
-              <a:t>The syntax for loops, conditionals, and assignment is identical to JavaScript, only differing when you get to functions, classes, and in how you define variables.</a:t>
-            </a:r>
-            <a:endParaRPr lang="en-CA" dirty="0">
-              <a:latin typeface="+mj-lt"/>
-            </a:endParaRPr>
+            <a:endParaRPr lang="en-DK"/>
           </a:p>
         </p:txBody>
       </p:sp>
+      <p:sp>
+        <p:nvSpPr>
+          <p:cNvPr id="4" name="Text Placeholder 3">
+            <a:extLst>
+              <a:ext uri="{FF2B5EF4-FFF2-40B4-BE49-F238E27FC236}">
+                <a16:creationId xmlns:a16="http://schemas.microsoft.com/office/drawing/2014/main" id="{8A6B302F-37AE-B792-7A13-68A598A6877B}"/>
+              </a:ext>
+            </a:extLst>
+          </p:cNvPr>
+          <p:cNvSpPr>
+            <a:spLocks noGrp="1"/>
+          </p:cNvSpPr>
+          <p:nvPr>
+            <p:ph type="body" idx="2"/>
+          </p:nvPr>
+        </p:nvSpPr>
+        <p:spPr/>
+        <p:txBody>
+          <a:bodyPr/>
+          <a:lstStyle/>
+          <a:p>
+            <a:endParaRPr lang="en-DK"/>
+          </a:p>
+        </p:txBody>
+      </p:sp>
+      <p:pic>
+        <p:nvPicPr>
+          <p:cNvPr id="6" name="Picture 5" descr="A screenshot of a computer&#10;&#10;AI-generated content may be incorrect.">
+            <a:extLst>
+              <a:ext uri="{FF2B5EF4-FFF2-40B4-BE49-F238E27FC236}">
+                <a16:creationId xmlns:a16="http://schemas.microsoft.com/office/drawing/2014/main" id="{2A407374-6575-749E-AFC6-1C152310FD61}"/>
+              </a:ext>
+            </a:extLst>
+          </p:cNvPr>
+          <p:cNvPicPr>
+            <a:picLocks noChangeAspect="1"/>
+          </p:cNvPicPr>
+          <p:nvPr/>
+        </p:nvPicPr>
+        <p:blipFill>
+          <a:blip r:embed="rId2"/>
+          <a:stretch>
+            <a:fillRect/>
+          </a:stretch>
+        </p:blipFill>
+        <p:spPr>
+          <a:xfrm>
+            <a:off x="311150" y="95250"/>
+            <a:ext cx="7772400" cy="4517490"/>
+          </a:xfrm>
+          <a:prstGeom prst="rect">
+            <a:avLst/>
+          </a:prstGeom>
+        </p:spPr>
+      </p:pic>
     </p:spTree>
     <p:extLst>
       <p:ext uri="{BB962C8B-B14F-4D97-AF65-F5344CB8AC3E}">
-        <p14:creationId xmlns:p14="http://schemas.microsoft.com/office/powerpoint/2010/main" val="121340062"/>
+        <p14:creationId xmlns:p14="http://schemas.microsoft.com/office/powerpoint/2010/main" val="4184133727"/>
       </p:ext>
     </p:extLst>
   </p:cSld>
@@ -35093,19 +32799,14 @@
             <p:ph type="title"/>
           </p:nvPr>
         </p:nvSpPr>
-        <p:spPr>
-          <a:xfrm>
-            <a:off x="455612" y="204059"/>
-            <a:ext cx="8229600" cy="822959"/>
-          </a:xfrm>
-        </p:spPr>
+        <p:spPr/>
         <p:txBody>
           <a:bodyPr/>
           <a:lstStyle/>
           <a:p>
             <a:r>
               <a:rPr lang="en-CA" dirty="0"/>
-              <a:t>PHP Tags and comments</a:t>
+              <a:t>PHP Language Fundamentals</a:t>
             </a:r>
           </a:p>
         </p:txBody>
@@ -35126,12 +32827,7 @@
             <p:ph type="body" idx="1"/>
           </p:nvPr>
         </p:nvSpPr>
-        <p:spPr>
-          <a:xfrm>
-            <a:off x="455612" y="1123619"/>
-            <a:ext cx="8232775" cy="3532476"/>
-          </a:xfrm>
-        </p:spPr>
+        <p:spPr/>
         <p:txBody>
           <a:bodyPr/>
           <a:lstStyle/>
@@ -35141,48 +32837,21 @@
             </a:pPr>
             <a:r>
               <a:rPr lang="en-US" sz="1800" b="0" i="0" u="none" strike="noStrike" baseline="0" dirty="0">
-                <a:solidFill>
-                  <a:srgbClr val="000000"/>
-                </a:solidFill>
                 <a:latin typeface="+mj-lt"/>
               </a:rPr>
-              <a:t>PHP code can be embedded directly within an HTML file. However, instead of having an </a:t>
-            </a:r>
-            <a:r>
-              <a:rPr lang="en-US" sz="1800" b="1" i="0" u="none" strike="noStrike" baseline="0" dirty="0">
-                <a:solidFill>
-                  <a:srgbClr val="003333"/>
-                </a:solidFill>
+              <a:t>PHP is a </a:t>
+            </a:r>
+            <a:r>
+              <a:rPr lang="en-CA" sz="1800" b="0" i="0" u="none" strike="noStrike" baseline="0" dirty="0">
                 <a:latin typeface="+mj-lt"/>
               </a:rPr>
-              <a:t>.html </a:t>
+              <a:t>a dynamically typed language (with optional static typing), and</a:t>
             </a:r>
             <a:r>
               <a:rPr lang="en-US" sz="1800" b="0" i="0" u="none" strike="noStrike" baseline="0" dirty="0">
-                <a:solidFill>
-                  <a:srgbClr val="000000"/>
-                </a:solidFill>
                 <a:latin typeface="+mj-lt"/>
               </a:rPr>
-              <a:t>extension, a PHP file will usually have the extension </a:t>
-            </a:r>
-            <a:r>
-              <a:rPr lang="en-US" sz="1800" b="1" i="0" u="none" strike="noStrike" baseline="0" dirty="0">
-                <a:solidFill>
-                  <a:srgbClr val="003333"/>
-                </a:solidFill>
-                <a:latin typeface="+mj-lt"/>
-              </a:rPr>
-              <a:t>.php</a:t>
-            </a:r>
-            <a:r>
-              <a:rPr lang="en-US" sz="1800" b="0" i="0" u="none" strike="noStrike" baseline="0" dirty="0">
-                <a:solidFill>
-                  <a:srgbClr val="000000"/>
-                </a:solidFill>
-                <a:latin typeface="+mj-lt"/>
-              </a:rPr>
-              <a:t>.</a:t>
+              <a:t> provides classes and functions in a way consistent with other object-oriented languages such as C++, C#, and Java. </a:t>
             </a:r>
           </a:p>
           <a:p>
@@ -35193,101 +32862,19 @@
               <a:rPr lang="en-US" sz="1800" b="0" i="0" u="none" strike="noStrike" baseline="0" dirty="0">
                 <a:latin typeface="+mj-lt"/>
               </a:rPr>
-              <a:t>Code must be contained within an opening </a:t>
-            </a:r>
-            <a:r>
-              <a:rPr lang="en-US" sz="1800" b="1" i="0" u="none" strike="noStrike" baseline="0" dirty="0">
+              <a:t>The syntax for loops, conditionals, and assignment is identical to </a:t>
+            </a:r>
+            <a:r>
+              <a:rPr lang="en-US" sz="1800" b="0" i="0" u="sng" strike="noStrike" baseline="0" dirty="0">
                 <a:latin typeface="+mj-lt"/>
               </a:rPr>
-              <a:t>&lt;?php </a:t>
+              <a:t>JavaScript, </a:t>
             </a:r>
             <a:r>
               <a:rPr lang="en-US" sz="1800" b="0" i="0" u="none" strike="noStrike" baseline="0" dirty="0">
                 <a:latin typeface="+mj-lt"/>
               </a:rPr>
-              <a:t>tag and a matching </a:t>
-            </a:r>
-            <a:r>
-              <a:rPr lang="en-CA" sz="1800" b="0" i="0" u="none" strike="noStrike" baseline="0" dirty="0">
-                <a:latin typeface="+mj-lt"/>
-              </a:rPr>
-              <a:t>closing </a:t>
-            </a:r>
-            <a:r>
-              <a:rPr lang="en-CA" sz="1800" b="1" i="0" u="none" strike="noStrike" baseline="0" dirty="0">
-                <a:latin typeface="+mj-lt"/>
-              </a:rPr>
-              <a:t>?&gt;</a:t>
-            </a:r>
-            <a:r>
-              <a:rPr lang="en-CA" sz="1800" b="0" i="0" u="none" strike="noStrike" baseline="0" dirty="0">
-                <a:latin typeface="+mj-lt"/>
-              </a:rPr>
-              <a:t> tag. </a:t>
-            </a:r>
-            <a:r>
-              <a:rPr lang="en-CA" sz="1800" dirty="0">
-                <a:latin typeface="+mj-lt"/>
-              </a:rPr>
-              <a:t>C</a:t>
-            </a:r>
-            <a:r>
-              <a:rPr lang="en-CA" sz="1800" b="0" i="0" u="none" strike="noStrike" baseline="0" dirty="0">
-                <a:latin typeface="+mj-lt"/>
-              </a:rPr>
-              <a:t>ode</a:t>
-            </a:r>
-            <a:r>
-              <a:rPr lang="en-CA" sz="1800" dirty="0">
-                <a:latin typeface="+mj-lt"/>
-              </a:rPr>
-              <a:t> </a:t>
-            </a:r>
-            <a:r>
-              <a:rPr lang="en-US" sz="1800" b="0" i="0" u="none" strike="noStrike" baseline="0" dirty="0">
-                <a:latin typeface="+mj-lt"/>
-              </a:rPr>
-              <a:t>within the &lt;?php and the ?&gt; tags is interpreted and executed, while any code outside the tags is echoed directly out to the client.</a:t>
-            </a:r>
-          </a:p>
-          <a:p>
-            <a:pPr marL="114300" indent="0" algn="l">
-              <a:buNone/>
-            </a:pPr>
-            <a:r>
-              <a:rPr lang="en-US" sz="1800" dirty="0">
-                <a:latin typeface="+mj-lt"/>
-              </a:rPr>
-              <a:t>It is v</a:t>
-            </a:r>
-            <a:r>
-              <a:rPr lang="en-US" sz="1800" b="0" i="0" u="none" strike="noStrike" baseline="0" dirty="0">
-                <a:latin typeface="+mj-lt"/>
-              </a:rPr>
-              <a:t>ery common practice (especially when first learning PHP) for a PHP file to have HTML markup and PHP programming logic </a:t>
-            </a:r>
-            <a:r>
-              <a:rPr lang="en-CA" sz="1800" b="0" i="0" u="none" strike="noStrike" baseline="0" dirty="0">
-                <a:latin typeface="+mj-lt"/>
-              </a:rPr>
-              <a:t>woven together.</a:t>
-            </a:r>
-          </a:p>
-          <a:p>
-            <a:pPr marL="114300" indent="0" algn="l">
-              <a:buNone/>
-            </a:pPr>
-            <a:r>
-              <a:rPr lang="en-CA" sz="1800" b="0" i="0" u="none" strike="noStrike" baseline="0" dirty="0">
-                <a:latin typeface="+mj-lt"/>
-              </a:rPr>
-              <a:t>PHP uses the </a:t>
-            </a:r>
-            <a:r>
-              <a:rPr lang="en-US" sz="1800" b="0" i="0" u="none" strike="noStrike" baseline="0" dirty="0">
-                <a:latin typeface="+mj-lt"/>
-              </a:rPr>
-              <a:t>same commenting mechanisms as JavaScript, namely multi-line block comments using /* */ or end-of-line comments using //</a:t>
+              <a:t>only differing when you get to functions, classes, and in how you define variables.</a:t>
             </a:r>
             <a:endParaRPr lang="en-CA" dirty="0">
               <a:latin typeface="+mj-lt"/>
@@ -35298,7 +32885,7 @@
     </p:spTree>
     <p:extLst>
       <p:ext uri="{BB962C8B-B14F-4D97-AF65-F5344CB8AC3E}">
-        <p14:creationId xmlns:p14="http://schemas.microsoft.com/office/powerpoint/2010/main" val="240030629"/>
+        <p14:creationId xmlns:p14="http://schemas.microsoft.com/office/powerpoint/2010/main" val="121340062"/>
       </p:ext>
     </p:extLst>
   </p:cSld>
@@ -35330,7 +32917,7 @@
           <p:cNvPr id="2" name="Title 1">
             <a:extLst>
               <a:ext uri="{FF2B5EF4-FFF2-40B4-BE49-F238E27FC236}">
-                <a16:creationId xmlns:a16="http://schemas.microsoft.com/office/drawing/2014/main" id="{7E9FD862-3CCD-4AE2-B8F2-48E9F0FBCEAE}"/>
+                <a16:creationId xmlns:a16="http://schemas.microsoft.com/office/drawing/2014/main" id="{25B5CB75-AAB3-4CE6-9964-A028A774935E}"/>
               </a:ext>
             </a:extLst>
           </p:cNvPr>
@@ -35341,559 +32928,174 @@
             <p:ph type="title"/>
           </p:nvPr>
         </p:nvSpPr>
-        <p:spPr/>
+        <p:spPr>
+          <a:xfrm>
+            <a:off x="455612" y="204059"/>
+            <a:ext cx="8229600" cy="822959"/>
+          </a:xfrm>
+        </p:spPr>
         <p:txBody>
           <a:bodyPr/>
           <a:lstStyle/>
           <a:p>
             <a:r>
               <a:rPr lang="en-CA" dirty="0"/>
-              <a:t>PHP Tag Example</a:t>
+              <a:t>PHP Tags and comments</a:t>
             </a:r>
           </a:p>
         </p:txBody>
       </p:sp>
       <p:sp>
         <p:nvSpPr>
-          <p:cNvPr id="4" name="TextBox 3" descr="LISTING 4.2 Embedded styles example">
+          <p:cNvPr id="3" name="Text Placeholder 2">
             <a:extLst>
               <a:ext uri="{FF2B5EF4-FFF2-40B4-BE49-F238E27FC236}">
-                <a16:creationId xmlns:a16="http://schemas.microsoft.com/office/drawing/2014/main" id="{2CE24D59-FA92-4FA6-BC8D-887826959F49}"/>
+                <a16:creationId xmlns:a16="http://schemas.microsoft.com/office/drawing/2014/main" id="{0D95931E-AD02-4E8D-809F-C2387E9ECAB5}"/>
               </a:ext>
             </a:extLst>
           </p:cNvPr>
-          <p:cNvSpPr txBox="1"/>
-          <p:nvPr/>
+          <p:cNvSpPr>
+            <a:spLocks noGrp="1"/>
+          </p:cNvSpPr>
+          <p:nvPr>
+            <p:ph type="body" idx="1"/>
+          </p:nvPr>
         </p:nvSpPr>
         <p:spPr>
           <a:xfrm>
-            <a:off x="457200" y="984487"/>
-            <a:ext cx="4114800" cy="3488361"/>
+            <a:off x="455612" y="1123619"/>
+            <a:ext cx="8232775" cy="3532476"/>
           </a:xfrm>
-          <a:prstGeom prst="rect">
-            <a:avLst/>
-          </a:prstGeom>
-          <a:solidFill>
-            <a:srgbClr val="E6F0F5"/>
-          </a:solidFill>
         </p:spPr>
         <p:txBody>
-          <a:bodyPr wrap="square" numCol="1" rtlCol="0">
-            <a:noAutofit/>
-          </a:bodyPr>
+          <a:bodyPr/>
           <a:lstStyle/>
           <a:p>
-            <a:pPr algn="l" defTabSz="360000"/>
-            <a:r>
-              <a:rPr lang="en-CA" b="0" i="0" u="none" strike="noStrike" baseline="0" dirty="0">
-                <a:solidFill>
-                  <a:srgbClr val="9A0000"/>
-                </a:solidFill>
-                <a:latin typeface="Calibri" panose="020F0502020204030204" pitchFamily="34" charset="0"/>
-                <a:cs typeface="Calibri" panose="020F0502020204030204" pitchFamily="34" charset="0"/>
+            <a:pPr marL="114300" indent="0" algn="l">
+              <a:buNone/>
+            </a:pPr>
+            <a:r>
+              <a:rPr lang="en-US" sz="1800" b="0" i="0" u="none" strike="noStrike" baseline="0" dirty="0">
+                <a:solidFill>
+                  <a:srgbClr val="000000"/>
+                </a:solidFill>
+                <a:latin typeface="+mj-lt"/>
               </a:rPr>
-              <a:t>&lt;?php</a:t>
+              <a:t>PHP code can be embedded directly within an HTML file. However, instead of having an </a:t>
+            </a:r>
+            <a:r>
+              <a:rPr lang="en-US" sz="1800" b="1" i="0" u="none" strike="noStrike" baseline="0" dirty="0">
+                <a:solidFill>
+                  <a:srgbClr val="003333"/>
+                </a:solidFill>
+                <a:latin typeface="+mj-lt"/>
+              </a:rPr>
+              <a:t>.html </a:t>
+            </a:r>
+            <a:r>
+              <a:rPr lang="en-US" sz="1800" b="0" i="0" u="none" strike="noStrike" baseline="0" dirty="0">
+                <a:solidFill>
+                  <a:srgbClr val="000000"/>
+                </a:solidFill>
+                <a:latin typeface="+mj-lt"/>
+              </a:rPr>
+              <a:t>extension, a PHP file will usually have the extension </a:t>
+            </a:r>
+            <a:r>
+              <a:rPr lang="en-US" sz="1800" b="1" i="0" u="none" strike="noStrike" baseline="0" dirty="0">
+                <a:solidFill>
+                  <a:srgbClr val="003333"/>
+                </a:solidFill>
+                <a:latin typeface="+mj-lt"/>
+              </a:rPr>
+              <a:t>.php</a:t>
+            </a:r>
+            <a:r>
+              <a:rPr lang="en-US" sz="1800" b="0" i="0" u="none" strike="noStrike" baseline="0" dirty="0">
+                <a:solidFill>
+                  <a:srgbClr val="000000"/>
+                </a:solidFill>
+                <a:latin typeface="+mj-lt"/>
+              </a:rPr>
+              <a:t>.</a:t>
             </a:r>
           </a:p>
           <a:p>
-            <a:pPr algn="l" defTabSz="360000"/>
-            <a:r>
-              <a:rPr lang="en-CA" b="0" i="0" u="none" strike="noStrike" baseline="0" dirty="0">
-                <a:solidFill>
-                  <a:srgbClr val="9A0000"/>
-                </a:solidFill>
-                <a:latin typeface="Calibri" panose="020F0502020204030204" pitchFamily="34" charset="0"/>
-                <a:cs typeface="Calibri" panose="020F0502020204030204" pitchFamily="34" charset="0"/>
+            <a:pPr marL="114300" indent="0" algn="l">
+              <a:buNone/>
+            </a:pPr>
+            <a:r>
+              <a:rPr lang="en-US" sz="1800" b="0" i="0" u="none" strike="noStrike" baseline="0" dirty="0">
+                <a:latin typeface="+mj-lt"/>
               </a:rPr>
-              <a:t>	$user = "Randy";</a:t>
-            </a:r>
-          </a:p>
-          <a:p>
-            <a:pPr algn="l" defTabSz="360000"/>
-            <a:r>
-              <a:rPr lang="en-CA" b="0" i="0" u="none" strike="noStrike" baseline="0" dirty="0">
-                <a:solidFill>
-                  <a:srgbClr val="9A0000"/>
-                </a:solidFill>
-                <a:latin typeface="Calibri" panose="020F0502020204030204" pitchFamily="34" charset="0"/>
-                <a:cs typeface="Calibri" panose="020F0502020204030204" pitchFamily="34" charset="0"/>
+              <a:t>Code must be contained within an opening </a:t>
+            </a:r>
+            <a:r>
+              <a:rPr lang="en-US" sz="1800" b="1" i="0" u="none" strike="noStrike" baseline="0" dirty="0">
+                <a:latin typeface="+mj-lt"/>
+              </a:rPr>
+              <a:t>&lt;?php </a:t>
+            </a:r>
+            <a:r>
+              <a:rPr lang="en-US" sz="1800" b="0" i="0" u="none" strike="noStrike" baseline="0" dirty="0">
+                <a:latin typeface="+mj-lt"/>
+              </a:rPr>
+              <a:t>tag and a matching </a:t>
+            </a:r>
+            <a:r>
+              <a:rPr lang="en-CA" sz="1800" b="0" i="0" u="none" strike="noStrike" baseline="0" dirty="0">
+                <a:latin typeface="+mj-lt"/>
+              </a:rPr>
+              <a:t>closing </a:t>
+            </a:r>
+            <a:r>
+              <a:rPr lang="en-CA" sz="1800" b="1" i="0" u="none" strike="noStrike" baseline="0" dirty="0">
+                <a:latin typeface="+mj-lt"/>
               </a:rPr>
               <a:t>?&gt;</a:t>
             </a:r>
-          </a:p>
-          <a:p>
-            <a:pPr algn="l" defTabSz="360000"/>
-            <a:r>
-              <a:rPr lang="en-CA" b="0" i="0" u="none" strike="noStrike" baseline="0" dirty="0">
-                <a:solidFill>
-                  <a:srgbClr val="000000"/>
-                </a:solidFill>
-                <a:latin typeface="Calibri" panose="020F0502020204030204" pitchFamily="34" charset="0"/>
-                <a:cs typeface="Calibri" panose="020F0502020204030204" pitchFamily="34" charset="0"/>
-              </a:rPr>
-              <a:t>&lt;!DOCTYPE html&gt;</a:t>
-            </a:r>
-          </a:p>
-          <a:p>
-            <a:pPr algn="l" defTabSz="360000"/>
-            <a:r>
-              <a:rPr lang="en-CA" b="0" i="0" u="none" strike="noStrike" baseline="0" dirty="0">
-                <a:solidFill>
-                  <a:srgbClr val="000000"/>
-                </a:solidFill>
-                <a:latin typeface="Calibri" panose="020F0502020204030204" pitchFamily="34" charset="0"/>
-                <a:cs typeface="Calibri" panose="020F0502020204030204" pitchFamily="34" charset="0"/>
-              </a:rPr>
-              <a:t>&lt;html&gt;</a:t>
-            </a:r>
-          </a:p>
-          <a:p>
-            <a:pPr algn="l" defTabSz="360000"/>
-            <a:r>
-              <a:rPr lang="en-CA" b="0" i="0" u="none" strike="noStrike" baseline="0" dirty="0">
-                <a:solidFill>
-                  <a:srgbClr val="000000"/>
-                </a:solidFill>
-                <a:latin typeface="Calibri" panose="020F0502020204030204" pitchFamily="34" charset="0"/>
-                <a:cs typeface="Calibri" panose="020F0502020204030204" pitchFamily="34" charset="0"/>
-              </a:rPr>
-              <a:t>	&lt;body&gt;</a:t>
-            </a:r>
-          </a:p>
-          <a:p>
-            <a:pPr algn="l" defTabSz="360000"/>
-            <a:r>
-              <a:rPr lang="pt-BR" b="0" i="0" u="none" strike="noStrike" baseline="0" dirty="0">
-                <a:solidFill>
-                  <a:srgbClr val="000000"/>
-                </a:solidFill>
-                <a:latin typeface="Calibri" panose="020F0502020204030204" pitchFamily="34" charset="0"/>
-                <a:cs typeface="Calibri" panose="020F0502020204030204" pitchFamily="34" charset="0"/>
-              </a:rPr>
-              <a:t>	&lt;h1&gt;Welcome </a:t>
-            </a:r>
-            <a:r>
-              <a:rPr lang="pt-BR" b="0" i="0" u="none" strike="noStrike" baseline="0" dirty="0">
-                <a:solidFill>
-                  <a:srgbClr val="9A0000"/>
-                </a:solidFill>
-                <a:latin typeface="Calibri" panose="020F0502020204030204" pitchFamily="34" charset="0"/>
-                <a:cs typeface="Calibri" panose="020F0502020204030204" pitchFamily="34" charset="0"/>
-              </a:rPr>
-              <a:t>&lt;?php echo $user; ?&gt;</a:t>
-            </a:r>
-            <a:r>
-              <a:rPr lang="pt-BR" b="0" i="0" u="none" strike="noStrike" baseline="0" dirty="0">
-                <a:solidFill>
-                  <a:srgbClr val="000000"/>
-                </a:solidFill>
-                <a:latin typeface="Calibri" panose="020F0502020204030204" pitchFamily="34" charset="0"/>
-                <a:cs typeface="Calibri" panose="020F0502020204030204" pitchFamily="34" charset="0"/>
-              </a:rPr>
-              <a:t>&lt;/h1&gt;</a:t>
-            </a:r>
-          </a:p>
-          <a:p>
-            <a:pPr algn="l" defTabSz="360000"/>
-            <a:r>
-              <a:rPr lang="en-CA" b="0" i="0" u="none" strike="noStrike" baseline="0" dirty="0">
-                <a:solidFill>
-                  <a:srgbClr val="000000"/>
-                </a:solidFill>
-                <a:latin typeface="Calibri" panose="020F0502020204030204" pitchFamily="34" charset="0"/>
-                <a:cs typeface="Calibri" panose="020F0502020204030204" pitchFamily="34" charset="0"/>
-              </a:rPr>
-              <a:t>	&lt;p&gt;</a:t>
-            </a:r>
-          </a:p>
-          <a:p>
-            <a:pPr algn="l" defTabSz="360000"/>
-            <a:r>
-              <a:rPr lang="en-CA" b="0" i="0" u="none" strike="noStrike" baseline="0" dirty="0">
-                <a:solidFill>
-                  <a:srgbClr val="000000"/>
-                </a:solidFill>
-                <a:latin typeface="Calibri" panose="020F0502020204030204" pitchFamily="34" charset="0"/>
-                <a:cs typeface="Calibri" panose="020F0502020204030204" pitchFamily="34" charset="0"/>
-              </a:rPr>
-              <a:t>The server time is</a:t>
-            </a:r>
-          </a:p>
-          <a:p>
-            <a:pPr algn="l" defTabSz="360000"/>
-            <a:r>
-              <a:rPr lang="en-CA" b="0" i="0" u="none" strike="noStrike" baseline="0" dirty="0">
-                <a:solidFill>
-                  <a:srgbClr val="9A0000"/>
-                </a:solidFill>
-                <a:latin typeface="Calibri" panose="020F0502020204030204" pitchFamily="34" charset="0"/>
-                <a:cs typeface="Calibri" panose="020F0502020204030204" pitchFamily="34" charset="0"/>
-              </a:rPr>
-              <a:t>&lt;?php</a:t>
-            </a:r>
-          </a:p>
-          <a:p>
-            <a:pPr algn="l" defTabSz="360000"/>
-            <a:r>
-              <a:rPr lang="en-CA" b="0" i="0" u="none" strike="noStrike" baseline="0" dirty="0">
-                <a:solidFill>
-                  <a:srgbClr val="9A0000"/>
-                </a:solidFill>
-                <a:latin typeface="Calibri" panose="020F0502020204030204" pitchFamily="34" charset="0"/>
-                <a:cs typeface="Calibri" panose="020F0502020204030204" pitchFamily="34" charset="0"/>
-              </a:rPr>
-              <a:t>echo "&lt;strong&gt;";</a:t>
-            </a:r>
-          </a:p>
-          <a:p>
-            <a:pPr algn="l" defTabSz="360000"/>
-            <a:r>
-              <a:rPr lang="en-CA" b="0" i="0" u="none" strike="noStrike" baseline="0" dirty="0">
-                <a:solidFill>
-                  <a:srgbClr val="9A0000"/>
-                </a:solidFill>
-                <a:latin typeface="Calibri" panose="020F0502020204030204" pitchFamily="34" charset="0"/>
-                <a:cs typeface="Calibri" panose="020F0502020204030204" pitchFamily="34" charset="0"/>
-              </a:rPr>
-              <a:t>echo date("H:i:s");</a:t>
-            </a:r>
-          </a:p>
-          <a:p>
-            <a:pPr algn="l" defTabSz="360000"/>
-            <a:r>
-              <a:rPr lang="en-CA" b="0" i="0" u="none" strike="noStrike" baseline="0" dirty="0">
-                <a:solidFill>
-                  <a:srgbClr val="9A0000"/>
-                </a:solidFill>
-                <a:latin typeface="Calibri" panose="020F0502020204030204" pitchFamily="34" charset="0"/>
-                <a:cs typeface="Calibri" panose="020F0502020204030204" pitchFamily="34" charset="0"/>
-              </a:rPr>
-              <a:t>echo "&lt;/strong&gt;";</a:t>
-            </a:r>
-          </a:p>
-          <a:p>
-            <a:pPr algn="l" defTabSz="360000"/>
-            <a:r>
-              <a:rPr lang="en-CA" b="0" i="0" u="none" strike="noStrike" baseline="0" dirty="0">
-                <a:solidFill>
-                  <a:srgbClr val="9A0000"/>
-                </a:solidFill>
-                <a:latin typeface="Calibri" panose="020F0502020204030204" pitchFamily="34" charset="0"/>
-                <a:cs typeface="Calibri" panose="020F0502020204030204" pitchFamily="34" charset="0"/>
-              </a:rPr>
-              <a:t>?&gt;</a:t>
-            </a:r>
-          </a:p>
-          <a:p>
-            <a:pPr algn="l" defTabSz="360000"/>
-            <a:r>
-              <a:rPr lang="en-CA" b="0" i="0" u="none" strike="noStrike" baseline="0" dirty="0">
-                <a:solidFill>
-                  <a:srgbClr val="000000"/>
-                </a:solidFill>
-                <a:latin typeface="Calibri" panose="020F0502020204030204" pitchFamily="34" charset="0"/>
-                <a:cs typeface="Calibri" panose="020F0502020204030204" pitchFamily="34" charset="0"/>
-              </a:rPr>
-              <a:t>&lt;/p&gt;&lt;/body&gt;&lt;/html&gt;</a:t>
-            </a:r>
-            <a:endParaRPr lang="en-CA" sz="900" b="0" i="0" u="none" strike="noStrike" baseline="0" dirty="0">
-              <a:solidFill>
-                <a:srgbClr val="000000"/>
-              </a:solidFill>
-              <a:latin typeface="Calibri" panose="020F0502020204030204" pitchFamily="34" charset="0"/>
-              <a:cs typeface="Calibri" panose="020F0502020204030204" pitchFamily="34" charset="0"/>
-            </a:endParaRPr>
-          </a:p>
-        </p:txBody>
-      </p:sp>
-      <p:sp>
-        <p:nvSpPr>
-          <p:cNvPr id="5" name="TextBox 4">
-            <a:extLst>
-              <a:ext uri="{FF2B5EF4-FFF2-40B4-BE49-F238E27FC236}">
-                <a16:creationId xmlns:a16="http://schemas.microsoft.com/office/drawing/2014/main" id="{B9336AE0-84FF-442E-9037-C169AF4E468F}"/>
-              </a:ext>
-            </a:extLst>
-          </p:cNvPr>
-          <p:cNvSpPr txBox="1"/>
-          <p:nvPr/>
-        </p:nvSpPr>
-        <p:spPr>
-          <a:xfrm>
-            <a:off x="457200" y="4472848"/>
-            <a:ext cx="4114800" cy="276999"/>
-          </a:xfrm>
-          <a:prstGeom prst="rect">
-            <a:avLst/>
-          </a:prstGeom>
-          <a:noFill/>
-        </p:spPr>
-        <p:txBody>
-          <a:bodyPr wrap="square" rtlCol="0">
-            <a:spAutoFit/>
-          </a:bodyPr>
-          <a:lstStyle/>
-          <a:p>
-            <a:r>
-              <a:rPr lang="en-US" sz="1200" b="1" i="0" u="none" strike="noStrike" baseline="0" dirty="0">
-                <a:solidFill>
-                  <a:srgbClr val="009A9A"/>
-                </a:solidFill>
+            <a:r>
+              <a:rPr lang="en-CA" sz="1800" b="0" i="0" u="none" strike="noStrike" baseline="0" dirty="0">
                 <a:latin typeface="+mj-lt"/>
               </a:rPr>
-              <a:t>LISTING 12.1 </a:t>
-            </a:r>
-            <a:r>
-              <a:rPr lang="en-US" sz="1200" b="0" i="0" u="none" strike="noStrike" baseline="0" dirty="0">
-                <a:solidFill>
-                  <a:srgbClr val="000000"/>
-                </a:solidFill>
+              <a:t> tag</a:t>
+            </a:r>
+            <a:r>
+              <a:rPr lang="da-DK" sz="1800" b="0" i="0" u="none" strike="noStrike" baseline="0" dirty="0">
                 <a:latin typeface="+mj-lt"/>
               </a:rPr>
-              <a:t>Php Tags</a:t>
-            </a:r>
-            <a:endParaRPr lang="en-CA" sz="1200" dirty="0">
+              <a:t> </a:t>
+            </a:r>
+            <a:endParaRPr lang="en-CA" sz="1800" b="0" i="0" u="none" strike="noStrike" baseline="0" dirty="0">
               <a:latin typeface="+mj-lt"/>
             </a:endParaRPr>
           </a:p>
-        </p:txBody>
-      </p:sp>
-      <p:sp>
-        <p:nvSpPr>
-          <p:cNvPr id="8" name="TextBox 7" descr="LISTING 4.2 Embedded styles example">
-            <a:extLst>
-              <a:ext uri="{FF2B5EF4-FFF2-40B4-BE49-F238E27FC236}">
-                <a16:creationId xmlns:a16="http://schemas.microsoft.com/office/drawing/2014/main" id="{94A7D41F-4576-4731-B1B7-7E467D9DA4E2}"/>
-              </a:ext>
-            </a:extLst>
-          </p:cNvPr>
-          <p:cNvSpPr txBox="1"/>
-          <p:nvPr/>
-        </p:nvSpPr>
-        <p:spPr>
-          <a:xfrm>
-            <a:off x="5266063" y="984486"/>
-            <a:ext cx="3573137" cy="2045153"/>
-          </a:xfrm>
-          <a:prstGeom prst="rect">
-            <a:avLst/>
-          </a:prstGeom>
-          <a:solidFill>
-            <a:srgbClr val="E6F0F5"/>
-          </a:solidFill>
-        </p:spPr>
-        <p:txBody>
-          <a:bodyPr wrap="square" numCol="1" rtlCol="0">
-            <a:noAutofit/>
-          </a:bodyPr>
-          <a:lstStyle/>
           <a:p>
-            <a:pPr algn="l"/>
-            <a:r>
-              <a:rPr lang="en-CA" b="0" i="0" u="none" strike="noStrike" baseline="0" dirty="0">
-                <a:latin typeface="Calibri" panose="020F0502020204030204" pitchFamily="34" charset="0"/>
-                <a:cs typeface="Calibri" panose="020F0502020204030204" pitchFamily="34" charset="0"/>
-              </a:rPr>
-              <a:t>&lt;!DOCTYPE html&gt;</a:t>
-            </a:r>
-          </a:p>
-          <a:p>
-            <a:pPr algn="l"/>
-            <a:r>
-              <a:rPr lang="en-CA" b="0" i="0" u="none" strike="noStrike" baseline="0" dirty="0">
-                <a:latin typeface="Calibri" panose="020F0502020204030204" pitchFamily="34" charset="0"/>
-                <a:cs typeface="Calibri" panose="020F0502020204030204" pitchFamily="34" charset="0"/>
-              </a:rPr>
-              <a:t>&lt;html&gt;</a:t>
-            </a:r>
-          </a:p>
-          <a:p>
-            <a:pPr algn="l"/>
-            <a:r>
-              <a:rPr lang="en-CA" b="0" i="0" u="none" strike="noStrike" baseline="0" dirty="0">
-                <a:latin typeface="Calibri" panose="020F0502020204030204" pitchFamily="34" charset="0"/>
-                <a:cs typeface="Calibri" panose="020F0502020204030204" pitchFamily="34" charset="0"/>
-              </a:rPr>
-              <a:t>&lt;body&gt;</a:t>
-            </a:r>
-          </a:p>
-          <a:p>
-            <a:pPr algn="l"/>
-            <a:r>
-              <a:rPr lang="en-CA" b="0" i="0" u="none" strike="noStrike" baseline="0" dirty="0">
-                <a:latin typeface="Calibri" panose="020F0502020204030204" pitchFamily="34" charset="0"/>
-                <a:cs typeface="Calibri" panose="020F0502020204030204" pitchFamily="34" charset="0"/>
-              </a:rPr>
-              <a:t>&lt;h1&gt;Welcome Randy&lt;/h1&gt;</a:t>
-            </a:r>
-          </a:p>
-          <a:p>
-            <a:pPr algn="l"/>
-            <a:r>
-              <a:rPr lang="en-CA" b="0" i="0" u="none" strike="noStrike" baseline="0" dirty="0">
-                <a:latin typeface="Calibri" panose="020F0502020204030204" pitchFamily="34" charset="0"/>
-                <a:cs typeface="Calibri" panose="020F0502020204030204" pitchFamily="34" charset="0"/>
-              </a:rPr>
-              <a:t>&lt;p&gt;</a:t>
-            </a:r>
-          </a:p>
-          <a:p>
-            <a:pPr algn="l"/>
-            <a:r>
-              <a:rPr lang="en-US" b="0" i="0" u="none" strike="noStrike" baseline="0" dirty="0">
-                <a:latin typeface="Calibri" panose="020F0502020204030204" pitchFamily="34" charset="0"/>
-                <a:cs typeface="Calibri" panose="020F0502020204030204" pitchFamily="34" charset="0"/>
-              </a:rPr>
-              <a:t>The server time is &lt;strong&gt;02:59:09&lt;/strong&gt;</a:t>
-            </a:r>
-          </a:p>
-          <a:p>
-            <a:pPr algn="l"/>
-            <a:r>
-              <a:rPr lang="en-CA" b="0" i="0" u="none" strike="noStrike" baseline="0" dirty="0">
-                <a:latin typeface="Calibri" panose="020F0502020204030204" pitchFamily="34" charset="0"/>
-                <a:cs typeface="Calibri" panose="020F0502020204030204" pitchFamily="34" charset="0"/>
-              </a:rPr>
-              <a:t>&lt;/p&gt;</a:t>
-            </a:r>
-          </a:p>
-          <a:p>
-            <a:pPr algn="l"/>
-            <a:r>
-              <a:rPr lang="en-CA" b="0" i="0" u="none" strike="noStrike" baseline="0" dirty="0">
-                <a:latin typeface="Calibri" panose="020F0502020204030204" pitchFamily="34" charset="0"/>
-                <a:cs typeface="Calibri" panose="020F0502020204030204" pitchFamily="34" charset="0"/>
-              </a:rPr>
-              <a:t>&lt;/body&gt;</a:t>
-            </a:r>
-          </a:p>
-          <a:p>
-            <a:pPr algn="l"/>
-            <a:r>
-              <a:rPr lang="en-CA" b="0" i="0" u="none" strike="noStrike" baseline="0" dirty="0">
-                <a:latin typeface="Calibri" panose="020F0502020204030204" pitchFamily="34" charset="0"/>
-                <a:cs typeface="Calibri" panose="020F0502020204030204" pitchFamily="34" charset="0"/>
-              </a:rPr>
-              <a:t>&lt;/html&gt;</a:t>
-            </a:r>
-            <a:endParaRPr lang="en-CA" sz="700" b="0" i="0" u="none" strike="noStrike" baseline="0" dirty="0">
-              <a:solidFill>
-                <a:srgbClr val="000000"/>
-              </a:solidFill>
-              <a:latin typeface="Calibri" panose="020F0502020204030204" pitchFamily="34" charset="0"/>
-              <a:cs typeface="Calibri" panose="020F0502020204030204" pitchFamily="34" charset="0"/>
-            </a:endParaRPr>
-          </a:p>
-        </p:txBody>
-      </p:sp>
-      <p:sp>
-        <p:nvSpPr>
-          <p:cNvPr id="9" name="TextBox 8">
-            <a:extLst>
-              <a:ext uri="{FF2B5EF4-FFF2-40B4-BE49-F238E27FC236}">
-                <a16:creationId xmlns:a16="http://schemas.microsoft.com/office/drawing/2014/main" id="{713F44B4-FD22-46B5-9E8D-EB7A2B3D31B7}"/>
-              </a:ext>
-            </a:extLst>
-          </p:cNvPr>
-          <p:cNvSpPr txBox="1"/>
-          <p:nvPr/>
-        </p:nvSpPr>
-        <p:spPr>
-          <a:xfrm>
-            <a:off x="5266063" y="3047333"/>
-            <a:ext cx="3573137" cy="461665"/>
-          </a:xfrm>
-          <a:prstGeom prst="rect">
-            <a:avLst/>
-          </a:prstGeom>
-          <a:noFill/>
-        </p:spPr>
-        <p:txBody>
-          <a:bodyPr wrap="square" rtlCol="0">
-            <a:spAutoFit/>
-          </a:bodyPr>
-          <a:lstStyle/>
-          <a:p>
-            <a:r>
-              <a:rPr lang="en-US" sz="1200" b="1" i="0" u="none" strike="noStrike" baseline="0" dirty="0">
-                <a:solidFill>
-                  <a:srgbClr val="009A9A"/>
-                </a:solidFill>
+            <a:pPr marL="114300" indent="0" algn="l">
+              <a:buNone/>
+            </a:pPr>
+            <a:r>
+              <a:rPr lang="en-CA" sz="1800" b="0" i="0" u="none" strike="noStrike" baseline="0" dirty="0">
                 <a:latin typeface="+mj-lt"/>
               </a:rPr>
-              <a:t>LISTING 12.2 </a:t>
-            </a:r>
-            <a:r>
-              <a:rPr lang="en-US" sz="1200" b="0" i="0" u="none" strike="noStrike" baseline="0" dirty="0">
-                <a:solidFill>
-                  <a:srgbClr val="000000"/>
-                </a:solidFill>
+              <a:t>PHP uses the </a:t>
+            </a:r>
+            <a:r>
+              <a:rPr lang="en-US" sz="1800" b="0" i="0" u="none" strike="noStrike" baseline="0" dirty="0">
                 <a:latin typeface="+mj-lt"/>
               </a:rPr>
-              <a:t>Output (HTML) from PHP script in Listing 12.1</a:t>
-            </a:r>
-            <a:endParaRPr lang="en-CA" sz="1200" dirty="0">
+              <a:t>same commenting mechanisms as JavaScript, namely multi-line block comments using /* */ or end-of-line comments using //</a:t>
+            </a:r>
+            <a:endParaRPr lang="en-CA" dirty="0">
               <a:latin typeface="+mj-lt"/>
             </a:endParaRPr>
-          </a:p>
-        </p:txBody>
-      </p:sp>
-      <p:sp>
-        <p:nvSpPr>
-          <p:cNvPr id="10" name="Arrow: Right 9">
-            <a:extLst>
-              <a:ext uri="{FF2B5EF4-FFF2-40B4-BE49-F238E27FC236}">
-                <a16:creationId xmlns:a16="http://schemas.microsoft.com/office/drawing/2014/main" id="{CBAA82A7-78DD-491D-8DC3-166489E10CDA}"/>
-              </a:ext>
-              <a:ext uri="{C183D7F6-B498-43B3-948B-1728B52AA6E4}">
-                <adec:decorative xmlns:adec="http://schemas.microsoft.com/office/drawing/2017/decorative" val="1"/>
-              </a:ext>
-            </a:extLst>
-          </p:cNvPr>
-          <p:cNvSpPr/>
-          <p:nvPr/>
-        </p:nvSpPr>
-        <p:spPr>
-          <a:xfrm>
-            <a:off x="4715219" y="2007062"/>
-            <a:ext cx="407624" cy="564688"/>
-          </a:xfrm>
-          <a:prstGeom prst="rightArrow">
-            <a:avLst/>
-          </a:prstGeom>
-          <a:solidFill>
-            <a:schemeClr val="tx2"/>
-          </a:solidFill>
-        </p:spPr>
-        <p:style>
-          <a:lnRef idx="2">
-            <a:schemeClr val="accent1">
-              <a:shade val="50000"/>
-            </a:schemeClr>
-          </a:lnRef>
-          <a:fillRef idx="1">
-            <a:schemeClr val="accent1"/>
-          </a:fillRef>
-          <a:effectRef idx="0">
-            <a:schemeClr val="accent1"/>
-          </a:effectRef>
-          <a:fontRef idx="minor">
-            <a:schemeClr val="lt1"/>
-          </a:fontRef>
-        </p:style>
-        <p:txBody>
-          <a:bodyPr rtlCol="0" anchor="ctr"/>
-          <a:lstStyle/>
-          <a:p>
-            <a:pPr algn="ctr"/>
-            <a:endParaRPr lang="en-CA"/>
           </a:p>
         </p:txBody>
       </p:sp>
     </p:spTree>
     <p:extLst>
       <p:ext uri="{BB962C8B-B14F-4D97-AF65-F5344CB8AC3E}">
-        <p14:creationId xmlns:p14="http://schemas.microsoft.com/office/powerpoint/2010/main" val="280793194"/>
+        <p14:creationId xmlns:p14="http://schemas.microsoft.com/office/powerpoint/2010/main" val="240030629"/>
       </p:ext>
     </p:extLst>
   </p:cSld>
